--- a/AWS기반 Serverless 아키텍쳐.pptx
+++ b/AWS기반 Serverless 아키텍쳐.pptx
@@ -6,16 +6,18 @@
   </p:sldMasterIdLst>
   <p:sldIdLst>
     <p:sldId id="256" r:id="rId2"/>
-    <p:sldId id="257" r:id="rId3"/>
-    <p:sldId id="258" r:id="rId4"/>
-    <p:sldId id="259" r:id="rId5"/>
-    <p:sldId id="260" r:id="rId6"/>
-    <p:sldId id="261" r:id="rId7"/>
-    <p:sldId id="262" r:id="rId8"/>
-    <p:sldId id="263" r:id="rId9"/>
-    <p:sldId id="264" r:id="rId10"/>
-    <p:sldId id="265" r:id="rId11"/>
-    <p:sldId id="266" r:id="rId12"/>
+    <p:sldId id="267" r:id="rId3"/>
+    <p:sldId id="257" r:id="rId4"/>
+    <p:sldId id="260" r:id="rId5"/>
+    <p:sldId id="268" r:id="rId6"/>
+    <p:sldId id="270" r:id="rId7"/>
+    <p:sldId id="269" r:id="rId8"/>
+    <p:sldId id="262" r:id="rId9"/>
+    <p:sldId id="263" r:id="rId10"/>
+    <p:sldId id="261" r:id="rId11"/>
+    <p:sldId id="264" r:id="rId12"/>
+    <p:sldId id="265" r:id="rId13"/>
+    <p:sldId id="266" r:id="rId14"/>
   </p:sldIdLst>
   <p:sldSz cx="12192000" cy="6858000"/>
   <p:notesSz cx="6858000" cy="9144000"/>
@@ -126,6 +128,7 @@
 <p1510:revInfo xmlns:a="http://schemas.openxmlformats.org/drawingml/2006/main" xmlns:r="http://schemas.openxmlformats.org/officeDocument/2006/relationships" xmlns:p1510="http://schemas.microsoft.com/office/powerpoint/2015/10/main">
   <p1510:revLst>
     <p1510:client id="{10BD0A25-FB77-49D6-A009-9FC02A2FB252}" v="3566" dt="2020-02-25T08:51:01.633"/>
+    <p1510:client id="{A342DE91-562B-486A-8E94-E5262CFE1A7C}" v="342" dt="2020-03-03T19:31:20.211"/>
   </p1510:revLst>
 </p1510:revInfo>
 </file>
@@ -259,7 +262,7 @@
           <a:p>
             <a:fld id="{2566825D-2B69-4989-8861-A6901ABADB6C}" type="datetimeFigureOut">
               <a:rPr lang="ko-KR" altLang="en-US" smtClean="0"/>
-              <a:t>2020-02-25</a:t>
+              <a:t>2020-03-03</a:t>
             </a:fld>
             <a:endParaRPr lang="ko-KR" altLang="en-US"/>
           </a:p>
@@ -427,7 +430,7 @@
           <a:p>
             <a:fld id="{2566825D-2B69-4989-8861-A6901ABADB6C}" type="datetimeFigureOut">
               <a:rPr lang="ko-KR" altLang="en-US" smtClean="0"/>
-              <a:t>2020-02-25</a:t>
+              <a:t>2020-03-03</a:t>
             </a:fld>
             <a:endParaRPr lang="ko-KR" altLang="en-US"/>
           </a:p>
@@ -605,7 +608,7 @@
           <a:p>
             <a:fld id="{2566825D-2B69-4989-8861-A6901ABADB6C}" type="datetimeFigureOut">
               <a:rPr lang="ko-KR" altLang="en-US" smtClean="0"/>
-              <a:t>2020-02-25</a:t>
+              <a:t>2020-03-03</a:t>
             </a:fld>
             <a:endParaRPr lang="ko-KR" altLang="en-US"/>
           </a:p>
@@ -773,7 +776,7 @@
           <a:p>
             <a:fld id="{2566825D-2B69-4989-8861-A6901ABADB6C}" type="datetimeFigureOut">
               <a:rPr lang="ko-KR" altLang="en-US" smtClean="0"/>
-              <a:t>2020-02-25</a:t>
+              <a:t>2020-03-03</a:t>
             </a:fld>
             <a:endParaRPr lang="ko-KR" altLang="en-US"/>
           </a:p>
@@ -1018,7 +1021,7 @@
           <a:p>
             <a:fld id="{2566825D-2B69-4989-8861-A6901ABADB6C}" type="datetimeFigureOut">
               <a:rPr lang="ko-KR" altLang="en-US" smtClean="0"/>
-              <a:t>2020-02-25</a:t>
+              <a:t>2020-03-03</a:t>
             </a:fld>
             <a:endParaRPr lang="ko-KR" altLang="en-US"/>
           </a:p>
@@ -1247,7 +1250,7 @@
           <a:p>
             <a:fld id="{2566825D-2B69-4989-8861-A6901ABADB6C}" type="datetimeFigureOut">
               <a:rPr lang="ko-KR" altLang="en-US" smtClean="0"/>
-              <a:t>2020-02-25</a:t>
+              <a:t>2020-03-03</a:t>
             </a:fld>
             <a:endParaRPr lang="ko-KR" altLang="en-US"/>
           </a:p>
@@ -1611,7 +1614,7 @@
           <a:p>
             <a:fld id="{2566825D-2B69-4989-8861-A6901ABADB6C}" type="datetimeFigureOut">
               <a:rPr lang="ko-KR" altLang="en-US" smtClean="0"/>
-              <a:t>2020-02-25</a:t>
+              <a:t>2020-03-03</a:t>
             </a:fld>
             <a:endParaRPr lang="ko-KR" altLang="en-US"/>
           </a:p>
@@ -1728,7 +1731,7 @@
           <a:p>
             <a:fld id="{2566825D-2B69-4989-8861-A6901ABADB6C}" type="datetimeFigureOut">
               <a:rPr lang="ko-KR" altLang="en-US" smtClean="0"/>
-              <a:t>2020-02-25</a:t>
+              <a:t>2020-03-03</a:t>
             </a:fld>
             <a:endParaRPr lang="ko-KR" altLang="en-US"/>
           </a:p>
@@ -1823,7 +1826,7 @@
           <a:p>
             <a:fld id="{2566825D-2B69-4989-8861-A6901ABADB6C}" type="datetimeFigureOut">
               <a:rPr lang="ko-KR" altLang="en-US" smtClean="0"/>
-              <a:t>2020-02-25</a:t>
+              <a:t>2020-03-03</a:t>
             </a:fld>
             <a:endParaRPr lang="ko-KR" altLang="en-US"/>
           </a:p>
@@ -2098,7 +2101,7 @@
           <a:p>
             <a:fld id="{2566825D-2B69-4989-8861-A6901ABADB6C}" type="datetimeFigureOut">
               <a:rPr lang="ko-KR" altLang="en-US" smtClean="0"/>
-              <a:t>2020-02-25</a:t>
+              <a:t>2020-03-03</a:t>
             </a:fld>
             <a:endParaRPr lang="ko-KR" altLang="en-US"/>
           </a:p>
@@ -2350,7 +2353,7 @@
           <a:p>
             <a:fld id="{2566825D-2B69-4989-8861-A6901ABADB6C}" type="datetimeFigureOut">
               <a:rPr lang="ko-KR" altLang="en-US" smtClean="0"/>
-              <a:t>2020-02-25</a:t>
+              <a:t>2020-03-03</a:t>
             </a:fld>
             <a:endParaRPr lang="ko-KR" altLang="en-US"/>
           </a:p>
@@ -2561,7 +2564,7 @@
           <a:p>
             <a:fld id="{2566825D-2B69-4989-8861-A6901ABADB6C}" type="datetimeFigureOut">
               <a:rPr lang="ko-KR" altLang="en-US" smtClean="0"/>
-              <a:t>2020-02-25</a:t>
+              <a:t>2020-03-03</a:t>
             </a:fld>
             <a:endParaRPr lang="ko-KR" altLang="en-US"/>
           </a:p>
@@ -3134,6 +3137,918 @@
           <p:cNvPr id="2" name="제목 1">
             <a:extLst>
               <a:ext uri="{FF2B5EF4-FFF2-40B4-BE49-F238E27FC236}">
+                <a16:creationId xmlns:a16="http://schemas.microsoft.com/office/drawing/2014/main" id="{C7A782F1-025D-47B1-9334-2AF2034B5743}"/>
+              </a:ext>
+            </a:extLst>
+          </p:cNvPr>
+          <p:cNvSpPr>
+            <a:spLocks noGrp="1"/>
+          </p:cNvSpPr>
+          <p:nvPr>
+            <p:ph type="title"/>
+          </p:nvPr>
+        </p:nvSpPr>
+        <p:spPr/>
+        <p:txBody>
+          <a:bodyPr/>
+          <a:lstStyle/>
+          <a:p>
+            <a:r>
+              <a:rPr lang="ko-KR" altLang="en-US" dirty="0">
+                <a:ea typeface="맑은 고딕"/>
+              </a:rPr>
+              <a:t>AWS-</a:t>
+            </a:r>
+            <a:r>
+              <a:rPr lang="ko-KR" altLang="en-US" dirty="0" err="1">
+                <a:ea typeface="맑은 고딕"/>
+              </a:rPr>
+              <a:t>dynamoDB</a:t>
+            </a:r>
+            <a:r>
+              <a:rPr lang="ko-KR" altLang="en-US" dirty="0">
+                <a:ea typeface="맑은 고딕"/>
+              </a:rPr>
+              <a:t>, AWS-</a:t>
+            </a:r>
+            <a:r>
+              <a:rPr lang="ko-KR" altLang="en-US" dirty="0" err="1">
+                <a:ea typeface="맑은 고딕"/>
+              </a:rPr>
+              <a:t>Lambda</a:t>
+            </a:r>
+          </a:p>
+        </p:txBody>
+      </p:sp>
+      <p:sp>
+        <p:nvSpPr>
+          <p:cNvPr id="3" name="내용 개체 틀 2">
+            <a:extLst>
+              <a:ext uri="{FF2B5EF4-FFF2-40B4-BE49-F238E27FC236}">
+                <a16:creationId xmlns:a16="http://schemas.microsoft.com/office/drawing/2014/main" id="{3B652287-7C95-45F5-BE77-E8EFE7EB8779}"/>
+              </a:ext>
+            </a:extLst>
+          </p:cNvPr>
+          <p:cNvSpPr>
+            <a:spLocks noGrp="1"/>
+          </p:cNvSpPr>
+          <p:nvPr>
+            <p:ph sz="half" idx="1"/>
+          </p:nvPr>
+        </p:nvSpPr>
+        <p:spPr>
+          <a:xfrm>
+            <a:off x="838200" y="1825625"/>
+            <a:ext cx="9840191" cy="4351338"/>
+          </a:xfrm>
+        </p:spPr>
+        <p:txBody>
+          <a:bodyPr vert="horz" lIns="91440" tIns="45720" rIns="91440" bIns="45720" rtlCol="0" anchor="t">
+            <a:normAutofit fontScale="92500" lnSpcReduction="10000"/>
+          </a:bodyPr>
+          <a:lstStyle/>
+          <a:p>
+            <a:r>
+              <a:rPr lang="ko-KR" altLang="en-US" dirty="0">
+                <a:ea typeface="맑은 고딕"/>
+              </a:rPr>
+              <a:t>기존의 </a:t>
+            </a:r>
+            <a:r>
+              <a:rPr lang="ko-KR" altLang="en-US" err="1">
+                <a:ea typeface="맑은 고딕"/>
+              </a:rPr>
+              <a:t>DB를</a:t>
+            </a:r>
+            <a:r>
+              <a:rPr lang="ko-KR" altLang="en-US" dirty="0">
+                <a:ea typeface="맑은 고딕"/>
+              </a:rPr>
+              <a:t> 좀 더 </a:t>
+            </a:r>
+            <a:r>
+              <a:rPr lang="ko-KR" altLang="en-US" err="1">
+                <a:ea typeface="맑은 고딕"/>
+              </a:rPr>
+              <a:t>편리할수</a:t>
+            </a:r>
+            <a:r>
+              <a:rPr lang="ko-KR" altLang="en-US" dirty="0">
+                <a:ea typeface="맑은 고딕"/>
+              </a:rPr>
+              <a:t> 있게 </a:t>
+            </a:r>
+            <a:r>
+              <a:rPr lang="ko-KR" altLang="en-US">
+                <a:ea typeface="맑은 고딕"/>
+              </a:rPr>
+              <a:t>noSQL로 별도의 </a:t>
+            </a:r>
+            <a:endParaRPr lang="ko-KR"/>
+          </a:p>
+          <a:p>
+            <a:pPr marL="0" indent="0">
+              <a:buNone/>
+            </a:pPr>
+            <a:r>
+              <a:rPr lang="ko-KR" altLang="en-US">
+                <a:ea typeface="맑은 고딕"/>
+              </a:rPr>
+              <a:t>  DB서버를</a:t>
+            </a:r>
+            <a:r>
+              <a:rPr lang="ko-KR" altLang="en-US" dirty="0">
+                <a:ea typeface="맑은 고딕"/>
+              </a:rPr>
+              <a:t> 관리하지 않아도 데이터를 저장하고 받아올 수 있다.</a:t>
+            </a:r>
+            <a:endParaRPr lang="ko-KR"/>
+          </a:p>
+          <a:p>
+            <a:endParaRPr lang="ko-KR" altLang="en-US">
+              <a:ea typeface="맑은 고딕"/>
+            </a:endParaRPr>
+          </a:p>
+          <a:p>
+            <a:r>
+              <a:rPr lang="ko-KR" altLang="en-US">
+                <a:ea typeface="맑은 고딕"/>
+              </a:rPr>
+              <a:t>application 분야에서도 동일한 서비스를 제공할 수 있지 않을까 생각 하고 만들어진 것이 AWS-</a:t>
+            </a:r>
+            <a:r>
+              <a:rPr lang="ko-KR" altLang="en-US" err="1">
+                <a:ea typeface="맑은 고딕"/>
+              </a:rPr>
+              <a:t>Lambda이다</a:t>
+            </a:r>
+            <a:endParaRPr lang="ko-KR" altLang="en-US">
+              <a:ea typeface="맑은 고딕"/>
+            </a:endParaRPr>
+          </a:p>
+          <a:p>
+            <a:endParaRPr lang="ko-KR" altLang="en-US" dirty="0">
+              <a:ea typeface="+mn-lt"/>
+              <a:cs typeface="+mn-lt"/>
+            </a:endParaRPr>
+          </a:p>
+          <a:p>
+            <a:r>
+              <a:rPr lang="ko-KR">
+                <a:ea typeface="+mn-lt"/>
+                <a:cs typeface="+mn-lt"/>
+              </a:rPr>
+              <a:t>타 </a:t>
+            </a:r>
+            <a:r>
+              <a:rPr lang="ko-KR" err="1">
+                <a:ea typeface="+mn-lt"/>
+                <a:cs typeface="+mn-lt"/>
+              </a:rPr>
+              <a:t>DB보다</a:t>
+            </a:r>
+            <a:r>
+              <a:rPr lang="ko-KR" dirty="0">
+                <a:ea typeface="+mn-lt"/>
+                <a:cs typeface="+mn-lt"/>
+              </a:rPr>
+              <a:t> 빠르고 편리하고 자체 서비스중인 </a:t>
+            </a:r>
+            <a:r>
+              <a:rPr lang="ko-KR" err="1">
+                <a:ea typeface="+mn-lt"/>
+                <a:cs typeface="+mn-lt"/>
+              </a:rPr>
+              <a:t>DB를</a:t>
+            </a:r>
+            <a:r>
+              <a:rPr lang="ko-KR" dirty="0">
+                <a:ea typeface="+mn-lt"/>
+                <a:cs typeface="+mn-lt"/>
+              </a:rPr>
+              <a:t> 사용함으로써 사용하기가 용이하기 때문</a:t>
+            </a:r>
+            <a:endParaRPr lang="ko-KR"/>
+          </a:p>
+          <a:p>
+            <a:endParaRPr lang="en-US" altLang="ko-KR" dirty="0">
+              <a:ea typeface="+mn-lt"/>
+              <a:cs typeface="+mn-lt"/>
+            </a:endParaRPr>
+          </a:p>
+          <a:p>
+            <a:r>
+              <a:rPr lang="en-US" altLang="ko-KR">
+                <a:ea typeface="+mn-lt"/>
+                <a:cs typeface="+mn-lt"/>
+              </a:rPr>
+              <a:t>AWS</a:t>
+            </a:r>
+            <a:r>
+              <a:rPr lang="ko-KR" altLang="en-US">
+                <a:ea typeface="+mn-lt"/>
+                <a:cs typeface="+mn-lt"/>
+              </a:rPr>
+              <a:t>에서</a:t>
+            </a:r>
+            <a:r>
+              <a:rPr lang="ko-KR" altLang="en-US" dirty="0">
+                <a:ea typeface="+mn-lt"/>
+                <a:cs typeface="+mn-lt"/>
+              </a:rPr>
+              <a:t> 자체 </a:t>
+            </a:r>
+            <a:r>
+              <a:rPr lang="ko-KR" altLang="en-US" err="1">
+                <a:ea typeface="+mn-lt"/>
+                <a:cs typeface="+mn-lt"/>
+              </a:rPr>
+              <a:t>서비스중이기</a:t>
+            </a:r>
+            <a:r>
+              <a:rPr lang="ko-KR" altLang="en-US" dirty="0">
+                <a:ea typeface="+mn-lt"/>
+                <a:cs typeface="+mn-lt"/>
+              </a:rPr>
+              <a:t> 때문에 사용하기가 용이하다</a:t>
+            </a:r>
+            <a:endParaRPr lang="ko-KR">
+              <a:ea typeface="맑은 고딕"/>
+            </a:endParaRPr>
+          </a:p>
+        </p:txBody>
+      </p:sp>
+    </p:spTree>
+    <p:extLst>
+      <p:ext uri="{BB962C8B-B14F-4D97-AF65-F5344CB8AC3E}">
+        <p14:creationId xmlns:p14="http://schemas.microsoft.com/office/powerpoint/2010/main" val="137158207"/>
+      </p:ext>
+    </p:extLst>
+  </p:cSld>
+  <p:clrMapOvr>
+    <a:masterClrMapping/>
+  </p:clrMapOvr>
+</p:sld>
+</file>
+
+<file path=ppt/slides/slide11.xml><?xml version="1.0" encoding="utf-8"?>
+<p:sld xmlns:a="http://schemas.openxmlformats.org/drawingml/2006/main" xmlns:r="http://schemas.openxmlformats.org/officeDocument/2006/relationships" xmlns:p="http://schemas.openxmlformats.org/presentationml/2006/main">
+  <p:cSld>
+    <p:spTree>
+      <p:nvGrpSpPr>
+        <p:cNvPr id="1" name=""/>
+        <p:cNvGrpSpPr/>
+        <p:nvPr/>
+      </p:nvGrpSpPr>
+      <p:grpSpPr>
+        <a:xfrm>
+          <a:off x="0" y="0"/>
+          <a:ext cx="0" cy="0"/>
+          <a:chOff x="0" y="0"/>
+          <a:chExt cx="0" cy="0"/>
+        </a:xfrm>
+      </p:grpSpPr>
+      <p:sp>
+        <p:nvSpPr>
+          <p:cNvPr id="2" name="제목 1">
+            <a:extLst>
+              <a:ext uri="{FF2B5EF4-FFF2-40B4-BE49-F238E27FC236}">
+                <a16:creationId xmlns:a16="http://schemas.microsoft.com/office/drawing/2014/main" id="{C7B21F73-CAF4-4C89-9C36-91BB0A0482FF}"/>
+              </a:ext>
+            </a:extLst>
+          </p:cNvPr>
+          <p:cNvSpPr>
+            <a:spLocks noGrp="1"/>
+          </p:cNvSpPr>
+          <p:nvPr>
+            <p:ph type="title"/>
+          </p:nvPr>
+        </p:nvSpPr>
+        <p:spPr/>
+        <p:txBody>
+          <a:bodyPr/>
+          <a:lstStyle/>
+          <a:p>
+            <a:r>
+              <a:rPr lang="ko-KR" altLang="en-US" dirty="0">
+                <a:ea typeface="맑은 고딕"/>
+              </a:rPr>
+              <a:t>API </a:t>
+            </a:r>
+            <a:r>
+              <a:rPr lang="ko-KR" altLang="en-US" dirty="0" err="1">
+                <a:ea typeface="맑은 고딕"/>
+              </a:rPr>
+              <a:t>Gateway를</a:t>
+            </a:r>
+            <a:r>
+              <a:rPr lang="ko-KR" altLang="en-US" dirty="0">
+                <a:ea typeface="맑은 고딕"/>
+              </a:rPr>
+              <a:t> 사용한 REST 서비스 생성</a:t>
+            </a:r>
+          </a:p>
+        </p:txBody>
+      </p:sp>
+      <p:sp>
+        <p:nvSpPr>
+          <p:cNvPr id="9" name="직사각형 8">
+            <a:extLst>
+              <a:ext uri="{FF2B5EF4-FFF2-40B4-BE49-F238E27FC236}">
+                <a16:creationId xmlns:a16="http://schemas.microsoft.com/office/drawing/2014/main" id="{F7772302-376E-4E28-B02F-DF0A33C1B87D}"/>
+              </a:ext>
+            </a:extLst>
+          </p:cNvPr>
+          <p:cNvSpPr/>
+          <p:nvPr/>
+        </p:nvSpPr>
+        <p:spPr>
+          <a:xfrm>
+            <a:off x="699247" y="1949824"/>
+            <a:ext cx="1622611" cy="1021976"/>
+          </a:xfrm>
+          <a:prstGeom prst="rect">
+            <a:avLst/>
+          </a:prstGeom>
+        </p:spPr>
+        <p:style>
+          <a:lnRef idx="2">
+            <a:schemeClr val="accent1">
+              <a:shade val="50000"/>
+            </a:schemeClr>
+          </a:lnRef>
+          <a:fillRef idx="1">
+            <a:schemeClr val="accent1"/>
+          </a:fillRef>
+          <a:effectRef idx="0">
+            <a:schemeClr val="accent1"/>
+          </a:effectRef>
+          <a:fontRef idx="minor">
+            <a:schemeClr val="lt1"/>
+          </a:fontRef>
+        </p:style>
+        <p:txBody>
+          <a:bodyPr rtlCol="0" anchor="ctr"/>
+          <a:lstStyle/>
+          <a:p>
+            <a:pPr algn="ctr"/>
+            <a:r>
+              <a:rPr lang="ko-KR" altLang="en-US" dirty="0">
+                <a:ea typeface="맑은 고딕"/>
+              </a:rPr>
+              <a:t>모바일</a:t>
+            </a:r>
+          </a:p>
+        </p:txBody>
+      </p:sp>
+      <p:sp>
+        <p:nvSpPr>
+          <p:cNvPr id="10" name="직사각형 9">
+            <a:extLst>
+              <a:ext uri="{FF2B5EF4-FFF2-40B4-BE49-F238E27FC236}">
+                <a16:creationId xmlns:a16="http://schemas.microsoft.com/office/drawing/2014/main" id="{6A5327EE-DAC2-4F95-9DE7-1CD2ECEFB961}"/>
+              </a:ext>
+            </a:extLst>
+          </p:cNvPr>
+          <p:cNvSpPr/>
+          <p:nvPr/>
+        </p:nvSpPr>
+        <p:spPr>
+          <a:xfrm>
+            <a:off x="699247" y="3169024"/>
+            <a:ext cx="1622611" cy="1021976"/>
+          </a:xfrm>
+          <a:prstGeom prst="rect">
+            <a:avLst/>
+          </a:prstGeom>
+        </p:spPr>
+        <p:style>
+          <a:lnRef idx="2">
+            <a:schemeClr val="accent1">
+              <a:shade val="50000"/>
+            </a:schemeClr>
+          </a:lnRef>
+          <a:fillRef idx="1">
+            <a:schemeClr val="accent1"/>
+          </a:fillRef>
+          <a:effectRef idx="0">
+            <a:schemeClr val="accent1"/>
+          </a:effectRef>
+          <a:fontRef idx="minor">
+            <a:schemeClr val="lt1"/>
+          </a:fontRef>
+        </p:style>
+        <p:txBody>
+          <a:bodyPr rtlCol="0" anchor="ctr"/>
+          <a:lstStyle/>
+          <a:p>
+            <a:pPr algn="ctr"/>
+            <a:r>
+              <a:rPr lang="ko-KR" altLang="en-US" dirty="0">
+                <a:ea typeface="맑은 고딕"/>
+              </a:rPr>
+              <a:t>웹사이트</a:t>
+            </a:r>
+          </a:p>
+        </p:txBody>
+      </p:sp>
+      <p:sp>
+        <p:nvSpPr>
+          <p:cNvPr id="11" name="직사각형 10">
+            <a:extLst>
+              <a:ext uri="{FF2B5EF4-FFF2-40B4-BE49-F238E27FC236}">
+                <a16:creationId xmlns:a16="http://schemas.microsoft.com/office/drawing/2014/main" id="{BAF540DF-CE4A-464C-B630-F67988429428}"/>
+              </a:ext>
+            </a:extLst>
+          </p:cNvPr>
+          <p:cNvSpPr/>
+          <p:nvPr/>
+        </p:nvSpPr>
+        <p:spPr>
+          <a:xfrm>
+            <a:off x="699246" y="4424082"/>
+            <a:ext cx="1622611" cy="1021976"/>
+          </a:xfrm>
+          <a:prstGeom prst="rect">
+            <a:avLst/>
+          </a:prstGeom>
+        </p:spPr>
+        <p:style>
+          <a:lnRef idx="2">
+            <a:schemeClr val="accent1">
+              <a:shade val="50000"/>
+            </a:schemeClr>
+          </a:lnRef>
+          <a:fillRef idx="1">
+            <a:schemeClr val="accent1"/>
+          </a:fillRef>
+          <a:effectRef idx="0">
+            <a:schemeClr val="accent1"/>
+          </a:effectRef>
+          <a:fontRef idx="minor">
+            <a:schemeClr val="lt1"/>
+          </a:fontRef>
+        </p:style>
+        <p:txBody>
+          <a:bodyPr rtlCol="0" anchor="ctr"/>
+          <a:lstStyle/>
+          <a:p>
+            <a:pPr algn="ctr"/>
+            <a:r>
+              <a:rPr lang="ko-KR" altLang="en-US" dirty="0">
+                <a:ea typeface="맑은 고딕"/>
+              </a:rPr>
+              <a:t>서비스</a:t>
+            </a:r>
+          </a:p>
+        </p:txBody>
+      </p:sp>
+      <p:sp>
+        <p:nvSpPr>
+          <p:cNvPr id="12" name="직사각형 11">
+            <a:extLst>
+              <a:ext uri="{FF2B5EF4-FFF2-40B4-BE49-F238E27FC236}">
+                <a16:creationId xmlns:a16="http://schemas.microsoft.com/office/drawing/2014/main" id="{4F5FD371-4A8C-4858-8F39-83B56D8186C9}"/>
+              </a:ext>
+            </a:extLst>
+          </p:cNvPr>
+          <p:cNvSpPr/>
+          <p:nvPr/>
+        </p:nvSpPr>
+        <p:spPr>
+          <a:xfrm>
+            <a:off x="3424517" y="3169023"/>
+            <a:ext cx="1622611" cy="1021976"/>
+          </a:xfrm>
+          <a:prstGeom prst="rect">
+            <a:avLst/>
+          </a:prstGeom>
+        </p:spPr>
+        <p:style>
+          <a:lnRef idx="2">
+            <a:schemeClr val="accent1">
+              <a:shade val="50000"/>
+            </a:schemeClr>
+          </a:lnRef>
+          <a:fillRef idx="1">
+            <a:schemeClr val="accent1"/>
+          </a:fillRef>
+          <a:effectRef idx="0">
+            <a:schemeClr val="accent1"/>
+          </a:effectRef>
+          <a:fontRef idx="minor">
+            <a:schemeClr val="lt1"/>
+          </a:fontRef>
+        </p:style>
+        <p:txBody>
+          <a:bodyPr rtlCol="0" anchor="ctr"/>
+          <a:lstStyle/>
+          <a:p>
+            <a:pPr algn="ctr"/>
+            <a:r>
+              <a:rPr lang="ko-KR" altLang="en-US" dirty="0">
+                <a:ea typeface="맑은 고딕"/>
+              </a:rPr>
+              <a:t>인터넷</a:t>
+            </a:r>
+          </a:p>
+        </p:txBody>
+      </p:sp>
+      <p:sp>
+        <p:nvSpPr>
+          <p:cNvPr id="13" name="사각형: 둥근 모서리 12">
+            <a:extLst>
+              <a:ext uri="{FF2B5EF4-FFF2-40B4-BE49-F238E27FC236}">
+                <a16:creationId xmlns:a16="http://schemas.microsoft.com/office/drawing/2014/main" id="{E4590C97-362A-4D82-A9B9-E510EC38FD11}"/>
+              </a:ext>
+            </a:extLst>
+          </p:cNvPr>
+          <p:cNvSpPr/>
+          <p:nvPr/>
+        </p:nvSpPr>
+        <p:spPr>
+          <a:xfrm>
+            <a:off x="6272187" y="3166934"/>
+            <a:ext cx="1550894" cy="1120588"/>
+          </a:xfrm>
+          <a:prstGeom prst="roundRect">
+            <a:avLst/>
+          </a:prstGeom>
+        </p:spPr>
+        <p:style>
+          <a:lnRef idx="0">
+            <a:schemeClr val="accent2"/>
+          </a:lnRef>
+          <a:fillRef idx="3">
+            <a:schemeClr val="accent2"/>
+          </a:fillRef>
+          <a:effectRef idx="3">
+            <a:schemeClr val="accent2"/>
+          </a:effectRef>
+          <a:fontRef idx="minor">
+            <a:schemeClr val="lt1"/>
+          </a:fontRef>
+        </p:style>
+        <p:txBody>
+          <a:bodyPr rtlCol="0" anchor="ctr"/>
+          <a:lstStyle/>
+          <a:p>
+            <a:pPr algn="ctr"/>
+            <a:r>
+              <a:rPr lang="ko-KR" altLang="en-US" dirty="0">
+                <a:ea typeface="맑은 고딕"/>
+              </a:rPr>
+              <a:t>API</a:t>
+            </a:r>
+          </a:p>
+          <a:p>
+            <a:pPr algn="ctr"/>
+            <a:r>
+              <a:rPr lang="ko-KR" altLang="en-US" dirty="0" err="1">
+                <a:ea typeface="맑은 고딕"/>
+              </a:rPr>
+              <a:t>Gateway</a:t>
+            </a:r>
+          </a:p>
+        </p:txBody>
+      </p:sp>
+      <p:cxnSp>
+        <p:nvCxnSpPr>
+          <p:cNvPr id="14" name="직선 화살표 연결선 13">
+            <a:extLst>
+              <a:ext uri="{FF2B5EF4-FFF2-40B4-BE49-F238E27FC236}">
+                <a16:creationId xmlns:a16="http://schemas.microsoft.com/office/drawing/2014/main" id="{E322CE20-1CDA-468C-98BC-C06588E3414D}"/>
+              </a:ext>
+            </a:extLst>
+          </p:cNvPr>
+          <p:cNvCxnSpPr/>
+          <p:nvPr/>
+        </p:nvCxnSpPr>
+        <p:spPr>
+          <a:xfrm flipV="1">
+            <a:off x="2356597" y="3813361"/>
+            <a:ext cx="1030942" cy="1156447"/>
+          </a:xfrm>
+          <a:prstGeom prst="straightConnector1">
+            <a:avLst/>
+          </a:prstGeom>
+          <a:ln>
+            <a:tailEnd type="triangle"/>
+          </a:ln>
+        </p:spPr>
+        <p:style>
+          <a:lnRef idx="3">
+            <a:schemeClr val="dk1"/>
+          </a:lnRef>
+          <a:fillRef idx="0">
+            <a:schemeClr val="dk1"/>
+          </a:fillRef>
+          <a:effectRef idx="2">
+            <a:schemeClr val="dk1"/>
+          </a:effectRef>
+          <a:fontRef idx="minor">
+            <a:schemeClr val="tx1"/>
+          </a:fontRef>
+        </p:style>
+      </p:cxnSp>
+      <p:cxnSp>
+        <p:nvCxnSpPr>
+          <p:cNvPr id="16" name="직선 화살표 연결선 15">
+            <a:extLst>
+              <a:ext uri="{FF2B5EF4-FFF2-40B4-BE49-F238E27FC236}">
+                <a16:creationId xmlns:a16="http://schemas.microsoft.com/office/drawing/2014/main" id="{B106F54A-89E3-4BEB-B5F1-F017A2582AC8}"/>
+              </a:ext>
+            </a:extLst>
+          </p:cNvPr>
+          <p:cNvCxnSpPr>
+            <a:cxnSpLocks/>
+          </p:cNvCxnSpPr>
+          <p:nvPr/>
+        </p:nvCxnSpPr>
+        <p:spPr>
+          <a:xfrm flipV="1">
+            <a:off x="2356596" y="3714748"/>
+            <a:ext cx="1021978" cy="44823"/>
+          </a:xfrm>
+          <a:prstGeom prst="straightConnector1">
+            <a:avLst/>
+          </a:prstGeom>
+          <a:ln>
+            <a:tailEnd type="triangle"/>
+          </a:ln>
+        </p:spPr>
+        <p:style>
+          <a:lnRef idx="3">
+            <a:schemeClr val="dk1"/>
+          </a:lnRef>
+          <a:fillRef idx="0">
+            <a:schemeClr val="dk1"/>
+          </a:fillRef>
+          <a:effectRef idx="2">
+            <a:schemeClr val="dk1"/>
+          </a:effectRef>
+          <a:fontRef idx="minor">
+            <a:schemeClr val="tx1"/>
+          </a:fontRef>
+        </p:style>
+      </p:cxnSp>
+      <p:cxnSp>
+        <p:nvCxnSpPr>
+          <p:cNvPr id="17" name="직선 화살표 연결선 16">
+            <a:extLst>
+              <a:ext uri="{FF2B5EF4-FFF2-40B4-BE49-F238E27FC236}">
+                <a16:creationId xmlns:a16="http://schemas.microsoft.com/office/drawing/2014/main" id="{61C08FA0-5892-4071-B107-CA924113058B}"/>
+              </a:ext>
+            </a:extLst>
+          </p:cNvPr>
+          <p:cNvCxnSpPr>
+            <a:cxnSpLocks/>
+          </p:cNvCxnSpPr>
+          <p:nvPr/>
+        </p:nvCxnSpPr>
+        <p:spPr>
+          <a:xfrm>
+            <a:off x="2347936" y="2460707"/>
+            <a:ext cx="1030637" cy="1124154"/>
+          </a:xfrm>
+          <a:prstGeom prst="straightConnector1">
+            <a:avLst/>
+          </a:prstGeom>
+          <a:ln>
+            <a:tailEnd type="triangle"/>
+          </a:ln>
+        </p:spPr>
+        <p:style>
+          <a:lnRef idx="3">
+            <a:schemeClr val="dk1"/>
+          </a:lnRef>
+          <a:fillRef idx="0">
+            <a:schemeClr val="dk1"/>
+          </a:fillRef>
+          <a:effectRef idx="2">
+            <a:schemeClr val="dk1"/>
+          </a:effectRef>
+          <a:fontRef idx="minor">
+            <a:schemeClr val="tx1"/>
+          </a:fontRef>
+        </p:style>
+      </p:cxnSp>
+      <p:sp>
+        <p:nvSpPr>
+          <p:cNvPr id="18" name="사각형: 둥근 모서리 17">
+            <a:extLst>
+              <a:ext uri="{FF2B5EF4-FFF2-40B4-BE49-F238E27FC236}">
+                <a16:creationId xmlns:a16="http://schemas.microsoft.com/office/drawing/2014/main" id="{6A8DB821-5572-466C-BB57-BFF710242BB7}"/>
+              </a:ext>
+            </a:extLst>
+          </p:cNvPr>
+          <p:cNvSpPr/>
+          <p:nvPr/>
+        </p:nvSpPr>
+        <p:spPr>
+          <a:xfrm>
+            <a:off x="8998527" y="2954481"/>
+            <a:ext cx="2294658" cy="1437408"/>
+          </a:xfrm>
+          <a:prstGeom prst="roundRect">
+            <a:avLst/>
+          </a:prstGeom>
+        </p:spPr>
+        <p:style>
+          <a:lnRef idx="0">
+            <a:schemeClr val="accent4"/>
+          </a:lnRef>
+          <a:fillRef idx="3">
+            <a:schemeClr val="accent4"/>
+          </a:fillRef>
+          <a:effectRef idx="3">
+            <a:schemeClr val="accent4"/>
+          </a:effectRef>
+          <a:fontRef idx="minor">
+            <a:schemeClr val="lt1"/>
+          </a:fontRef>
+        </p:style>
+        <p:txBody>
+          <a:bodyPr rtlCol="0" anchor="ctr"/>
+          <a:lstStyle/>
+          <a:p>
+            <a:pPr algn="ctr"/>
+            <a:r>
+              <a:rPr lang="ko-KR" altLang="en-US" dirty="0">
+                <a:solidFill>
+                  <a:schemeClr val="tx1">
+                    <a:lumMod val="95000"/>
+                    <a:lumOff val="5000"/>
+                  </a:schemeClr>
+                </a:solidFill>
+                <a:ea typeface="맑은 고딕"/>
+              </a:rPr>
+              <a:t>AWS </a:t>
+            </a:r>
+            <a:r>
+              <a:rPr lang="ko-KR" altLang="en-US" dirty="0" err="1">
+                <a:solidFill>
+                  <a:schemeClr val="tx1">
+                    <a:lumMod val="95000"/>
+                    <a:lumOff val="5000"/>
+                  </a:schemeClr>
+                </a:solidFill>
+                <a:ea typeface="맑은 고딕"/>
+              </a:rPr>
+              <a:t>Lambda</a:t>
+            </a:r>
+            <a:r>
+              <a:rPr lang="ko-KR" altLang="en-US" dirty="0">
+                <a:solidFill>
+                  <a:schemeClr val="tx1">
+                    <a:lumMod val="95000"/>
+                    <a:lumOff val="5000"/>
+                  </a:schemeClr>
+                </a:solidFill>
+                <a:ea typeface="맑은 고딕"/>
+              </a:rPr>
+              <a:t> </a:t>
+            </a:r>
+            <a:r>
+              <a:rPr lang="ko-KR" altLang="en-US" dirty="0" err="1">
+                <a:solidFill>
+                  <a:schemeClr val="tx1">
+                    <a:lumMod val="95000"/>
+                    <a:lumOff val="5000"/>
+                  </a:schemeClr>
+                </a:solidFill>
+                <a:ea typeface="맑은 고딕"/>
+              </a:rPr>
+              <a:t>functions</a:t>
+            </a:r>
+            <a:endParaRPr lang="ko-KR" altLang="en-US" dirty="0" err="1">
+              <a:solidFill>
+                <a:schemeClr val="tx1">
+                  <a:lumMod val="95000"/>
+                  <a:lumOff val="5000"/>
+                </a:schemeClr>
+              </a:solidFill>
+            </a:endParaRPr>
+          </a:p>
+        </p:txBody>
+      </p:sp>
+      <p:cxnSp>
+        <p:nvCxnSpPr>
+          <p:cNvPr id="19" name="직선 화살표 연결선 18">
+            <a:extLst>
+              <a:ext uri="{FF2B5EF4-FFF2-40B4-BE49-F238E27FC236}">
+                <a16:creationId xmlns:a16="http://schemas.microsoft.com/office/drawing/2014/main" id="{6A5E307B-1CA2-47D5-AE9A-E85C49B61FD8}"/>
+              </a:ext>
+            </a:extLst>
+          </p:cNvPr>
+          <p:cNvCxnSpPr>
+            <a:cxnSpLocks/>
+          </p:cNvCxnSpPr>
+          <p:nvPr/>
+        </p:nvCxnSpPr>
+        <p:spPr>
+          <a:xfrm flipV="1">
+            <a:off x="5066891" y="3654134"/>
+            <a:ext cx="1021978" cy="44823"/>
+          </a:xfrm>
+          <a:prstGeom prst="straightConnector1">
+            <a:avLst/>
+          </a:prstGeom>
+          <a:ln>
+            <a:tailEnd type="triangle"/>
+          </a:ln>
+        </p:spPr>
+        <p:style>
+          <a:lnRef idx="3">
+            <a:schemeClr val="dk1"/>
+          </a:lnRef>
+          <a:fillRef idx="0">
+            <a:schemeClr val="dk1"/>
+          </a:fillRef>
+          <a:effectRef idx="2">
+            <a:schemeClr val="dk1"/>
+          </a:effectRef>
+          <a:fontRef idx="minor">
+            <a:schemeClr val="tx1"/>
+          </a:fontRef>
+        </p:style>
+      </p:cxnSp>
+      <p:cxnSp>
+        <p:nvCxnSpPr>
+          <p:cNvPr id="20" name="직선 화살표 연결선 19">
+            <a:extLst>
+              <a:ext uri="{FF2B5EF4-FFF2-40B4-BE49-F238E27FC236}">
+                <a16:creationId xmlns:a16="http://schemas.microsoft.com/office/drawing/2014/main" id="{0FC52EAF-94C1-4F83-B69E-BE0F746F13C9}"/>
+              </a:ext>
+            </a:extLst>
+          </p:cNvPr>
+          <p:cNvCxnSpPr>
+            <a:cxnSpLocks/>
+          </p:cNvCxnSpPr>
+          <p:nvPr/>
+        </p:nvCxnSpPr>
+        <p:spPr>
+          <a:xfrm flipV="1">
+            <a:off x="8036959" y="3619497"/>
+            <a:ext cx="805501" cy="18846"/>
+          </a:xfrm>
+          <a:prstGeom prst="straightConnector1">
+            <a:avLst/>
+          </a:prstGeom>
+          <a:ln>
+            <a:tailEnd type="triangle"/>
+          </a:ln>
+        </p:spPr>
+        <p:style>
+          <a:lnRef idx="3">
+            <a:schemeClr val="dk1"/>
+          </a:lnRef>
+          <a:fillRef idx="0">
+            <a:schemeClr val="dk1"/>
+          </a:fillRef>
+          <a:effectRef idx="2">
+            <a:schemeClr val="dk1"/>
+          </a:effectRef>
+          <a:fontRef idx="minor">
+            <a:schemeClr val="tx1"/>
+          </a:fontRef>
+        </p:style>
+      </p:cxnSp>
+    </p:spTree>
+    <p:extLst>
+      <p:ext uri="{BB962C8B-B14F-4D97-AF65-F5344CB8AC3E}">
+        <p14:creationId xmlns:p14="http://schemas.microsoft.com/office/powerpoint/2010/main" val="1277153644"/>
+      </p:ext>
+    </p:extLst>
+  </p:cSld>
+  <p:clrMapOvr>
+    <a:masterClrMapping/>
+  </p:clrMapOvr>
+</p:sld>
+</file>
+
+<file path=ppt/slides/slide12.xml><?xml version="1.0" encoding="utf-8"?>
+<p:sld xmlns:a="http://schemas.openxmlformats.org/drawingml/2006/main" xmlns:r="http://schemas.openxmlformats.org/officeDocument/2006/relationships" xmlns:p="http://schemas.openxmlformats.org/presentationml/2006/main">
+  <p:cSld>
+    <p:spTree>
+      <p:nvGrpSpPr>
+        <p:cNvPr id="1" name=""/>
+        <p:cNvGrpSpPr/>
+        <p:nvPr/>
+      </p:nvGrpSpPr>
+      <p:grpSpPr>
+        <a:xfrm>
+          <a:off x="0" y="0"/>
+          <a:ext cx="0" cy="0"/>
+          <a:chOff x="0" y="0"/>
+          <a:chExt cx="0" cy="0"/>
+        </a:xfrm>
+      </p:grpSpPr>
+      <p:sp>
+        <p:nvSpPr>
+          <p:cNvPr id="2" name="제목 1">
+            <a:extLst>
+              <a:ext uri="{FF2B5EF4-FFF2-40B4-BE49-F238E27FC236}">
                 <a16:creationId xmlns:a16="http://schemas.microsoft.com/office/drawing/2014/main" id="{4FEBD717-7115-4BDE-AB32-780C8A39273A}"/>
               </a:ext>
             </a:extLst>
@@ -3377,7 +4292,7 @@
 </p:sld>
 </file>
 
-<file path=ppt/slides/slide11.xml><?xml version="1.0" encoding="utf-8"?>
+<file path=ppt/slides/slide13.xml><?xml version="1.0" encoding="utf-8"?>
 <p:sld xmlns:a="http://schemas.openxmlformats.org/drawingml/2006/main" xmlns:r="http://schemas.openxmlformats.org/officeDocument/2006/relationships" xmlns:p="http://schemas.openxmlformats.org/presentationml/2006/main">
   <p:cSld>
     <p:spTree>
@@ -4837,10 +5752,59 @@
       </p:grpSpPr>
       <p:sp>
         <p:nvSpPr>
+          <p:cNvPr id="43" name="순서도: 처리 42">
+            <a:extLst>
+              <a:ext uri="{FF2B5EF4-FFF2-40B4-BE49-F238E27FC236}">
+                <a16:creationId xmlns:a16="http://schemas.microsoft.com/office/drawing/2014/main" id="{9AD6A46C-782D-4288-AA6D-3F2FD0D1003D}"/>
+              </a:ext>
+            </a:extLst>
+          </p:cNvPr>
+          <p:cNvSpPr/>
+          <p:nvPr/>
+        </p:nvSpPr>
+        <p:spPr>
+          <a:xfrm>
+            <a:off x="2292059" y="1507754"/>
+            <a:ext cx="9213272" cy="5091545"/>
+          </a:xfrm>
+          <a:prstGeom prst="flowChartProcess">
+            <a:avLst/>
+          </a:prstGeom>
+          <a:solidFill>
+            <a:schemeClr val="bg1"/>
+          </a:solidFill>
+        </p:spPr>
+        <p:style>
+          <a:lnRef idx="2">
+            <a:schemeClr val="accent1">
+              <a:shade val="50000"/>
+            </a:schemeClr>
+          </a:lnRef>
+          <a:fillRef idx="1">
+            <a:schemeClr val="accent1"/>
+          </a:fillRef>
+          <a:effectRef idx="0">
+            <a:schemeClr val="accent1"/>
+          </a:effectRef>
+          <a:fontRef idx="minor">
+            <a:schemeClr val="lt1"/>
+          </a:fontRef>
+        </p:style>
+        <p:txBody>
+          <a:bodyPr rtlCol="0" anchor="ctr"/>
+          <a:lstStyle/>
+          <a:p>
+            <a:pPr algn="ctr"/>
+            <a:endParaRPr lang="ko-KR" altLang="en-US"/>
+          </a:p>
+        </p:txBody>
+      </p:sp>
+      <p:sp>
+        <p:nvSpPr>
           <p:cNvPr id="2" name="제목 1">
             <a:extLst>
               <a:ext uri="{FF2B5EF4-FFF2-40B4-BE49-F238E27FC236}">
-                <a16:creationId xmlns:a16="http://schemas.microsoft.com/office/drawing/2014/main" id="{CDE7F6A7-9C92-4516-8952-2D48B3B69F08}"/>
+                <a16:creationId xmlns:a16="http://schemas.microsoft.com/office/drawing/2014/main" id="{05C94654-70EF-4A98-8C88-B2E338F7E6D0}"/>
               </a:ext>
             </a:extLst>
           </p:cNvPr>
@@ -4857,146 +5821,1350 @@
           <a:lstStyle/>
           <a:p>
             <a:r>
-              <a:rPr lang="ko-KR" altLang="en-US" dirty="0">
-                <a:ea typeface="맑은 고딕"/>
-              </a:rPr>
-              <a:t>클라우드 서비스를 선택한 이유</a:t>
+              <a:rPr lang="ko-KR" altLang="en-US" dirty="0" err="1">
+                <a:ea typeface="맑은 고딕"/>
+              </a:rPr>
+              <a:t>AWS기반</a:t>
+            </a:r>
+            <a:r>
+              <a:rPr lang="ko-KR" altLang="en-US" dirty="0">
+                <a:ea typeface="맑은 고딕"/>
+              </a:rPr>
+              <a:t> </a:t>
+            </a:r>
+            <a:r>
+              <a:rPr lang="ko-KR" altLang="en-US" dirty="0" err="1">
+                <a:ea typeface="맑은 고딕"/>
+              </a:rPr>
+              <a:t>Serverless</a:t>
+            </a:r>
+            <a:r>
+              <a:rPr lang="ko-KR" altLang="en-US" dirty="0">
+                <a:ea typeface="맑은 고딕"/>
+              </a:rPr>
+              <a:t> </a:t>
+            </a:r>
+            <a:r>
+              <a:rPr lang="ko-KR" altLang="en-US" dirty="0" err="1">
+                <a:ea typeface="맑은 고딕"/>
+              </a:rPr>
+              <a:t>백엔드</a:t>
+            </a:r>
+            <a:r>
+              <a:rPr lang="ko-KR" altLang="en-US" dirty="0">
+                <a:ea typeface="맑은 고딕"/>
+              </a:rPr>
+              <a:t> </a:t>
+            </a:r>
+            <a:r>
+              <a:rPr lang="ko-KR" altLang="en-US" dirty="0" err="1">
+                <a:ea typeface="맑은 고딕"/>
+              </a:rPr>
+              <a:t>아키텍쳐</a:t>
+            </a:r>
+          </a:p>
+        </p:txBody>
+      </p:sp>
+      <p:sp>
+        <p:nvSpPr>
+          <p:cNvPr id="6" name="직사각형 5">
+            <a:extLst>
+              <a:ext uri="{FF2B5EF4-FFF2-40B4-BE49-F238E27FC236}">
+                <a16:creationId xmlns:a16="http://schemas.microsoft.com/office/drawing/2014/main" id="{9715AA52-566E-4794-BE22-2DB58A3C278B}"/>
+              </a:ext>
+            </a:extLst>
+          </p:cNvPr>
+          <p:cNvSpPr/>
+          <p:nvPr/>
+        </p:nvSpPr>
+        <p:spPr>
+          <a:xfrm>
+            <a:off x="318247" y="2270210"/>
+            <a:ext cx="1622611" cy="1021976"/>
+          </a:xfrm>
+          <a:prstGeom prst="rect">
+            <a:avLst/>
+          </a:prstGeom>
+        </p:spPr>
+        <p:style>
+          <a:lnRef idx="2">
+            <a:schemeClr val="accent1">
+              <a:shade val="50000"/>
+            </a:schemeClr>
+          </a:lnRef>
+          <a:fillRef idx="1">
+            <a:schemeClr val="accent1"/>
+          </a:fillRef>
+          <a:effectRef idx="0">
+            <a:schemeClr val="accent1"/>
+          </a:effectRef>
+          <a:fontRef idx="minor">
+            <a:schemeClr val="lt1"/>
+          </a:fontRef>
+        </p:style>
+        <p:txBody>
+          <a:bodyPr rtlCol="0" anchor="ctr"/>
+          <a:lstStyle/>
+          <a:p>
+            <a:pPr algn="ctr"/>
+            <a:r>
+              <a:rPr lang="ko-KR" altLang="en-US" dirty="0">
+                <a:ea typeface="맑은 고딕"/>
+              </a:rPr>
+              <a:t>클라이언트</a:t>
+            </a:r>
+          </a:p>
+        </p:txBody>
+      </p:sp>
+      <p:sp>
+        <p:nvSpPr>
+          <p:cNvPr id="14" name="사각형: 둥근 모서리 13">
+            <a:extLst>
+              <a:ext uri="{FF2B5EF4-FFF2-40B4-BE49-F238E27FC236}">
+                <a16:creationId xmlns:a16="http://schemas.microsoft.com/office/drawing/2014/main" id="{A0463B50-7D89-4BA1-A9A5-3492C7F1EE63}"/>
+              </a:ext>
+            </a:extLst>
+          </p:cNvPr>
+          <p:cNvSpPr/>
+          <p:nvPr/>
+        </p:nvSpPr>
+        <p:spPr>
+          <a:xfrm>
+            <a:off x="3934232" y="1712207"/>
+            <a:ext cx="2087757" cy="1120588"/>
+          </a:xfrm>
+          <a:prstGeom prst="roundRect">
+            <a:avLst/>
+          </a:prstGeom>
+        </p:spPr>
+        <p:style>
+          <a:lnRef idx="0">
+            <a:schemeClr val="accent2"/>
+          </a:lnRef>
+          <a:fillRef idx="3">
+            <a:schemeClr val="accent2"/>
+          </a:fillRef>
+          <a:effectRef idx="3">
+            <a:schemeClr val="accent2"/>
+          </a:effectRef>
+          <a:fontRef idx="minor">
+            <a:schemeClr val="lt1"/>
+          </a:fontRef>
+        </p:style>
+        <p:txBody>
+          <a:bodyPr rtlCol="0" anchor="ctr"/>
+          <a:lstStyle/>
+          <a:p>
+            <a:pPr algn="ctr"/>
+            <a:r>
+              <a:rPr lang="ko-KR" altLang="en-US" dirty="0">
+                <a:ea typeface="맑은 고딕"/>
+              </a:rPr>
+              <a:t>API</a:t>
+            </a:r>
+          </a:p>
+          <a:p>
+            <a:pPr algn="ctr"/>
+            <a:r>
+              <a:rPr lang="ko-KR" altLang="en-US" dirty="0" err="1">
+                <a:ea typeface="맑은 고딕"/>
+              </a:rPr>
+              <a:t>Gateway</a:t>
+            </a:r>
+          </a:p>
+        </p:txBody>
+      </p:sp>
+      <p:sp>
+        <p:nvSpPr>
+          <p:cNvPr id="16" name="사각형: 둥근 모서리 15">
+            <a:extLst>
+              <a:ext uri="{FF2B5EF4-FFF2-40B4-BE49-F238E27FC236}">
+                <a16:creationId xmlns:a16="http://schemas.microsoft.com/office/drawing/2014/main" id="{218A41C2-FE40-4BF4-92F0-95B1D2A08C35}"/>
+              </a:ext>
+            </a:extLst>
+          </p:cNvPr>
+          <p:cNvSpPr/>
+          <p:nvPr/>
+        </p:nvSpPr>
+        <p:spPr>
+          <a:xfrm>
+            <a:off x="6019799" y="3257549"/>
+            <a:ext cx="2294658" cy="1437408"/>
+          </a:xfrm>
+          <a:prstGeom prst="roundRect">
+            <a:avLst/>
+          </a:prstGeom>
+        </p:spPr>
+        <p:style>
+          <a:lnRef idx="0">
+            <a:schemeClr val="accent4"/>
+          </a:lnRef>
+          <a:fillRef idx="3">
+            <a:schemeClr val="accent4"/>
+          </a:fillRef>
+          <a:effectRef idx="3">
+            <a:schemeClr val="accent4"/>
+          </a:effectRef>
+          <a:fontRef idx="minor">
+            <a:schemeClr val="lt1"/>
+          </a:fontRef>
+        </p:style>
+        <p:txBody>
+          <a:bodyPr rtlCol="0" anchor="ctr"/>
+          <a:lstStyle/>
+          <a:p>
+            <a:pPr algn="ctr"/>
+            <a:r>
+              <a:rPr lang="ko-KR" altLang="en-US" dirty="0">
+                <a:solidFill>
+                  <a:schemeClr val="tx1">
+                    <a:lumMod val="95000"/>
+                    <a:lumOff val="5000"/>
+                  </a:schemeClr>
+                </a:solidFill>
+                <a:ea typeface="맑은 고딕"/>
+              </a:rPr>
+              <a:t>AWS </a:t>
+            </a:r>
+            <a:r>
+              <a:rPr lang="ko-KR" altLang="en-US" dirty="0" err="1">
+                <a:solidFill>
+                  <a:schemeClr val="tx1">
+                    <a:lumMod val="95000"/>
+                    <a:lumOff val="5000"/>
+                  </a:schemeClr>
+                </a:solidFill>
+                <a:ea typeface="맑은 고딕"/>
+              </a:rPr>
+              <a:t>Lambda</a:t>
+            </a:r>
+            <a:r>
+              <a:rPr lang="ko-KR" altLang="en-US" dirty="0">
+                <a:solidFill>
+                  <a:schemeClr val="tx1">
+                    <a:lumMod val="95000"/>
+                    <a:lumOff val="5000"/>
+                  </a:schemeClr>
+                </a:solidFill>
+                <a:ea typeface="맑은 고딕"/>
+              </a:rPr>
+              <a:t> </a:t>
+            </a:r>
+            <a:r>
+              <a:rPr lang="ko-KR" altLang="en-US" dirty="0" err="1">
+                <a:solidFill>
+                  <a:schemeClr val="tx1">
+                    <a:lumMod val="95000"/>
+                    <a:lumOff val="5000"/>
+                  </a:schemeClr>
+                </a:solidFill>
+                <a:ea typeface="맑은 고딕"/>
+              </a:rPr>
+              <a:t>functions</a:t>
+            </a:r>
+            <a:endParaRPr lang="ko-KR" altLang="en-US" dirty="0" err="1">
+              <a:solidFill>
+                <a:schemeClr val="tx1">
+                  <a:lumMod val="95000"/>
+                  <a:lumOff val="5000"/>
+                </a:schemeClr>
+              </a:solidFill>
+            </a:endParaRPr>
+          </a:p>
+        </p:txBody>
+      </p:sp>
+      <p:sp>
+        <p:nvSpPr>
+          <p:cNvPr id="17" name="사각형: 둥근 모서리 16">
+            <a:extLst>
+              <a:ext uri="{FF2B5EF4-FFF2-40B4-BE49-F238E27FC236}">
+                <a16:creationId xmlns:a16="http://schemas.microsoft.com/office/drawing/2014/main" id="{7B2E1641-5D21-4E63-ABE2-756D9B41D29B}"/>
+              </a:ext>
+            </a:extLst>
+          </p:cNvPr>
+          <p:cNvSpPr/>
+          <p:nvPr/>
+        </p:nvSpPr>
+        <p:spPr>
+          <a:xfrm>
+            <a:off x="9699911" y="3361459"/>
+            <a:ext cx="1584613" cy="1212272"/>
+          </a:xfrm>
+          <a:prstGeom prst="roundRect">
+            <a:avLst/>
+          </a:prstGeom>
+        </p:spPr>
+        <p:style>
+          <a:lnRef idx="0">
+            <a:schemeClr val="accent1"/>
+          </a:lnRef>
+          <a:fillRef idx="3">
+            <a:schemeClr val="accent1"/>
+          </a:fillRef>
+          <a:effectRef idx="3">
+            <a:schemeClr val="accent1"/>
+          </a:effectRef>
+          <a:fontRef idx="minor">
+            <a:schemeClr val="lt1"/>
+          </a:fontRef>
+        </p:style>
+        <p:txBody>
+          <a:bodyPr rtlCol="0" anchor="ctr"/>
+          <a:lstStyle/>
+          <a:p>
+            <a:pPr algn="ctr"/>
+            <a:r>
+              <a:rPr lang="ko-KR" altLang="en-US" dirty="0" err="1">
+                <a:ea typeface="맑은 고딕"/>
+              </a:rPr>
+              <a:t>Amazon</a:t>
+            </a:r>
+            <a:r>
+              <a:rPr lang="ko-KR" altLang="en-US" dirty="0">
+                <a:ea typeface="맑은 고딕"/>
+              </a:rPr>
+              <a:t> </a:t>
+            </a:r>
+            <a:r>
+              <a:rPr lang="ko-KR" altLang="en-US" dirty="0" err="1">
+                <a:ea typeface="맑은 고딕"/>
+              </a:rPr>
+              <a:t>DynamoDB</a:t>
+            </a:r>
+            <a:endParaRPr lang="ko-KR" altLang="en-US" dirty="0" err="1"/>
+          </a:p>
+        </p:txBody>
+      </p:sp>
+      <p:sp>
+        <p:nvSpPr>
+          <p:cNvPr id="18" name="사각형: 둥근 모서리 17">
+            <a:extLst>
+              <a:ext uri="{FF2B5EF4-FFF2-40B4-BE49-F238E27FC236}">
+                <a16:creationId xmlns:a16="http://schemas.microsoft.com/office/drawing/2014/main" id="{BCE36FF8-0B9E-42BE-820D-850B5D348766}"/>
+              </a:ext>
+            </a:extLst>
+          </p:cNvPr>
+          <p:cNvSpPr/>
+          <p:nvPr/>
+        </p:nvSpPr>
+        <p:spPr>
+          <a:xfrm>
+            <a:off x="2704641" y="3738434"/>
+            <a:ext cx="1550894" cy="1120588"/>
+          </a:xfrm>
+          <a:prstGeom prst="roundRect">
+            <a:avLst/>
+          </a:prstGeom>
+        </p:spPr>
+        <p:style>
+          <a:lnRef idx="0">
+            <a:schemeClr val="accent2"/>
+          </a:lnRef>
+          <a:fillRef idx="3">
+            <a:schemeClr val="accent2"/>
+          </a:fillRef>
+          <a:effectRef idx="3">
+            <a:schemeClr val="accent2"/>
+          </a:effectRef>
+          <a:fontRef idx="minor">
+            <a:schemeClr val="lt1"/>
+          </a:fontRef>
+        </p:style>
+        <p:txBody>
+          <a:bodyPr rtlCol="0" anchor="ctr"/>
+          <a:lstStyle/>
+          <a:p>
+            <a:pPr algn="ctr"/>
+            <a:r>
+              <a:rPr lang="ko-KR" altLang="en-US" dirty="0" err="1">
+                <a:ea typeface="맑은 고딕"/>
+              </a:rPr>
+              <a:t>Cognito</a:t>
+            </a:r>
+          </a:p>
+        </p:txBody>
+      </p:sp>
+      <p:sp>
+        <p:nvSpPr>
+          <p:cNvPr id="19" name="사각형: 둥근 모서리 18">
+            <a:extLst>
+              <a:ext uri="{FF2B5EF4-FFF2-40B4-BE49-F238E27FC236}">
+                <a16:creationId xmlns:a16="http://schemas.microsoft.com/office/drawing/2014/main" id="{D84961CA-7AFE-451E-B079-68DE02986FB4}"/>
+              </a:ext>
+            </a:extLst>
+          </p:cNvPr>
+          <p:cNvSpPr/>
+          <p:nvPr/>
+        </p:nvSpPr>
+        <p:spPr>
+          <a:xfrm>
+            <a:off x="2704641" y="5245116"/>
+            <a:ext cx="1550894" cy="1120588"/>
+          </a:xfrm>
+          <a:prstGeom prst="roundRect">
+            <a:avLst/>
+          </a:prstGeom>
+        </p:spPr>
+        <p:style>
+          <a:lnRef idx="0">
+            <a:schemeClr val="accent2"/>
+          </a:lnRef>
+          <a:fillRef idx="3">
+            <a:schemeClr val="accent2"/>
+          </a:fillRef>
+          <a:effectRef idx="3">
+            <a:schemeClr val="accent2"/>
+          </a:effectRef>
+          <a:fontRef idx="minor">
+            <a:schemeClr val="lt1"/>
+          </a:fontRef>
+        </p:style>
+        <p:txBody>
+          <a:bodyPr rtlCol="0" anchor="ctr"/>
+          <a:lstStyle/>
+          <a:p>
+            <a:pPr algn="ctr"/>
+            <a:r>
+              <a:rPr lang="ko-KR" altLang="en-US" dirty="0">
+                <a:ea typeface="맑은 고딕"/>
+              </a:rPr>
+              <a:t>S3 </a:t>
+            </a:r>
+            <a:r>
+              <a:rPr lang="ko-KR" altLang="en-US" dirty="0" err="1">
+                <a:ea typeface="맑은 고딕"/>
+              </a:rPr>
+              <a:t>bucket</a:t>
+            </a:r>
+          </a:p>
+        </p:txBody>
+      </p:sp>
+      <p:cxnSp>
+        <p:nvCxnSpPr>
+          <p:cNvPr id="21" name="직선 화살표 연결선 20">
+            <a:extLst>
+              <a:ext uri="{FF2B5EF4-FFF2-40B4-BE49-F238E27FC236}">
+                <a16:creationId xmlns:a16="http://schemas.microsoft.com/office/drawing/2014/main" id="{CBBEFB83-E08F-4D3A-9F12-BDCB2F32F68E}"/>
+              </a:ext>
+            </a:extLst>
+          </p:cNvPr>
+          <p:cNvCxnSpPr>
+            <a:cxnSpLocks/>
+          </p:cNvCxnSpPr>
+          <p:nvPr/>
+        </p:nvCxnSpPr>
+        <p:spPr>
+          <a:xfrm flipV="1">
+            <a:off x="572823" y="6087339"/>
+            <a:ext cx="1991796" cy="1527"/>
+          </a:xfrm>
+          <a:prstGeom prst="straightConnector1">
+            <a:avLst/>
+          </a:prstGeom>
+          <a:ln>
+            <a:tailEnd type="triangle"/>
+          </a:ln>
+        </p:spPr>
+        <p:style>
+          <a:lnRef idx="3">
+            <a:schemeClr val="dk1"/>
+          </a:lnRef>
+          <a:fillRef idx="0">
+            <a:schemeClr val="dk1"/>
+          </a:fillRef>
+          <a:effectRef idx="2">
+            <a:schemeClr val="dk1"/>
+          </a:effectRef>
+          <a:fontRef idx="minor">
+            <a:schemeClr val="tx1"/>
+          </a:fontRef>
+        </p:style>
+      </p:cxnSp>
+      <p:cxnSp>
+        <p:nvCxnSpPr>
+          <p:cNvPr id="22" name="직선 화살표 연결선 21">
+            <a:extLst>
+              <a:ext uri="{FF2B5EF4-FFF2-40B4-BE49-F238E27FC236}">
+                <a16:creationId xmlns:a16="http://schemas.microsoft.com/office/drawing/2014/main" id="{1C1DAE08-AC66-4383-B590-52B8F0C46794}"/>
+              </a:ext>
+            </a:extLst>
+          </p:cNvPr>
+          <p:cNvCxnSpPr>
+            <a:cxnSpLocks/>
+          </p:cNvCxnSpPr>
+          <p:nvPr/>
+        </p:nvCxnSpPr>
+        <p:spPr>
+          <a:xfrm flipH="1" flipV="1">
+            <a:off x="1395642" y="3472292"/>
+            <a:ext cx="8453" cy="1023300"/>
+          </a:xfrm>
+          <a:prstGeom prst="straightConnector1">
+            <a:avLst/>
+          </a:prstGeom>
+          <a:ln>
+            <a:tailEnd type="triangle"/>
+          </a:ln>
+        </p:spPr>
+        <p:style>
+          <a:lnRef idx="3">
+            <a:schemeClr val="dk1"/>
+          </a:lnRef>
+          <a:fillRef idx="0">
+            <a:schemeClr val="dk1"/>
+          </a:fillRef>
+          <a:effectRef idx="2">
+            <a:schemeClr val="dk1"/>
+          </a:effectRef>
+          <a:fontRef idx="minor">
+            <a:schemeClr val="tx1"/>
+          </a:fontRef>
+        </p:style>
+      </p:cxnSp>
+      <p:cxnSp>
+        <p:nvCxnSpPr>
+          <p:cNvPr id="23" name="직선 화살표 연결선 22">
+            <a:extLst>
+              <a:ext uri="{FF2B5EF4-FFF2-40B4-BE49-F238E27FC236}">
+                <a16:creationId xmlns:a16="http://schemas.microsoft.com/office/drawing/2014/main" id="{A28E20EF-860C-4328-9569-97B6B60E4403}"/>
+              </a:ext>
+            </a:extLst>
+          </p:cNvPr>
+          <p:cNvCxnSpPr>
+            <a:cxnSpLocks/>
+          </p:cNvCxnSpPr>
+          <p:nvPr/>
+        </p:nvCxnSpPr>
+        <p:spPr>
+          <a:xfrm flipH="1" flipV="1">
+            <a:off x="4660119" y="2883475"/>
+            <a:ext cx="8453" cy="1265753"/>
+          </a:xfrm>
+          <a:prstGeom prst="straightConnector1">
+            <a:avLst/>
+          </a:prstGeom>
+          <a:ln>
+            <a:tailEnd type="triangle"/>
+          </a:ln>
+        </p:spPr>
+        <p:style>
+          <a:lnRef idx="3">
+            <a:schemeClr val="dk1"/>
+          </a:lnRef>
+          <a:fillRef idx="0">
+            <a:schemeClr val="dk1"/>
+          </a:fillRef>
+          <a:effectRef idx="2">
+            <a:schemeClr val="dk1"/>
+          </a:effectRef>
+          <a:fontRef idx="minor">
+            <a:schemeClr val="tx1"/>
+          </a:fontRef>
+        </p:style>
+      </p:cxnSp>
+      <p:cxnSp>
+        <p:nvCxnSpPr>
+          <p:cNvPr id="24" name="직선 화살표 연결선 23">
+            <a:extLst>
+              <a:ext uri="{FF2B5EF4-FFF2-40B4-BE49-F238E27FC236}">
+                <a16:creationId xmlns:a16="http://schemas.microsoft.com/office/drawing/2014/main" id="{BCBB64F7-E331-497E-826B-856C19D4D858}"/>
+              </a:ext>
+            </a:extLst>
+          </p:cNvPr>
+          <p:cNvCxnSpPr>
+            <a:cxnSpLocks/>
+          </p:cNvCxnSpPr>
+          <p:nvPr/>
+        </p:nvCxnSpPr>
+        <p:spPr>
+          <a:xfrm flipV="1">
+            <a:off x="1715821" y="4061111"/>
+            <a:ext cx="848798" cy="1527"/>
+          </a:xfrm>
+          <a:prstGeom prst="straightConnector1">
+            <a:avLst/>
+          </a:prstGeom>
+          <a:ln>
+            <a:tailEnd type="triangle"/>
+          </a:ln>
+        </p:spPr>
+        <p:style>
+          <a:lnRef idx="3">
+            <a:schemeClr val="dk1"/>
+          </a:lnRef>
+          <a:fillRef idx="0">
+            <a:schemeClr val="dk1"/>
+          </a:fillRef>
+          <a:effectRef idx="2">
+            <a:schemeClr val="dk1"/>
+          </a:effectRef>
+          <a:fontRef idx="minor">
+            <a:schemeClr val="tx1"/>
+          </a:fontRef>
+        </p:style>
+      </p:cxnSp>
+      <p:cxnSp>
+        <p:nvCxnSpPr>
+          <p:cNvPr id="25" name="직선 화살표 연결선 24">
+            <a:extLst>
+              <a:ext uri="{FF2B5EF4-FFF2-40B4-BE49-F238E27FC236}">
+                <a16:creationId xmlns:a16="http://schemas.microsoft.com/office/drawing/2014/main" id="{062320EE-3EEF-430A-A1F8-329E8ABCE418}"/>
+              </a:ext>
+            </a:extLst>
+          </p:cNvPr>
+          <p:cNvCxnSpPr>
+            <a:cxnSpLocks/>
+          </p:cNvCxnSpPr>
+          <p:nvPr/>
+        </p:nvCxnSpPr>
+        <p:spPr>
+          <a:xfrm flipH="1">
+            <a:off x="4348392" y="4573523"/>
+            <a:ext cx="649227" cy="7132"/>
+          </a:xfrm>
+          <a:prstGeom prst="straightConnector1">
+            <a:avLst/>
+          </a:prstGeom>
+          <a:ln>
+            <a:tailEnd type="triangle"/>
+          </a:ln>
+        </p:spPr>
+        <p:style>
+          <a:lnRef idx="3">
+            <a:schemeClr val="dk1"/>
+          </a:lnRef>
+          <a:fillRef idx="0">
+            <a:schemeClr val="dk1"/>
+          </a:fillRef>
+          <a:effectRef idx="2">
+            <a:schemeClr val="dk1"/>
+          </a:effectRef>
+          <a:fontRef idx="minor">
+            <a:schemeClr val="tx1"/>
+          </a:fontRef>
+        </p:style>
+      </p:cxnSp>
+      <p:cxnSp>
+        <p:nvCxnSpPr>
+          <p:cNvPr id="26" name="직선 화살표 연결선 25">
+            <a:extLst>
+              <a:ext uri="{FF2B5EF4-FFF2-40B4-BE49-F238E27FC236}">
+                <a16:creationId xmlns:a16="http://schemas.microsoft.com/office/drawing/2014/main" id="{04332A7E-7038-4941-9C61-1D9F2A76AA02}"/>
+              </a:ext>
+            </a:extLst>
+          </p:cNvPr>
+          <p:cNvCxnSpPr>
+            <a:cxnSpLocks/>
+          </p:cNvCxnSpPr>
+          <p:nvPr/>
+        </p:nvCxnSpPr>
+        <p:spPr>
+          <a:xfrm flipH="1" flipV="1">
+            <a:off x="6158142" y="2026224"/>
+            <a:ext cx="1731612" cy="27504"/>
+          </a:xfrm>
+          <a:prstGeom prst="straightConnector1">
+            <a:avLst/>
+          </a:prstGeom>
+          <a:ln>
+            <a:tailEnd type="triangle"/>
+          </a:ln>
+        </p:spPr>
+        <p:style>
+          <a:lnRef idx="3">
+            <a:schemeClr val="dk1"/>
+          </a:lnRef>
+          <a:fillRef idx="0">
+            <a:schemeClr val="dk1"/>
+          </a:fillRef>
+          <a:effectRef idx="2">
+            <a:schemeClr val="dk1"/>
+          </a:effectRef>
+          <a:fontRef idx="minor">
+            <a:schemeClr val="tx1"/>
+          </a:fontRef>
+        </p:style>
+      </p:cxnSp>
+      <p:cxnSp>
+        <p:nvCxnSpPr>
+          <p:cNvPr id="27" name="직선 화살표 연결선 26">
+            <a:extLst>
+              <a:ext uri="{FF2B5EF4-FFF2-40B4-BE49-F238E27FC236}">
+                <a16:creationId xmlns:a16="http://schemas.microsoft.com/office/drawing/2014/main" id="{8E3D8A05-06D3-4161-BC9F-E6E4B177B5AB}"/>
+              </a:ext>
+            </a:extLst>
+          </p:cNvPr>
+          <p:cNvCxnSpPr>
+            <a:cxnSpLocks/>
+          </p:cNvCxnSpPr>
+          <p:nvPr/>
+        </p:nvCxnSpPr>
+        <p:spPr>
+          <a:xfrm flipH="1">
+            <a:off x="8383527" y="4045319"/>
+            <a:ext cx="1246704" cy="15791"/>
+          </a:xfrm>
+          <a:prstGeom prst="straightConnector1">
+            <a:avLst/>
+          </a:prstGeom>
+          <a:ln>
+            <a:tailEnd type="triangle"/>
+          </a:ln>
+        </p:spPr>
+        <p:style>
+          <a:lnRef idx="3">
+            <a:schemeClr val="dk1"/>
+          </a:lnRef>
+          <a:fillRef idx="0">
+            <a:schemeClr val="dk1"/>
+          </a:fillRef>
+          <a:effectRef idx="2">
+            <a:schemeClr val="dk1"/>
+          </a:effectRef>
+          <a:fontRef idx="minor">
+            <a:schemeClr val="tx1"/>
+          </a:fontRef>
+        </p:style>
+      </p:cxnSp>
+      <p:cxnSp>
+        <p:nvCxnSpPr>
+          <p:cNvPr id="28" name="직선 화살표 연결선 27">
+            <a:extLst>
+              <a:ext uri="{FF2B5EF4-FFF2-40B4-BE49-F238E27FC236}">
+                <a16:creationId xmlns:a16="http://schemas.microsoft.com/office/drawing/2014/main" id="{DC350E56-D740-4FEC-BAB3-ADE79D4FEA10}"/>
+              </a:ext>
+            </a:extLst>
+          </p:cNvPr>
+          <p:cNvCxnSpPr>
+            <a:cxnSpLocks/>
+          </p:cNvCxnSpPr>
+          <p:nvPr/>
+        </p:nvCxnSpPr>
+        <p:spPr>
+          <a:xfrm flipV="1">
+            <a:off x="8409299" y="3784020"/>
+            <a:ext cx="1229796" cy="1527"/>
+          </a:xfrm>
+          <a:prstGeom prst="straightConnector1">
+            <a:avLst/>
+          </a:prstGeom>
+          <a:ln>
+            <a:tailEnd type="triangle"/>
+          </a:ln>
+        </p:spPr>
+        <p:style>
+          <a:lnRef idx="3">
+            <a:schemeClr val="dk1"/>
+          </a:lnRef>
+          <a:fillRef idx="0">
+            <a:schemeClr val="dk1"/>
+          </a:fillRef>
+          <a:effectRef idx="2">
+            <a:schemeClr val="dk1"/>
+          </a:effectRef>
+          <a:fontRef idx="minor">
+            <a:schemeClr val="tx1"/>
+          </a:fontRef>
+        </p:style>
+      </p:cxnSp>
+      <p:cxnSp>
+        <p:nvCxnSpPr>
+          <p:cNvPr id="29" name="직선 화살표 연결선 28">
+            <a:extLst>
+              <a:ext uri="{FF2B5EF4-FFF2-40B4-BE49-F238E27FC236}">
+                <a16:creationId xmlns:a16="http://schemas.microsoft.com/office/drawing/2014/main" id="{427F37BE-9A01-44DB-8F4E-E89BE117B62F}"/>
+              </a:ext>
+            </a:extLst>
+          </p:cNvPr>
+          <p:cNvCxnSpPr>
+            <a:cxnSpLocks/>
+          </p:cNvCxnSpPr>
+          <p:nvPr/>
+        </p:nvCxnSpPr>
+        <p:spPr>
+          <a:xfrm>
+            <a:off x="7456800" y="2469364"/>
+            <a:ext cx="34842" cy="665223"/>
+          </a:xfrm>
+          <a:prstGeom prst="straightConnector1">
+            <a:avLst/>
+          </a:prstGeom>
+          <a:ln>
+            <a:tailEnd type="triangle"/>
+          </a:ln>
+        </p:spPr>
+        <p:style>
+          <a:lnRef idx="3">
+            <a:schemeClr val="dk1"/>
+          </a:lnRef>
+          <a:fillRef idx="0">
+            <a:schemeClr val="dk1"/>
+          </a:fillRef>
+          <a:effectRef idx="2">
+            <a:schemeClr val="dk1"/>
+          </a:effectRef>
+          <a:fontRef idx="minor">
+            <a:schemeClr val="tx1"/>
+          </a:fontRef>
+        </p:style>
+      </p:cxnSp>
+      <p:cxnSp>
+        <p:nvCxnSpPr>
+          <p:cNvPr id="31" name="직선 화살표 연결선 30">
+            <a:extLst>
+              <a:ext uri="{FF2B5EF4-FFF2-40B4-BE49-F238E27FC236}">
+                <a16:creationId xmlns:a16="http://schemas.microsoft.com/office/drawing/2014/main" id="{95045552-28C0-4EAE-8635-03FA7A4D84AF}"/>
+              </a:ext>
+            </a:extLst>
+          </p:cNvPr>
+          <p:cNvCxnSpPr>
+            <a:cxnSpLocks/>
+          </p:cNvCxnSpPr>
+          <p:nvPr/>
+        </p:nvCxnSpPr>
+        <p:spPr>
+          <a:xfrm flipH="1" flipV="1">
+            <a:off x="5716527" y="2996044"/>
+            <a:ext cx="17112" cy="2988912"/>
+          </a:xfrm>
+          <a:prstGeom prst="straightConnector1">
+            <a:avLst/>
+          </a:prstGeom>
+          <a:ln>
+            <a:tailEnd type="triangle"/>
+          </a:ln>
+        </p:spPr>
+        <p:style>
+          <a:lnRef idx="3">
+            <a:schemeClr val="dk1"/>
+          </a:lnRef>
+          <a:fillRef idx="0">
+            <a:schemeClr val="dk1"/>
+          </a:fillRef>
+          <a:effectRef idx="2">
+            <a:schemeClr val="dk1"/>
+          </a:effectRef>
+          <a:fontRef idx="minor">
+            <a:schemeClr val="tx1"/>
+          </a:fontRef>
+        </p:style>
+      </p:cxnSp>
+      <p:cxnSp>
+        <p:nvCxnSpPr>
+          <p:cNvPr id="35" name="직선 화살표 연결선 34">
+            <a:extLst>
+              <a:ext uri="{FF2B5EF4-FFF2-40B4-BE49-F238E27FC236}">
+                <a16:creationId xmlns:a16="http://schemas.microsoft.com/office/drawing/2014/main" id="{2D5BABDF-1081-49C9-A638-E990A6423145}"/>
+              </a:ext>
+            </a:extLst>
+          </p:cNvPr>
+          <p:cNvCxnSpPr>
+            <a:cxnSpLocks/>
+          </p:cNvCxnSpPr>
+          <p:nvPr/>
+        </p:nvCxnSpPr>
+        <p:spPr>
+          <a:xfrm>
+            <a:off x="7872843" y="2062594"/>
+            <a:ext cx="34636" cy="1073726"/>
+          </a:xfrm>
+          <a:prstGeom prst="straightConnector1">
+            <a:avLst/>
+          </a:prstGeom>
+        </p:spPr>
+        <p:style>
+          <a:lnRef idx="3">
+            <a:schemeClr val="dk1"/>
+          </a:lnRef>
+          <a:fillRef idx="0">
+            <a:schemeClr val="dk1"/>
+          </a:fillRef>
+          <a:effectRef idx="2">
+            <a:schemeClr val="dk1"/>
+          </a:effectRef>
+          <a:fontRef idx="minor">
+            <a:schemeClr val="tx1"/>
+          </a:fontRef>
+        </p:style>
+      </p:cxnSp>
+      <p:cxnSp>
+        <p:nvCxnSpPr>
+          <p:cNvPr id="36" name="직선 화살표 연결선 35">
+            <a:extLst>
+              <a:ext uri="{FF2B5EF4-FFF2-40B4-BE49-F238E27FC236}">
+                <a16:creationId xmlns:a16="http://schemas.microsoft.com/office/drawing/2014/main" id="{24B0A486-B333-47BA-BBD7-CADC711D9FF4}"/>
+              </a:ext>
+            </a:extLst>
+          </p:cNvPr>
+          <p:cNvCxnSpPr>
+            <a:cxnSpLocks/>
+          </p:cNvCxnSpPr>
+          <p:nvPr/>
+        </p:nvCxnSpPr>
+        <p:spPr>
+          <a:xfrm>
+            <a:off x="6236276" y="2460913"/>
+            <a:ext cx="1238249" cy="8659"/>
+          </a:xfrm>
+          <a:prstGeom prst="straightConnector1">
+            <a:avLst/>
+          </a:prstGeom>
+        </p:spPr>
+        <p:style>
+          <a:lnRef idx="3">
+            <a:schemeClr val="dk1"/>
+          </a:lnRef>
+          <a:fillRef idx="0">
+            <a:schemeClr val="dk1"/>
+          </a:fillRef>
+          <a:effectRef idx="2">
+            <a:schemeClr val="dk1"/>
+          </a:effectRef>
+          <a:fontRef idx="minor">
+            <a:schemeClr val="tx1"/>
+          </a:fontRef>
+        </p:style>
+      </p:cxnSp>
+      <p:cxnSp>
+        <p:nvCxnSpPr>
+          <p:cNvPr id="37" name="직선 화살표 연결선 36">
+            <a:extLst>
+              <a:ext uri="{FF2B5EF4-FFF2-40B4-BE49-F238E27FC236}">
+                <a16:creationId xmlns:a16="http://schemas.microsoft.com/office/drawing/2014/main" id="{AF34E357-CE61-4853-94D6-A6B2E18E43FE}"/>
+              </a:ext>
+            </a:extLst>
+          </p:cNvPr>
+          <p:cNvCxnSpPr>
+            <a:cxnSpLocks/>
+          </p:cNvCxnSpPr>
+          <p:nvPr/>
+        </p:nvCxnSpPr>
+        <p:spPr>
+          <a:xfrm flipV="1">
+            <a:off x="4409208" y="4123457"/>
+            <a:ext cx="259773" cy="17318"/>
+          </a:xfrm>
+          <a:prstGeom prst="straightConnector1">
+            <a:avLst/>
+          </a:prstGeom>
+        </p:spPr>
+        <p:style>
+          <a:lnRef idx="3">
+            <a:schemeClr val="dk1"/>
+          </a:lnRef>
+          <a:fillRef idx="0">
+            <a:schemeClr val="dk1"/>
+          </a:fillRef>
+          <a:effectRef idx="2">
+            <a:schemeClr val="dk1"/>
+          </a:effectRef>
+          <a:fontRef idx="minor">
+            <a:schemeClr val="tx1"/>
+          </a:fontRef>
+        </p:style>
+      </p:cxnSp>
+      <p:cxnSp>
+        <p:nvCxnSpPr>
+          <p:cNvPr id="38" name="직선 화살표 연결선 37">
+            <a:extLst>
+              <a:ext uri="{FF2B5EF4-FFF2-40B4-BE49-F238E27FC236}">
+                <a16:creationId xmlns:a16="http://schemas.microsoft.com/office/drawing/2014/main" id="{EA3CB63A-5404-4290-8366-D4F43CD1C7F2}"/>
+              </a:ext>
+            </a:extLst>
+          </p:cNvPr>
+          <p:cNvCxnSpPr>
+            <a:cxnSpLocks/>
+          </p:cNvCxnSpPr>
+          <p:nvPr/>
+        </p:nvCxnSpPr>
+        <p:spPr>
+          <a:xfrm flipV="1">
+            <a:off x="5024004" y="2945822"/>
+            <a:ext cx="8659" cy="1636568"/>
+          </a:xfrm>
+          <a:prstGeom prst="straightConnector1">
+            <a:avLst/>
+          </a:prstGeom>
+        </p:spPr>
+        <p:style>
+          <a:lnRef idx="3">
+            <a:schemeClr val="dk1"/>
+          </a:lnRef>
+          <a:fillRef idx="0">
+            <a:schemeClr val="dk1"/>
+          </a:fillRef>
+          <a:effectRef idx="2">
+            <a:schemeClr val="dk1"/>
+          </a:effectRef>
+          <a:fontRef idx="minor">
+            <a:schemeClr val="tx1"/>
+          </a:fontRef>
+        </p:style>
+      </p:cxnSp>
+      <p:cxnSp>
+        <p:nvCxnSpPr>
+          <p:cNvPr id="39" name="직선 화살표 연결선 38">
+            <a:extLst>
+              <a:ext uri="{FF2B5EF4-FFF2-40B4-BE49-F238E27FC236}">
+                <a16:creationId xmlns:a16="http://schemas.microsoft.com/office/drawing/2014/main" id="{B81F857A-2F51-410D-9F84-1C7729FB1F6B}"/>
+              </a:ext>
+            </a:extLst>
+          </p:cNvPr>
+          <p:cNvCxnSpPr>
+            <a:cxnSpLocks/>
+          </p:cNvCxnSpPr>
+          <p:nvPr/>
+        </p:nvCxnSpPr>
+        <p:spPr>
+          <a:xfrm>
+            <a:off x="1404503" y="4487139"/>
+            <a:ext cx="1160317" cy="0"/>
+          </a:xfrm>
+          <a:prstGeom prst="straightConnector1">
+            <a:avLst/>
+          </a:prstGeom>
+        </p:spPr>
+        <p:style>
+          <a:lnRef idx="3">
+            <a:schemeClr val="dk1"/>
+          </a:lnRef>
+          <a:fillRef idx="0">
+            <a:schemeClr val="dk1"/>
+          </a:fillRef>
+          <a:effectRef idx="2">
+            <a:schemeClr val="dk1"/>
+          </a:effectRef>
+          <a:fontRef idx="minor">
+            <a:schemeClr val="tx1"/>
+          </a:fontRef>
+        </p:style>
+      </p:cxnSp>
+      <p:cxnSp>
+        <p:nvCxnSpPr>
+          <p:cNvPr id="40" name="직선 화살표 연결선 39">
+            <a:extLst>
+              <a:ext uri="{FF2B5EF4-FFF2-40B4-BE49-F238E27FC236}">
+                <a16:creationId xmlns:a16="http://schemas.microsoft.com/office/drawing/2014/main" id="{88EED6E6-0737-4484-BE33-1B523AEE3E6A}"/>
+              </a:ext>
+            </a:extLst>
+          </p:cNvPr>
+          <p:cNvCxnSpPr>
+            <a:cxnSpLocks/>
+          </p:cNvCxnSpPr>
+          <p:nvPr/>
+        </p:nvCxnSpPr>
+        <p:spPr>
+          <a:xfrm flipH="1" flipV="1">
+            <a:off x="1707572" y="3482685"/>
+            <a:ext cx="8659" cy="554182"/>
+          </a:xfrm>
+          <a:prstGeom prst="straightConnector1">
+            <a:avLst/>
+          </a:prstGeom>
+        </p:spPr>
+        <p:style>
+          <a:lnRef idx="3">
+            <a:schemeClr val="dk1"/>
+          </a:lnRef>
+          <a:fillRef idx="0">
+            <a:schemeClr val="dk1"/>
+          </a:fillRef>
+          <a:effectRef idx="2">
+            <a:schemeClr val="dk1"/>
+          </a:effectRef>
+          <a:fontRef idx="minor">
+            <a:schemeClr val="tx1"/>
+          </a:fontRef>
+        </p:style>
+      </p:cxnSp>
+      <p:cxnSp>
+        <p:nvCxnSpPr>
+          <p:cNvPr id="41" name="직선 화살표 연결선 40">
+            <a:extLst>
+              <a:ext uri="{FF2B5EF4-FFF2-40B4-BE49-F238E27FC236}">
+                <a16:creationId xmlns:a16="http://schemas.microsoft.com/office/drawing/2014/main" id="{966D0B5B-6CB9-4D23-9466-02FE61707A7D}"/>
+              </a:ext>
+            </a:extLst>
+          </p:cNvPr>
+          <p:cNvCxnSpPr>
+            <a:cxnSpLocks/>
+          </p:cNvCxnSpPr>
+          <p:nvPr/>
+        </p:nvCxnSpPr>
+        <p:spPr>
+          <a:xfrm>
+            <a:off x="1006184" y="5630139"/>
+            <a:ext cx="1515340" cy="8659"/>
+          </a:xfrm>
+          <a:prstGeom prst="straightConnector1">
+            <a:avLst/>
+          </a:prstGeom>
+        </p:spPr>
+        <p:style>
+          <a:lnRef idx="3">
+            <a:schemeClr val="dk1"/>
+          </a:lnRef>
+          <a:fillRef idx="0">
+            <a:schemeClr val="dk1"/>
+          </a:fillRef>
+          <a:effectRef idx="2">
+            <a:schemeClr val="dk1"/>
+          </a:effectRef>
+          <a:fontRef idx="minor">
+            <a:schemeClr val="tx1"/>
+          </a:fontRef>
+        </p:style>
+      </p:cxnSp>
+      <p:cxnSp>
+        <p:nvCxnSpPr>
+          <p:cNvPr id="42" name="직선 화살표 연결선 41">
+            <a:extLst>
+              <a:ext uri="{FF2B5EF4-FFF2-40B4-BE49-F238E27FC236}">
+                <a16:creationId xmlns:a16="http://schemas.microsoft.com/office/drawing/2014/main" id="{2FDC301F-47E6-49D8-A8DB-3C54FED0B92D}"/>
+              </a:ext>
+            </a:extLst>
+          </p:cNvPr>
+          <p:cNvCxnSpPr>
+            <a:cxnSpLocks/>
+          </p:cNvCxnSpPr>
+          <p:nvPr/>
+        </p:nvCxnSpPr>
+        <p:spPr>
+          <a:xfrm flipH="1">
+            <a:off x="573230" y="3525981"/>
+            <a:ext cx="8659" cy="2563089"/>
+          </a:xfrm>
+          <a:prstGeom prst="straightConnector1">
+            <a:avLst/>
+          </a:prstGeom>
+        </p:spPr>
+        <p:style>
+          <a:lnRef idx="3">
+            <a:schemeClr val="dk1"/>
+          </a:lnRef>
+          <a:fillRef idx="0">
+            <a:schemeClr val="dk1"/>
+          </a:fillRef>
+          <a:effectRef idx="2">
+            <a:schemeClr val="dk1"/>
+          </a:effectRef>
+          <a:fontRef idx="minor">
+            <a:schemeClr val="tx1"/>
+          </a:fontRef>
+        </p:style>
+      </p:cxnSp>
+      <p:sp>
+        <p:nvSpPr>
+          <p:cNvPr id="44" name="타원 43">
+            <a:extLst>
+              <a:ext uri="{FF2B5EF4-FFF2-40B4-BE49-F238E27FC236}">
+                <a16:creationId xmlns:a16="http://schemas.microsoft.com/office/drawing/2014/main" id="{FDB1A05B-9EAB-4FC8-BE32-9119E4D7A71A}"/>
+              </a:ext>
+            </a:extLst>
+          </p:cNvPr>
+          <p:cNvSpPr/>
+          <p:nvPr/>
+        </p:nvSpPr>
+        <p:spPr>
+          <a:xfrm>
+            <a:off x="2469572" y="1629640"/>
+            <a:ext cx="1091044" cy="528204"/>
+          </a:xfrm>
+          <a:prstGeom prst="ellipse">
+            <a:avLst/>
+          </a:prstGeom>
+        </p:spPr>
+        <p:style>
+          <a:lnRef idx="1">
+            <a:schemeClr val="accent2"/>
+          </a:lnRef>
+          <a:fillRef idx="2">
+            <a:schemeClr val="accent2"/>
+          </a:fillRef>
+          <a:effectRef idx="1">
+            <a:schemeClr val="accent2"/>
+          </a:effectRef>
+          <a:fontRef idx="minor">
+            <a:schemeClr val="dk1"/>
+          </a:fontRef>
+        </p:style>
+        <p:txBody>
+          <a:bodyPr rtlCol="0" anchor="ctr"/>
+          <a:lstStyle/>
+          <a:p>
+            <a:pPr algn="ctr"/>
+            <a:r>
+              <a:rPr lang="ko-KR" altLang="en-US" dirty="0">
+                <a:ea typeface="맑은 고딕"/>
+              </a:rPr>
+              <a:t>AWS</a:t>
             </a:r>
             <a:endParaRPr lang="ko-KR" altLang="en-US" dirty="0"/>
           </a:p>
         </p:txBody>
       </p:sp>
-      <p:sp>
-        <p:nvSpPr>
-          <p:cNvPr id="3" name="내용 개체 틀 2">
-            <a:extLst>
-              <a:ext uri="{FF2B5EF4-FFF2-40B4-BE49-F238E27FC236}">
-                <a16:creationId xmlns:a16="http://schemas.microsoft.com/office/drawing/2014/main" id="{076C6A00-BFAC-4CCB-AFD1-EC5C4A5225B7}"/>
-              </a:ext>
-            </a:extLst>
-          </p:cNvPr>
-          <p:cNvSpPr>
-            <a:spLocks noGrp="1"/>
-          </p:cNvSpPr>
-          <p:nvPr>
-            <p:ph sz="half" idx="1"/>
-          </p:nvPr>
-        </p:nvSpPr>
+      <p:cxnSp>
+        <p:nvCxnSpPr>
+          <p:cNvPr id="45" name="직선 화살표 연결선 44">
+            <a:extLst>
+              <a:ext uri="{FF2B5EF4-FFF2-40B4-BE49-F238E27FC236}">
+                <a16:creationId xmlns:a16="http://schemas.microsoft.com/office/drawing/2014/main" id="{94511E94-597C-439C-A3AF-121CF7E7DD23}"/>
+              </a:ext>
+            </a:extLst>
+          </p:cNvPr>
+          <p:cNvCxnSpPr>
+            <a:cxnSpLocks/>
+          </p:cNvCxnSpPr>
+          <p:nvPr/>
+        </p:nvCxnSpPr>
+        <p:spPr>
+          <a:xfrm flipH="1" flipV="1">
+            <a:off x="4348392" y="5550473"/>
+            <a:ext cx="1030226" cy="1527"/>
+          </a:xfrm>
+          <a:prstGeom prst="straightConnector1">
+            <a:avLst/>
+          </a:prstGeom>
+          <a:ln>
+            <a:tailEnd type="triangle"/>
+          </a:ln>
+        </p:spPr>
+        <p:style>
+          <a:lnRef idx="3">
+            <a:schemeClr val="dk1"/>
+          </a:lnRef>
+          <a:fillRef idx="0">
+            <a:schemeClr val="dk1"/>
+          </a:fillRef>
+          <a:effectRef idx="2">
+            <a:schemeClr val="dk1"/>
+          </a:effectRef>
+          <a:fontRef idx="minor">
+            <a:schemeClr val="tx1"/>
+          </a:fontRef>
+        </p:style>
+      </p:cxnSp>
+      <p:cxnSp>
+        <p:nvCxnSpPr>
+          <p:cNvPr id="46" name="직선 화살표 연결선 45">
+            <a:extLst>
+              <a:ext uri="{FF2B5EF4-FFF2-40B4-BE49-F238E27FC236}">
+                <a16:creationId xmlns:a16="http://schemas.microsoft.com/office/drawing/2014/main" id="{932D8E41-8018-49AE-9ADC-089017641A68}"/>
+              </a:ext>
+            </a:extLst>
+          </p:cNvPr>
+          <p:cNvCxnSpPr>
+            <a:cxnSpLocks/>
+          </p:cNvCxnSpPr>
+          <p:nvPr/>
+        </p:nvCxnSpPr>
+        <p:spPr>
+          <a:xfrm flipV="1">
+            <a:off x="5361708" y="3032413"/>
+            <a:ext cx="0" cy="2519796"/>
+          </a:xfrm>
+          <a:prstGeom prst="straightConnector1">
+            <a:avLst/>
+          </a:prstGeom>
+        </p:spPr>
+        <p:style>
+          <a:lnRef idx="3">
+            <a:schemeClr val="dk1"/>
+          </a:lnRef>
+          <a:fillRef idx="0">
+            <a:schemeClr val="dk1"/>
+          </a:fillRef>
+          <a:effectRef idx="2">
+            <a:schemeClr val="dk1"/>
+          </a:effectRef>
+          <a:fontRef idx="minor">
+            <a:schemeClr val="tx1"/>
+          </a:fontRef>
+        </p:style>
+      </p:cxnSp>
+      <p:cxnSp>
+        <p:nvCxnSpPr>
+          <p:cNvPr id="47" name="직선 화살표 연결선 46">
+            <a:extLst>
+              <a:ext uri="{FF2B5EF4-FFF2-40B4-BE49-F238E27FC236}">
+                <a16:creationId xmlns:a16="http://schemas.microsoft.com/office/drawing/2014/main" id="{172B797A-1422-4F60-8DEF-920FA2EC2958}"/>
+              </a:ext>
+            </a:extLst>
+          </p:cNvPr>
+          <p:cNvCxnSpPr>
+            <a:cxnSpLocks/>
+          </p:cNvCxnSpPr>
+          <p:nvPr/>
+        </p:nvCxnSpPr>
         <p:spPr>
           <a:xfrm>
-            <a:off x="838200" y="1825625"/>
-            <a:ext cx="10351077" cy="4351338"/>
-          </a:xfrm>
-        </p:spPr>
-        <p:txBody>
-          <a:bodyPr vert="horz" lIns="91440" tIns="45720" rIns="91440" bIns="45720" rtlCol="0" anchor="t">
-            <a:normAutofit/>
-          </a:bodyPr>
-          <a:lstStyle/>
-          <a:p>
-            <a:r>
-              <a:rPr lang="ko-KR" altLang="en-US" dirty="0">
-                <a:ea typeface="맑은 고딕"/>
-              </a:rPr>
-              <a:t>초기 클라우드 서버의 구성, </a:t>
-            </a:r>
-            <a:r>
-              <a:rPr lang="ko-KR" altLang="en-US" dirty="0" err="1">
-                <a:ea typeface="맑은 고딕"/>
-              </a:rPr>
-              <a:t>프로비저닝의</a:t>
-            </a:r>
-            <a:r>
-              <a:rPr lang="ko-KR" altLang="en-US" dirty="0">
-                <a:ea typeface="맑은 고딕"/>
-              </a:rPr>
-              <a:t> 소요, 배포 시간은 1주 이상이 걸림</a:t>
-            </a:r>
-          </a:p>
-          <a:p>
-            <a:r>
-              <a:rPr lang="ko-KR" altLang="en-US" dirty="0">
-                <a:ea typeface="맑은 고딕"/>
-              </a:rPr>
-              <a:t>시간이 지남에 따라 기술이 발전되고 점점 서버의 연산속도가 </a:t>
-            </a:r>
-            <a:r>
-              <a:rPr lang="ko-KR" altLang="en-US" dirty="0" err="1">
-                <a:ea typeface="맑은 고딕"/>
-              </a:rPr>
-              <a:t>빨라짐</a:t>
-            </a:r>
-          </a:p>
-          <a:p>
-            <a:r>
-              <a:rPr lang="ko-KR" altLang="en-US" dirty="0">
-                <a:ea typeface="맑은 고딕"/>
-              </a:rPr>
-              <a:t>2014년 아마존의 </a:t>
-            </a:r>
-            <a:r>
-              <a:rPr lang="ko-KR" altLang="en-US" dirty="0" err="1">
-                <a:ea typeface="맑은 고딕"/>
-              </a:rPr>
-              <a:t>Lambda</a:t>
-            </a:r>
-            <a:r>
-              <a:rPr lang="ko-KR" altLang="en-US" dirty="0">
-                <a:ea typeface="맑은 고딕"/>
-              </a:rPr>
-              <a:t> 서비스를 통해 배포 속도를 </a:t>
-            </a:r>
-            <a:r>
-              <a:rPr lang="ko-KR" altLang="en-US" dirty="0" err="1">
-                <a:ea typeface="맑은 고딕"/>
-              </a:rPr>
-              <a:t>밀리초</a:t>
-            </a:r>
-            <a:r>
-              <a:rPr lang="ko-KR" altLang="en-US" dirty="0">
-                <a:ea typeface="맑은 고딕"/>
-              </a:rPr>
-              <a:t> 단위까지 단축 시켜 쾌적한 환경을 구성 </a:t>
-            </a:r>
-            <a:r>
-              <a:rPr lang="ko-KR" altLang="en-US" dirty="0" err="1">
-                <a:ea typeface="맑은 고딕"/>
-              </a:rPr>
-              <a:t>시킬수</a:t>
-            </a:r>
-            <a:r>
-              <a:rPr lang="ko-KR" altLang="en-US" dirty="0">
-                <a:ea typeface="맑은 고딕"/>
-              </a:rPr>
-              <a:t> 있게 됨</a:t>
-            </a:r>
-          </a:p>
-          <a:p>
-            <a:r>
-              <a:rPr lang="ko-KR" altLang="en-US" dirty="0">
-                <a:ea typeface="맑은 고딕"/>
-              </a:rPr>
-              <a:t>함수가 실행되는 </a:t>
-            </a:r>
-            <a:r>
-              <a:rPr lang="ko-KR" altLang="en-US" dirty="0" err="1">
-                <a:ea typeface="맑은 고딕"/>
-              </a:rPr>
-              <a:t>시간동안에만</a:t>
-            </a:r>
-            <a:r>
-              <a:rPr lang="ko-KR" altLang="en-US" dirty="0">
-                <a:ea typeface="맑은 고딕"/>
-              </a:rPr>
-              <a:t> 과금이 되는 시스템이 도입되어 상대적으로 저렴한 가격에 사용 할 수 있게 됨</a:t>
-            </a:r>
-          </a:p>
-        </p:txBody>
-      </p:sp>
+            <a:off x="4348593" y="5976502"/>
+            <a:ext cx="1376795" cy="0"/>
+          </a:xfrm>
+          <a:prstGeom prst="straightConnector1">
+            <a:avLst/>
+          </a:prstGeom>
+        </p:spPr>
+        <p:style>
+          <a:lnRef idx="3">
+            <a:schemeClr val="dk1"/>
+          </a:lnRef>
+          <a:fillRef idx="0">
+            <a:schemeClr val="dk1"/>
+          </a:fillRef>
+          <a:effectRef idx="2">
+            <a:schemeClr val="dk1"/>
+          </a:effectRef>
+          <a:fontRef idx="minor">
+            <a:schemeClr val="tx1"/>
+          </a:fontRef>
+        </p:style>
+      </p:cxnSp>
+      <p:cxnSp>
+        <p:nvCxnSpPr>
+          <p:cNvPr id="48" name="직선 화살표 연결선 47">
+            <a:extLst>
+              <a:ext uri="{FF2B5EF4-FFF2-40B4-BE49-F238E27FC236}">
+                <a16:creationId xmlns:a16="http://schemas.microsoft.com/office/drawing/2014/main" id="{8EC06E13-D7CD-4995-A0D5-040F1CE1A8EF}"/>
+              </a:ext>
+            </a:extLst>
+          </p:cNvPr>
+          <p:cNvCxnSpPr>
+            <a:cxnSpLocks/>
+          </p:cNvCxnSpPr>
+          <p:nvPr/>
+        </p:nvCxnSpPr>
+        <p:spPr>
+          <a:xfrm flipV="1">
+            <a:off x="988457" y="3489612"/>
+            <a:ext cx="8865" cy="2131663"/>
+          </a:xfrm>
+          <a:prstGeom prst="straightConnector1">
+            <a:avLst/>
+          </a:prstGeom>
+          <a:ln>
+            <a:tailEnd type="triangle"/>
+          </a:ln>
+        </p:spPr>
+        <p:style>
+          <a:lnRef idx="3">
+            <a:schemeClr val="dk1"/>
+          </a:lnRef>
+          <a:fillRef idx="0">
+            <a:schemeClr val="dk1"/>
+          </a:fillRef>
+          <a:effectRef idx="2">
+            <a:schemeClr val="dk1"/>
+          </a:effectRef>
+          <a:fontRef idx="minor">
+            <a:schemeClr val="tx1"/>
+          </a:fontRef>
+        </p:style>
+      </p:cxnSp>
     </p:spTree>
     <p:extLst>
       <p:ext uri="{BB962C8B-B14F-4D97-AF65-F5344CB8AC3E}">
-        <p14:creationId xmlns:p14="http://schemas.microsoft.com/office/powerpoint/2010/main" val="794387301"/>
+        <p14:creationId xmlns:p14="http://schemas.microsoft.com/office/powerpoint/2010/main" val="717277469"/>
       </p:ext>
     </p:extLst>
   </p:cSld>
@@ -5028,7 +7196,7 @@
           <p:cNvPr id="2" name="제목 1">
             <a:extLst>
               <a:ext uri="{FF2B5EF4-FFF2-40B4-BE49-F238E27FC236}">
-                <a16:creationId xmlns:a16="http://schemas.microsoft.com/office/drawing/2014/main" id="{A56A6928-7490-4EEC-BD32-7DFE25209313}"/>
+                <a16:creationId xmlns:a16="http://schemas.microsoft.com/office/drawing/2014/main" id="{CDE7F6A7-9C92-4516-8952-2D48B3B69F08}"/>
               </a:ext>
             </a:extLst>
           </p:cNvPr>
@@ -5045,12 +7213,12 @@
           <a:lstStyle/>
           <a:p>
             <a:r>
-              <a:rPr lang="ko-KR" altLang="en-US" sz="4000" dirty="0">
-                <a:ea typeface="맑은 고딕"/>
-              </a:rPr>
-              <a:t>오토 스케일링을 통한 EC2 인스턴스 효율화</a:t>
-            </a:r>
-            <a:endParaRPr lang="ko-KR" altLang="en-US" sz="4000" dirty="0"/>
+              <a:rPr lang="ko-KR" altLang="en-US" dirty="0">
+                <a:ea typeface="맑은 고딕"/>
+              </a:rPr>
+              <a:t>클라우드 서비스를 선택한 이유</a:t>
+            </a:r>
+            <a:endParaRPr lang="ko-KR" altLang="en-US" dirty="0"/>
           </a:p>
         </p:txBody>
       </p:sp>
@@ -5059,7 +7227,7 @@
           <p:cNvPr id="3" name="내용 개체 틀 2">
             <a:extLst>
               <a:ext uri="{FF2B5EF4-FFF2-40B4-BE49-F238E27FC236}">
-                <a16:creationId xmlns:a16="http://schemas.microsoft.com/office/drawing/2014/main" id="{9D4ABC8D-6D4E-43E2-9851-2E3165E7EE6A}"/>
+                <a16:creationId xmlns:a16="http://schemas.microsoft.com/office/drawing/2014/main" id="{076C6A00-BFAC-4CCB-AFD1-EC5C4A5225B7}"/>
               </a:ext>
             </a:extLst>
           </p:cNvPr>
@@ -5073,7 +7241,7 @@
         <p:spPr>
           <a:xfrm>
             <a:off x="838200" y="1825625"/>
-            <a:ext cx="10281804" cy="4351338"/>
+            <a:ext cx="10351077" cy="4351338"/>
           </a:xfrm>
         </p:spPr>
         <p:txBody>
@@ -5086,981 +7254,94 @@
               <a:rPr lang="ko-KR" altLang="en-US" dirty="0">
                 <a:ea typeface="맑은 고딕"/>
               </a:rPr>
-              <a:t>CPU 사용률, 네트워크 트래픽에 따라 자동 스케일- 인/아웃</a:t>
-            </a:r>
-          </a:p>
-          <a:p>
-            <a:r>
-              <a:rPr lang="ko-KR" altLang="en-US" dirty="0">
-                <a:ea typeface="맑은 고딕"/>
-              </a:rPr>
-              <a:t>수요 곡선에 따라 인스턴스를 사용 가능하므로 비용 절감</a:t>
-            </a:r>
-          </a:p>
-        </p:txBody>
-      </p:sp>
-      <p:sp>
-        <p:nvSpPr>
-          <p:cNvPr id="5" name="직사각형 4">
-            <a:extLst>
-              <a:ext uri="{FF2B5EF4-FFF2-40B4-BE49-F238E27FC236}">
-                <a16:creationId xmlns:a16="http://schemas.microsoft.com/office/drawing/2014/main" id="{BCD93DC7-8FEF-487C-9703-1ECAEEFF9C5B}"/>
-              </a:ext>
-            </a:extLst>
-          </p:cNvPr>
-          <p:cNvSpPr/>
-          <p:nvPr/>
-        </p:nvSpPr>
-        <p:spPr>
-          <a:xfrm>
-            <a:off x="1439140" y="4946072"/>
-            <a:ext cx="519545" cy="917863"/>
-          </a:xfrm>
-          <a:prstGeom prst="rect">
-            <a:avLst/>
-          </a:prstGeom>
-        </p:spPr>
-        <p:style>
-          <a:lnRef idx="2">
-            <a:schemeClr val="accent1">
-              <a:shade val="50000"/>
-            </a:schemeClr>
-          </a:lnRef>
-          <a:fillRef idx="1">
-            <a:schemeClr val="accent1"/>
-          </a:fillRef>
-          <a:effectRef idx="0">
-            <a:schemeClr val="accent1"/>
-          </a:effectRef>
-          <a:fontRef idx="minor">
-            <a:schemeClr val="lt1"/>
-          </a:fontRef>
-        </p:style>
-        <p:txBody>
-          <a:bodyPr rtlCol="0" anchor="ctr"/>
-          <a:lstStyle/>
-          <a:p>
-            <a:pPr algn="ctr"/>
-            <a:endParaRPr lang="ko-KR" altLang="en-US"/>
-          </a:p>
-        </p:txBody>
-      </p:sp>
-      <p:sp>
-        <p:nvSpPr>
-          <p:cNvPr id="6" name="직사각형 5">
-            <a:extLst>
-              <a:ext uri="{FF2B5EF4-FFF2-40B4-BE49-F238E27FC236}">
-                <a16:creationId xmlns:a16="http://schemas.microsoft.com/office/drawing/2014/main" id="{021C2A86-F61B-43A8-96B4-BCDF635F68F8}"/>
-              </a:ext>
-            </a:extLst>
-          </p:cNvPr>
-          <p:cNvSpPr/>
-          <p:nvPr/>
-        </p:nvSpPr>
-        <p:spPr>
-          <a:xfrm>
-            <a:off x="2062594" y="4946071"/>
-            <a:ext cx="519545" cy="917863"/>
-          </a:xfrm>
-          <a:prstGeom prst="rect">
-            <a:avLst/>
-          </a:prstGeom>
-        </p:spPr>
-        <p:style>
-          <a:lnRef idx="2">
-            <a:schemeClr val="accent1">
-              <a:shade val="50000"/>
-            </a:schemeClr>
-          </a:lnRef>
-          <a:fillRef idx="1">
-            <a:schemeClr val="accent1"/>
-          </a:fillRef>
-          <a:effectRef idx="0">
-            <a:schemeClr val="accent1"/>
-          </a:effectRef>
-          <a:fontRef idx="minor">
-            <a:schemeClr val="lt1"/>
-          </a:fontRef>
-        </p:style>
-        <p:txBody>
-          <a:bodyPr rtlCol="0" anchor="ctr"/>
-          <a:lstStyle/>
-          <a:p>
-            <a:pPr algn="ctr"/>
-            <a:endParaRPr lang="ko-KR" altLang="en-US"/>
-          </a:p>
-        </p:txBody>
-      </p:sp>
-      <p:sp>
-        <p:nvSpPr>
-          <p:cNvPr id="7" name="직사각형 6">
-            <a:extLst>
-              <a:ext uri="{FF2B5EF4-FFF2-40B4-BE49-F238E27FC236}">
-                <a16:creationId xmlns:a16="http://schemas.microsoft.com/office/drawing/2014/main" id="{5467FDE2-31DB-4B1D-AFC7-0516C14992A1}"/>
-              </a:ext>
-            </a:extLst>
-          </p:cNvPr>
-          <p:cNvSpPr/>
-          <p:nvPr/>
-        </p:nvSpPr>
-        <p:spPr>
-          <a:xfrm>
-            <a:off x="2703367" y="4417868"/>
-            <a:ext cx="519545" cy="1446067"/>
-          </a:xfrm>
-          <a:prstGeom prst="rect">
-            <a:avLst/>
-          </a:prstGeom>
-        </p:spPr>
-        <p:style>
-          <a:lnRef idx="2">
-            <a:schemeClr val="accent1">
-              <a:shade val="50000"/>
-            </a:schemeClr>
-          </a:lnRef>
-          <a:fillRef idx="1">
-            <a:schemeClr val="accent1"/>
-          </a:fillRef>
-          <a:effectRef idx="0">
-            <a:schemeClr val="accent1"/>
-          </a:effectRef>
-          <a:fontRef idx="minor">
-            <a:schemeClr val="lt1"/>
-          </a:fontRef>
-        </p:style>
-        <p:txBody>
-          <a:bodyPr rtlCol="0" anchor="ctr"/>
-          <a:lstStyle/>
-          <a:p>
-            <a:pPr algn="ctr"/>
-            <a:endParaRPr lang="ko-KR" altLang="en-US"/>
-          </a:p>
-        </p:txBody>
-      </p:sp>
-      <p:sp>
-        <p:nvSpPr>
-          <p:cNvPr id="8" name="직사각형 7">
-            <a:extLst>
-              <a:ext uri="{FF2B5EF4-FFF2-40B4-BE49-F238E27FC236}">
-                <a16:creationId xmlns:a16="http://schemas.microsoft.com/office/drawing/2014/main" id="{7A1194AF-EF26-4BB4-ABA6-7BAF4EDF0666}"/>
-              </a:ext>
-            </a:extLst>
-          </p:cNvPr>
-          <p:cNvSpPr/>
-          <p:nvPr/>
-        </p:nvSpPr>
-        <p:spPr>
-          <a:xfrm>
-            <a:off x="3344139" y="4149435"/>
-            <a:ext cx="519545" cy="1714499"/>
-          </a:xfrm>
-          <a:prstGeom prst="rect">
-            <a:avLst/>
-          </a:prstGeom>
-        </p:spPr>
-        <p:style>
-          <a:lnRef idx="2">
-            <a:schemeClr val="accent1">
-              <a:shade val="50000"/>
-            </a:schemeClr>
-          </a:lnRef>
-          <a:fillRef idx="1">
-            <a:schemeClr val="accent1"/>
-          </a:fillRef>
-          <a:effectRef idx="0">
-            <a:schemeClr val="accent1"/>
-          </a:effectRef>
-          <a:fontRef idx="minor">
-            <a:schemeClr val="lt1"/>
-          </a:fontRef>
-        </p:style>
-        <p:txBody>
-          <a:bodyPr rtlCol="0" anchor="ctr"/>
-          <a:lstStyle/>
-          <a:p>
-            <a:pPr algn="ctr"/>
-            <a:endParaRPr lang="ko-KR" altLang="en-US"/>
-          </a:p>
-        </p:txBody>
-      </p:sp>
-      <p:sp>
-        <p:nvSpPr>
-          <p:cNvPr id="9" name="직사각형 8">
-            <a:extLst>
-              <a:ext uri="{FF2B5EF4-FFF2-40B4-BE49-F238E27FC236}">
-                <a16:creationId xmlns:a16="http://schemas.microsoft.com/office/drawing/2014/main" id="{05FD0F4D-F437-43BC-ADD7-23348B40A26A}"/>
-              </a:ext>
-            </a:extLst>
-          </p:cNvPr>
-          <p:cNvSpPr/>
-          <p:nvPr/>
-        </p:nvSpPr>
-        <p:spPr>
-          <a:xfrm>
-            <a:off x="3967594" y="3906982"/>
-            <a:ext cx="519545" cy="1956953"/>
-          </a:xfrm>
-          <a:prstGeom prst="rect">
-            <a:avLst/>
-          </a:prstGeom>
-        </p:spPr>
-        <p:style>
-          <a:lnRef idx="2">
-            <a:schemeClr val="accent1">
-              <a:shade val="50000"/>
-            </a:schemeClr>
-          </a:lnRef>
-          <a:fillRef idx="1">
-            <a:schemeClr val="accent1"/>
-          </a:fillRef>
-          <a:effectRef idx="0">
-            <a:schemeClr val="accent1"/>
-          </a:effectRef>
-          <a:fontRef idx="minor">
-            <a:schemeClr val="lt1"/>
-          </a:fontRef>
-        </p:style>
-        <p:txBody>
-          <a:bodyPr rtlCol="0" anchor="ctr"/>
-          <a:lstStyle/>
-          <a:p>
-            <a:pPr algn="ctr"/>
-            <a:endParaRPr lang="ko-KR" altLang="en-US"/>
-          </a:p>
-        </p:txBody>
-      </p:sp>
-      <p:sp>
-        <p:nvSpPr>
-          <p:cNvPr id="10" name="직사각형 9">
-            <a:extLst>
-              <a:ext uri="{FF2B5EF4-FFF2-40B4-BE49-F238E27FC236}">
-                <a16:creationId xmlns:a16="http://schemas.microsoft.com/office/drawing/2014/main" id="{3FED626E-DE47-4059-BED5-9EF1175F61A3}"/>
-              </a:ext>
-            </a:extLst>
-          </p:cNvPr>
-          <p:cNvSpPr/>
-          <p:nvPr/>
-        </p:nvSpPr>
-        <p:spPr>
-          <a:xfrm>
-            <a:off x="4565071" y="4348594"/>
-            <a:ext cx="519545" cy="1515340"/>
-          </a:xfrm>
-          <a:prstGeom prst="rect">
-            <a:avLst/>
-          </a:prstGeom>
-        </p:spPr>
-        <p:style>
-          <a:lnRef idx="2">
-            <a:schemeClr val="accent1">
-              <a:shade val="50000"/>
-            </a:schemeClr>
-          </a:lnRef>
-          <a:fillRef idx="1">
-            <a:schemeClr val="accent1"/>
-          </a:fillRef>
-          <a:effectRef idx="0">
-            <a:schemeClr val="accent1"/>
-          </a:effectRef>
-          <a:fontRef idx="minor">
-            <a:schemeClr val="lt1"/>
-          </a:fontRef>
-        </p:style>
-        <p:txBody>
-          <a:bodyPr rtlCol="0" anchor="ctr"/>
-          <a:lstStyle/>
-          <a:p>
-            <a:pPr algn="ctr"/>
-            <a:endParaRPr lang="ko-KR" altLang="en-US"/>
-          </a:p>
-        </p:txBody>
-      </p:sp>
-      <p:sp>
-        <p:nvSpPr>
-          <p:cNvPr id="11" name="직사각형 10">
-            <a:extLst>
-              <a:ext uri="{FF2B5EF4-FFF2-40B4-BE49-F238E27FC236}">
-                <a16:creationId xmlns:a16="http://schemas.microsoft.com/office/drawing/2014/main" id="{E7C42CD5-AC30-499A-AAFC-189ADDF440FD}"/>
-              </a:ext>
-            </a:extLst>
-          </p:cNvPr>
-          <p:cNvSpPr/>
-          <p:nvPr/>
-        </p:nvSpPr>
-        <p:spPr>
-          <a:xfrm>
-            <a:off x="5179866" y="4686298"/>
-            <a:ext cx="519545" cy="1177635"/>
-          </a:xfrm>
-          <a:prstGeom prst="rect">
-            <a:avLst/>
-          </a:prstGeom>
-        </p:spPr>
-        <p:style>
-          <a:lnRef idx="2">
-            <a:schemeClr val="accent1">
-              <a:shade val="50000"/>
-            </a:schemeClr>
-          </a:lnRef>
-          <a:fillRef idx="1">
-            <a:schemeClr val="accent1"/>
-          </a:fillRef>
-          <a:effectRef idx="0">
-            <a:schemeClr val="accent1"/>
-          </a:effectRef>
-          <a:fontRef idx="minor">
-            <a:schemeClr val="lt1"/>
-          </a:fontRef>
-        </p:style>
-        <p:txBody>
-          <a:bodyPr rtlCol="0" anchor="ctr"/>
-          <a:lstStyle/>
-          <a:p>
-            <a:pPr algn="ctr"/>
-            <a:endParaRPr lang="ko-KR" altLang="en-US"/>
-          </a:p>
-        </p:txBody>
-      </p:sp>
-      <p:sp>
-        <p:nvSpPr>
-          <p:cNvPr id="12" name="직사각형 11">
-            <a:extLst>
-              <a:ext uri="{FF2B5EF4-FFF2-40B4-BE49-F238E27FC236}">
-                <a16:creationId xmlns:a16="http://schemas.microsoft.com/office/drawing/2014/main" id="{238D308C-F645-4BDA-BD81-A6364D394390}"/>
-              </a:ext>
-            </a:extLst>
-          </p:cNvPr>
-          <p:cNvSpPr/>
-          <p:nvPr/>
-        </p:nvSpPr>
-        <p:spPr>
-          <a:xfrm>
-            <a:off x="5820639" y="4946071"/>
-            <a:ext cx="519545" cy="917863"/>
-          </a:xfrm>
-          <a:prstGeom prst="rect">
-            <a:avLst/>
-          </a:prstGeom>
-        </p:spPr>
-        <p:style>
-          <a:lnRef idx="2">
-            <a:schemeClr val="accent1">
-              <a:shade val="50000"/>
-            </a:schemeClr>
-          </a:lnRef>
-          <a:fillRef idx="1">
-            <a:schemeClr val="accent1"/>
-          </a:fillRef>
-          <a:effectRef idx="0">
-            <a:schemeClr val="accent1"/>
-          </a:effectRef>
-          <a:fontRef idx="minor">
-            <a:schemeClr val="lt1"/>
-          </a:fontRef>
-        </p:style>
-        <p:txBody>
-          <a:bodyPr rtlCol="0" anchor="ctr"/>
-          <a:lstStyle/>
-          <a:p>
-            <a:pPr algn="ctr"/>
-            <a:endParaRPr lang="ko-KR" altLang="en-US"/>
-          </a:p>
-        </p:txBody>
-      </p:sp>
-      <p:sp>
-        <p:nvSpPr>
-          <p:cNvPr id="13" name="직사각형 12">
-            <a:extLst>
-              <a:ext uri="{FF2B5EF4-FFF2-40B4-BE49-F238E27FC236}">
-                <a16:creationId xmlns:a16="http://schemas.microsoft.com/office/drawing/2014/main" id="{19A6D37C-10D5-4216-98BE-1E77F836C139}"/>
-              </a:ext>
-            </a:extLst>
-          </p:cNvPr>
-          <p:cNvSpPr/>
-          <p:nvPr/>
-        </p:nvSpPr>
-        <p:spPr>
-          <a:xfrm>
-            <a:off x="6461411" y="5214502"/>
-            <a:ext cx="519545" cy="649431"/>
-          </a:xfrm>
-          <a:prstGeom prst="rect">
-            <a:avLst/>
-          </a:prstGeom>
-        </p:spPr>
-        <p:style>
-          <a:lnRef idx="2">
-            <a:schemeClr val="accent1">
-              <a:shade val="50000"/>
-            </a:schemeClr>
-          </a:lnRef>
-          <a:fillRef idx="1">
-            <a:schemeClr val="accent1"/>
-          </a:fillRef>
-          <a:effectRef idx="0">
-            <a:schemeClr val="accent1"/>
-          </a:effectRef>
-          <a:fontRef idx="minor">
-            <a:schemeClr val="lt1"/>
-          </a:fontRef>
-        </p:style>
-        <p:txBody>
-          <a:bodyPr rtlCol="0" anchor="ctr"/>
-          <a:lstStyle/>
-          <a:p>
-            <a:pPr algn="ctr"/>
-            <a:endParaRPr lang="ko-KR" altLang="en-US"/>
-          </a:p>
-        </p:txBody>
-      </p:sp>
-      <p:sp>
-        <p:nvSpPr>
-          <p:cNvPr id="14" name="직사각형 13">
-            <a:extLst>
-              <a:ext uri="{FF2B5EF4-FFF2-40B4-BE49-F238E27FC236}">
-                <a16:creationId xmlns:a16="http://schemas.microsoft.com/office/drawing/2014/main" id="{8176C3AE-E3DC-4EF2-9DA9-D82B1F2F4F39}"/>
-              </a:ext>
-            </a:extLst>
-          </p:cNvPr>
-          <p:cNvSpPr/>
-          <p:nvPr/>
-        </p:nvSpPr>
-        <p:spPr>
-          <a:xfrm>
-            <a:off x="7084866" y="5405002"/>
-            <a:ext cx="519545" cy="458932"/>
-          </a:xfrm>
-          <a:prstGeom prst="rect">
-            <a:avLst/>
-          </a:prstGeom>
-        </p:spPr>
-        <p:style>
-          <a:lnRef idx="2">
-            <a:schemeClr val="accent1">
-              <a:shade val="50000"/>
-            </a:schemeClr>
-          </a:lnRef>
-          <a:fillRef idx="1">
-            <a:schemeClr val="accent1"/>
-          </a:fillRef>
-          <a:effectRef idx="0">
-            <a:schemeClr val="accent1"/>
-          </a:effectRef>
-          <a:fontRef idx="minor">
-            <a:schemeClr val="lt1"/>
-          </a:fontRef>
-        </p:style>
-        <p:txBody>
-          <a:bodyPr rtlCol="0" anchor="ctr"/>
-          <a:lstStyle/>
-          <a:p>
-            <a:pPr algn="ctr"/>
-            <a:endParaRPr lang="ko-KR" altLang="en-US"/>
-          </a:p>
-        </p:txBody>
-      </p:sp>
-      <p:sp>
-        <p:nvSpPr>
-          <p:cNvPr id="15" name="직사각형 14">
-            <a:extLst>
-              <a:ext uri="{FF2B5EF4-FFF2-40B4-BE49-F238E27FC236}">
-                <a16:creationId xmlns:a16="http://schemas.microsoft.com/office/drawing/2014/main" id="{BE0D6D84-F453-44A0-A0E1-D73FCD6D2F30}"/>
-              </a:ext>
-            </a:extLst>
-          </p:cNvPr>
-          <p:cNvSpPr/>
-          <p:nvPr/>
-        </p:nvSpPr>
-        <p:spPr>
-          <a:xfrm>
-            <a:off x="7682343" y="5405001"/>
-            <a:ext cx="519545" cy="458932"/>
-          </a:xfrm>
-          <a:prstGeom prst="rect">
-            <a:avLst/>
-          </a:prstGeom>
-        </p:spPr>
-        <p:style>
-          <a:lnRef idx="2">
-            <a:schemeClr val="accent1">
-              <a:shade val="50000"/>
-            </a:schemeClr>
-          </a:lnRef>
-          <a:fillRef idx="1">
-            <a:schemeClr val="accent1"/>
-          </a:fillRef>
-          <a:effectRef idx="0">
-            <a:schemeClr val="accent1"/>
-          </a:effectRef>
-          <a:fontRef idx="minor">
-            <a:schemeClr val="lt1"/>
-          </a:fontRef>
-        </p:style>
-        <p:txBody>
-          <a:bodyPr rtlCol="0" anchor="ctr"/>
-          <a:lstStyle/>
-          <a:p>
-            <a:pPr algn="ctr"/>
-            <a:endParaRPr lang="ko-KR" altLang="en-US"/>
-          </a:p>
-        </p:txBody>
-      </p:sp>
-      <p:cxnSp>
-        <p:nvCxnSpPr>
-          <p:cNvPr id="16" name="직선 화살표 연결선 15">
-            <a:extLst>
-              <a:ext uri="{FF2B5EF4-FFF2-40B4-BE49-F238E27FC236}">
-                <a16:creationId xmlns:a16="http://schemas.microsoft.com/office/drawing/2014/main" id="{F87C8BB3-7272-466E-A98D-29777AAA4D89}"/>
-              </a:ext>
-            </a:extLst>
-          </p:cNvPr>
-          <p:cNvCxnSpPr/>
-          <p:nvPr/>
-        </p:nvCxnSpPr>
-        <p:spPr>
-          <a:xfrm>
-            <a:off x="1703242" y="4985037"/>
-            <a:ext cx="614795" cy="8659"/>
-          </a:xfrm>
-          <a:prstGeom prst="straightConnector1">
-            <a:avLst/>
-          </a:prstGeom>
-        </p:spPr>
-        <p:style>
-          <a:lnRef idx="3">
-            <a:schemeClr val="dk1"/>
-          </a:lnRef>
-          <a:fillRef idx="0">
-            <a:schemeClr val="dk1"/>
-          </a:fillRef>
-          <a:effectRef idx="2">
-            <a:schemeClr val="dk1"/>
-          </a:effectRef>
-          <a:fontRef idx="minor">
-            <a:schemeClr val="tx1"/>
-          </a:fontRef>
-        </p:style>
-      </p:cxnSp>
-      <p:cxnSp>
-        <p:nvCxnSpPr>
-          <p:cNvPr id="17" name="직선 화살표 연결선 16">
-            <a:extLst>
-              <a:ext uri="{FF2B5EF4-FFF2-40B4-BE49-F238E27FC236}">
-                <a16:creationId xmlns:a16="http://schemas.microsoft.com/office/drawing/2014/main" id="{8598599F-2576-4E38-882B-6B39DE44C439}"/>
-              </a:ext>
-            </a:extLst>
-          </p:cNvPr>
-          <p:cNvCxnSpPr>
-            <a:cxnSpLocks/>
-          </p:cNvCxnSpPr>
-          <p:nvPr/>
-        </p:nvCxnSpPr>
-        <p:spPr>
-          <a:xfrm flipV="1">
-            <a:off x="2318037" y="4430855"/>
-            <a:ext cx="649431" cy="562840"/>
-          </a:xfrm>
-          <a:prstGeom prst="straightConnector1">
-            <a:avLst/>
-          </a:prstGeom>
-        </p:spPr>
-        <p:style>
-          <a:lnRef idx="3">
-            <a:schemeClr val="dk1"/>
-          </a:lnRef>
-          <a:fillRef idx="0">
-            <a:schemeClr val="dk1"/>
-          </a:fillRef>
-          <a:effectRef idx="2">
-            <a:schemeClr val="dk1"/>
-          </a:effectRef>
-          <a:fontRef idx="minor">
-            <a:schemeClr val="tx1"/>
-          </a:fontRef>
-        </p:style>
-      </p:cxnSp>
-      <p:cxnSp>
-        <p:nvCxnSpPr>
-          <p:cNvPr id="18" name="직선 화살표 연결선 17">
-            <a:extLst>
-              <a:ext uri="{FF2B5EF4-FFF2-40B4-BE49-F238E27FC236}">
-                <a16:creationId xmlns:a16="http://schemas.microsoft.com/office/drawing/2014/main" id="{881521CB-87AD-474B-AAC3-ED9FB7064BA2}"/>
-              </a:ext>
-            </a:extLst>
-          </p:cNvPr>
-          <p:cNvCxnSpPr>
-            <a:cxnSpLocks/>
-          </p:cNvCxnSpPr>
-          <p:nvPr/>
-        </p:nvCxnSpPr>
-        <p:spPr>
-          <a:xfrm flipV="1">
-            <a:off x="2976127" y="4136446"/>
-            <a:ext cx="684067" cy="294408"/>
-          </a:xfrm>
-          <a:prstGeom prst="straightConnector1">
-            <a:avLst/>
-          </a:prstGeom>
-        </p:spPr>
-        <p:style>
-          <a:lnRef idx="3">
-            <a:schemeClr val="dk1"/>
-          </a:lnRef>
-          <a:fillRef idx="0">
-            <a:schemeClr val="dk1"/>
-          </a:fillRef>
-          <a:effectRef idx="2">
-            <a:schemeClr val="dk1"/>
-          </a:effectRef>
-          <a:fontRef idx="minor">
-            <a:schemeClr val="tx1"/>
-          </a:fontRef>
-        </p:style>
-      </p:cxnSp>
-      <p:cxnSp>
-        <p:nvCxnSpPr>
-          <p:cNvPr id="19" name="직선 화살표 연결선 18">
-            <a:extLst>
-              <a:ext uri="{FF2B5EF4-FFF2-40B4-BE49-F238E27FC236}">
-                <a16:creationId xmlns:a16="http://schemas.microsoft.com/office/drawing/2014/main" id="{A8BB5FA4-301F-4F21-B161-31337C43049F}"/>
-              </a:ext>
-            </a:extLst>
-          </p:cNvPr>
-          <p:cNvCxnSpPr>
-            <a:cxnSpLocks/>
-          </p:cNvCxnSpPr>
-          <p:nvPr/>
-        </p:nvCxnSpPr>
-        <p:spPr>
-          <a:xfrm flipV="1">
-            <a:off x="3616901" y="3902650"/>
-            <a:ext cx="640772" cy="242454"/>
-          </a:xfrm>
-          <a:prstGeom prst="straightConnector1">
-            <a:avLst/>
-          </a:prstGeom>
-        </p:spPr>
-        <p:style>
-          <a:lnRef idx="3">
-            <a:schemeClr val="dk1"/>
-          </a:lnRef>
-          <a:fillRef idx="0">
-            <a:schemeClr val="dk1"/>
-          </a:fillRef>
-          <a:effectRef idx="2">
-            <a:schemeClr val="dk1"/>
-          </a:effectRef>
-          <a:fontRef idx="minor">
-            <a:schemeClr val="tx1"/>
-          </a:fontRef>
-        </p:style>
-      </p:cxnSp>
-      <p:cxnSp>
-        <p:nvCxnSpPr>
-          <p:cNvPr id="20" name="직선 화살표 연결선 19">
-            <a:extLst>
-              <a:ext uri="{FF2B5EF4-FFF2-40B4-BE49-F238E27FC236}">
-                <a16:creationId xmlns:a16="http://schemas.microsoft.com/office/drawing/2014/main" id="{3604CDB7-9A97-421D-9A40-7D4D3919E76D}"/>
-              </a:ext>
-            </a:extLst>
-          </p:cNvPr>
-          <p:cNvCxnSpPr>
-            <a:cxnSpLocks/>
-          </p:cNvCxnSpPr>
-          <p:nvPr/>
-        </p:nvCxnSpPr>
-        <p:spPr>
-          <a:xfrm>
-            <a:off x="4257673" y="3893990"/>
-            <a:ext cx="571499" cy="493568"/>
-          </a:xfrm>
-          <a:prstGeom prst="straightConnector1">
-            <a:avLst/>
-          </a:prstGeom>
-        </p:spPr>
-        <p:style>
-          <a:lnRef idx="3">
-            <a:schemeClr val="dk1"/>
-          </a:lnRef>
-          <a:fillRef idx="0">
-            <a:schemeClr val="dk1"/>
-          </a:fillRef>
-          <a:effectRef idx="2">
-            <a:schemeClr val="dk1"/>
-          </a:effectRef>
-          <a:fontRef idx="minor">
-            <a:schemeClr val="tx1"/>
-          </a:fontRef>
-        </p:style>
-      </p:cxnSp>
-      <p:cxnSp>
-        <p:nvCxnSpPr>
-          <p:cNvPr id="21" name="직선 화살표 연결선 20">
-            <a:extLst>
-              <a:ext uri="{FF2B5EF4-FFF2-40B4-BE49-F238E27FC236}">
-                <a16:creationId xmlns:a16="http://schemas.microsoft.com/office/drawing/2014/main" id="{05B41544-73C0-42DA-A61B-79D68DBD7546}"/>
-              </a:ext>
-            </a:extLst>
-          </p:cNvPr>
-          <p:cNvCxnSpPr>
-            <a:cxnSpLocks/>
-          </p:cNvCxnSpPr>
-          <p:nvPr/>
-        </p:nvCxnSpPr>
-        <p:spPr>
-          <a:xfrm>
-            <a:off x="4811855" y="4387558"/>
-            <a:ext cx="606136" cy="285751"/>
-          </a:xfrm>
-          <a:prstGeom prst="straightConnector1">
-            <a:avLst/>
-          </a:prstGeom>
-        </p:spPr>
-        <p:style>
-          <a:lnRef idx="3">
-            <a:schemeClr val="dk1"/>
-          </a:lnRef>
-          <a:fillRef idx="0">
-            <a:schemeClr val="dk1"/>
-          </a:fillRef>
-          <a:effectRef idx="2">
-            <a:schemeClr val="dk1"/>
-          </a:effectRef>
-          <a:fontRef idx="minor">
-            <a:schemeClr val="tx1"/>
-          </a:fontRef>
-        </p:style>
-      </p:cxnSp>
-      <p:cxnSp>
-        <p:nvCxnSpPr>
-          <p:cNvPr id="22" name="직선 화살표 연결선 21">
-            <a:extLst>
-              <a:ext uri="{FF2B5EF4-FFF2-40B4-BE49-F238E27FC236}">
-                <a16:creationId xmlns:a16="http://schemas.microsoft.com/office/drawing/2014/main" id="{6DD872B7-A48D-4493-9628-2183300AC465}"/>
-              </a:ext>
-            </a:extLst>
-          </p:cNvPr>
-          <p:cNvCxnSpPr>
-            <a:cxnSpLocks/>
-          </p:cNvCxnSpPr>
-          <p:nvPr/>
-        </p:nvCxnSpPr>
-        <p:spPr>
-          <a:xfrm>
-            <a:off x="5426650" y="4681967"/>
-            <a:ext cx="649431" cy="268432"/>
-          </a:xfrm>
-          <a:prstGeom prst="straightConnector1">
-            <a:avLst/>
-          </a:prstGeom>
-        </p:spPr>
-        <p:style>
-          <a:lnRef idx="3">
-            <a:schemeClr val="dk1"/>
-          </a:lnRef>
-          <a:fillRef idx="0">
-            <a:schemeClr val="dk1"/>
-          </a:fillRef>
-          <a:effectRef idx="2">
-            <a:schemeClr val="dk1"/>
-          </a:effectRef>
-          <a:fontRef idx="minor">
-            <a:schemeClr val="tx1"/>
-          </a:fontRef>
-        </p:style>
-      </p:cxnSp>
-      <p:cxnSp>
-        <p:nvCxnSpPr>
-          <p:cNvPr id="23" name="직선 화살표 연결선 22">
-            <a:extLst>
-              <a:ext uri="{FF2B5EF4-FFF2-40B4-BE49-F238E27FC236}">
-                <a16:creationId xmlns:a16="http://schemas.microsoft.com/office/drawing/2014/main" id="{35F7539C-E654-436B-873E-CA10F2911FFB}"/>
-              </a:ext>
-            </a:extLst>
-          </p:cNvPr>
-          <p:cNvCxnSpPr>
-            <a:cxnSpLocks/>
-          </p:cNvCxnSpPr>
-          <p:nvPr/>
-        </p:nvCxnSpPr>
-        <p:spPr>
-          <a:xfrm>
-            <a:off x="6093400" y="4950399"/>
-            <a:ext cx="649431" cy="285750"/>
-          </a:xfrm>
-          <a:prstGeom prst="straightConnector1">
-            <a:avLst/>
-          </a:prstGeom>
-        </p:spPr>
-        <p:style>
-          <a:lnRef idx="3">
-            <a:schemeClr val="dk1"/>
-          </a:lnRef>
-          <a:fillRef idx="0">
-            <a:schemeClr val="dk1"/>
-          </a:fillRef>
-          <a:effectRef idx="2">
-            <a:schemeClr val="dk1"/>
-          </a:effectRef>
-          <a:fontRef idx="minor">
-            <a:schemeClr val="tx1"/>
-          </a:fontRef>
-        </p:style>
-      </p:cxnSp>
-      <p:cxnSp>
-        <p:nvCxnSpPr>
-          <p:cNvPr id="24" name="직선 화살표 연결선 23">
-            <a:extLst>
-              <a:ext uri="{FF2B5EF4-FFF2-40B4-BE49-F238E27FC236}">
-                <a16:creationId xmlns:a16="http://schemas.microsoft.com/office/drawing/2014/main" id="{9E12579E-7B21-4DFA-85F6-7F13494A6AAC}"/>
-              </a:ext>
-            </a:extLst>
-          </p:cNvPr>
-          <p:cNvCxnSpPr>
-            <a:cxnSpLocks/>
-          </p:cNvCxnSpPr>
-          <p:nvPr/>
-        </p:nvCxnSpPr>
-        <p:spPr>
-          <a:xfrm>
-            <a:off x="6734172" y="5253467"/>
-            <a:ext cx="623454" cy="173182"/>
-          </a:xfrm>
-          <a:prstGeom prst="straightConnector1">
-            <a:avLst/>
-          </a:prstGeom>
-        </p:spPr>
-        <p:style>
-          <a:lnRef idx="3">
-            <a:schemeClr val="dk1"/>
-          </a:lnRef>
-          <a:fillRef idx="0">
-            <a:schemeClr val="dk1"/>
-          </a:fillRef>
-          <a:effectRef idx="2">
-            <a:schemeClr val="dk1"/>
-          </a:effectRef>
-          <a:fontRef idx="minor">
-            <a:schemeClr val="tx1"/>
-          </a:fontRef>
-        </p:style>
-      </p:cxnSp>
-      <p:cxnSp>
-        <p:nvCxnSpPr>
-          <p:cNvPr id="25" name="직선 화살표 연결선 24">
-            <a:extLst>
-              <a:ext uri="{FF2B5EF4-FFF2-40B4-BE49-F238E27FC236}">
-                <a16:creationId xmlns:a16="http://schemas.microsoft.com/office/drawing/2014/main" id="{80CD7E2B-5FF1-4B5C-8B6D-28304AE3110E}"/>
-              </a:ext>
-            </a:extLst>
-          </p:cNvPr>
-          <p:cNvCxnSpPr>
-            <a:cxnSpLocks/>
-          </p:cNvCxnSpPr>
-          <p:nvPr/>
-        </p:nvCxnSpPr>
-        <p:spPr>
-          <a:xfrm flipV="1">
-            <a:off x="7348969" y="5409331"/>
-            <a:ext cx="623454" cy="17318"/>
-          </a:xfrm>
-          <a:prstGeom prst="straightConnector1">
-            <a:avLst/>
-          </a:prstGeom>
-        </p:spPr>
-        <p:style>
-          <a:lnRef idx="3">
-            <a:schemeClr val="dk1"/>
-          </a:lnRef>
-          <a:fillRef idx="0">
-            <a:schemeClr val="dk1"/>
-          </a:fillRef>
-          <a:effectRef idx="2">
-            <a:schemeClr val="dk1"/>
-          </a:effectRef>
-          <a:fontRef idx="minor">
-            <a:schemeClr val="tx1"/>
-          </a:fontRef>
-        </p:style>
-      </p:cxnSp>
-      <p:cxnSp>
-        <p:nvCxnSpPr>
-          <p:cNvPr id="27" name="직선 화살표 연결선 26">
-            <a:extLst>
-              <a:ext uri="{FF2B5EF4-FFF2-40B4-BE49-F238E27FC236}">
-                <a16:creationId xmlns:a16="http://schemas.microsoft.com/office/drawing/2014/main" id="{DEBCCD19-2517-4ABF-9B84-91848B31F0BE}"/>
-              </a:ext>
-            </a:extLst>
-          </p:cNvPr>
-          <p:cNvCxnSpPr/>
-          <p:nvPr/>
-        </p:nvCxnSpPr>
-        <p:spPr>
-          <a:xfrm>
-            <a:off x="1157719" y="3097357"/>
-            <a:ext cx="0" cy="3039339"/>
-          </a:xfrm>
-          <a:prstGeom prst="straightConnector1">
-            <a:avLst/>
-          </a:prstGeom>
-        </p:spPr>
-        <p:style>
-          <a:lnRef idx="3">
-            <a:schemeClr val="accent2"/>
-          </a:lnRef>
-          <a:fillRef idx="0">
-            <a:schemeClr val="accent2"/>
-          </a:fillRef>
-          <a:effectRef idx="2">
-            <a:schemeClr val="accent2"/>
-          </a:effectRef>
-          <a:fontRef idx="minor">
-            <a:schemeClr val="tx1"/>
-          </a:fontRef>
-        </p:style>
-      </p:cxnSp>
-      <p:cxnSp>
-        <p:nvCxnSpPr>
-          <p:cNvPr id="28" name="직선 화살표 연결선 27">
-            <a:extLst>
-              <a:ext uri="{FF2B5EF4-FFF2-40B4-BE49-F238E27FC236}">
-                <a16:creationId xmlns:a16="http://schemas.microsoft.com/office/drawing/2014/main" id="{05138801-D272-4D44-AD34-264D51F6EC66}"/>
-              </a:ext>
-            </a:extLst>
-          </p:cNvPr>
-          <p:cNvCxnSpPr>
-            <a:cxnSpLocks/>
-          </p:cNvCxnSpPr>
-          <p:nvPr/>
-        </p:nvCxnSpPr>
-        <p:spPr>
-          <a:xfrm flipH="1">
-            <a:off x="975878" y="5972174"/>
-            <a:ext cx="7628659" cy="8658"/>
-          </a:xfrm>
-          <a:prstGeom prst="straightConnector1">
-            <a:avLst/>
-          </a:prstGeom>
-        </p:spPr>
-        <p:style>
-          <a:lnRef idx="3">
-            <a:schemeClr val="accent2"/>
-          </a:lnRef>
-          <a:fillRef idx="0">
-            <a:schemeClr val="accent2"/>
-          </a:fillRef>
-          <a:effectRef idx="2">
-            <a:schemeClr val="accent2"/>
-          </a:effectRef>
-          <a:fontRef idx="minor">
-            <a:schemeClr val="tx1"/>
-          </a:fontRef>
-        </p:style>
-      </p:cxnSp>
+              <a:t>시간이 지남에 따라 기술이 발전되고 점점 서버의 연산속도가 </a:t>
+            </a:r>
+            <a:r>
+              <a:rPr lang="ko-KR" altLang="en-US" dirty="0" err="1">
+                <a:ea typeface="맑은 고딕"/>
+              </a:rPr>
+              <a:t>빨라짐</a:t>
+            </a:r>
+            <a:endParaRPr lang="ko-KR"/>
+          </a:p>
+          <a:p>
+            <a:r>
+              <a:rPr lang="ko-KR" altLang="en-US" dirty="0">
+                <a:ea typeface="맑은 고딕"/>
+              </a:rPr>
+              <a:t>2014년 </a:t>
+            </a:r>
+            <a:r>
+              <a:rPr lang="ko-KR" altLang="en-US" dirty="0" err="1">
+                <a:ea typeface="맑은 고딕"/>
+              </a:rPr>
+              <a:t>AWS를</a:t>
+            </a:r>
+            <a:r>
+              <a:rPr lang="ko-KR" altLang="en-US" dirty="0">
+                <a:ea typeface="맑은 고딕"/>
+              </a:rPr>
+              <a:t> 통해 배포 속도를 </a:t>
+            </a:r>
+            <a:r>
+              <a:rPr lang="ko-KR" altLang="en-US" dirty="0" err="1">
+                <a:ea typeface="맑은 고딕"/>
+              </a:rPr>
+              <a:t>밀리초</a:t>
+            </a:r>
+            <a:r>
+              <a:rPr lang="ko-KR" altLang="en-US" dirty="0">
+                <a:ea typeface="맑은 고딕"/>
+              </a:rPr>
+              <a:t> 단위까지 단축 시켜 쾌적한 환경을 구성 </a:t>
+            </a:r>
+            <a:r>
+              <a:rPr lang="ko-KR" altLang="en-US" dirty="0" err="1">
+                <a:ea typeface="맑은 고딕"/>
+              </a:rPr>
+              <a:t>시킬수</a:t>
+            </a:r>
+            <a:r>
+              <a:rPr lang="ko-KR" altLang="en-US" dirty="0">
+                <a:ea typeface="맑은 고딕"/>
+              </a:rPr>
+              <a:t> 있게 됨</a:t>
+            </a:r>
+          </a:p>
+          <a:p>
+            <a:r>
+              <a:rPr lang="ko-KR" altLang="en-US" dirty="0">
+                <a:ea typeface="맑은 고딕"/>
+              </a:rPr>
+              <a:t>함수가 실행되는 </a:t>
+            </a:r>
+            <a:r>
+              <a:rPr lang="ko-KR" altLang="en-US" dirty="0" err="1">
+                <a:ea typeface="맑은 고딕"/>
+              </a:rPr>
+              <a:t>시간동안에만</a:t>
+            </a:r>
+            <a:r>
+              <a:rPr lang="ko-KR" altLang="en-US" dirty="0">
+                <a:ea typeface="맑은 고딕"/>
+              </a:rPr>
+              <a:t> 과금이 되는 시스템이 도입되어 상대적으로 저렴한 가격에 사용 할 수 있게 됨</a:t>
+            </a:r>
+          </a:p>
+          <a:p>
+            <a:r>
+              <a:rPr lang="ko-KR" altLang="en-US" dirty="0">
+                <a:ea typeface="맑은 고딕"/>
+              </a:rPr>
+              <a:t>빠른 서비스와 데이터의 안정성을 목적으로 클라우드 서비스를 선택함</a:t>
+            </a:r>
+          </a:p>
+        </p:txBody>
+      </p:sp>
     </p:spTree>
     <p:extLst>
       <p:ext uri="{BB962C8B-B14F-4D97-AF65-F5344CB8AC3E}">
-        <p14:creationId xmlns:p14="http://schemas.microsoft.com/office/powerpoint/2010/main" val="2709969201"/>
+        <p14:creationId xmlns:p14="http://schemas.microsoft.com/office/powerpoint/2010/main" val="794387301"/>
       </p:ext>
     </p:extLst>
   </p:cSld>
@@ -6092,7 +7373,7 @@
           <p:cNvPr id="2" name="제목 1">
             <a:extLst>
               <a:ext uri="{FF2B5EF4-FFF2-40B4-BE49-F238E27FC236}">
-                <a16:creationId xmlns:a16="http://schemas.microsoft.com/office/drawing/2014/main" id="{021C9D67-DFDE-4EB3-9959-FE36CC7E4998}"/>
+                <a16:creationId xmlns:a16="http://schemas.microsoft.com/office/drawing/2014/main" id="{62B59C70-5897-40FF-A113-74CF32D86DAE}"/>
               </a:ext>
             </a:extLst>
           </p:cNvPr>
@@ -6109,20 +7390,51 @@
           <a:lstStyle/>
           <a:p>
             <a:r>
-              <a:rPr lang="ko-KR" altLang="en-US" dirty="0">
-                <a:ea typeface="맑은 고딕"/>
-              </a:rPr>
-              <a:t>컨테이너를 통한 EC2 인스턴스 효율화</a:t>
-            </a:r>
-          </a:p>
-        </p:txBody>
-      </p:sp>
-      <p:sp>
-        <p:nvSpPr>
-          <p:cNvPr id="4" name="내용 개체 틀 3">
-            <a:extLst>
-              <a:ext uri="{FF2B5EF4-FFF2-40B4-BE49-F238E27FC236}">
-                <a16:creationId xmlns:a16="http://schemas.microsoft.com/office/drawing/2014/main" id="{AEE19FEB-A156-4C3A-B13E-0E13F1FDBEE7}"/>
+              <a:rPr lang="ko-KR" altLang="en-US" sz="4000" dirty="0" err="1">
+                <a:ea typeface="맑은 고딕"/>
+              </a:rPr>
+              <a:t>Amazon</a:t>
+            </a:r>
+            <a:r>
+              <a:rPr lang="ko-KR" altLang="en-US" sz="4000" dirty="0">
+                <a:ea typeface="맑은 고딕"/>
+              </a:rPr>
+              <a:t> S3(</a:t>
+            </a:r>
+            <a:r>
+              <a:rPr lang="ko-KR" altLang="en-US" sz="4000" dirty="0" err="1">
+                <a:ea typeface="맑은 고딕"/>
+              </a:rPr>
+              <a:t>Simple</a:t>
+            </a:r>
+            <a:r>
+              <a:rPr lang="ko-KR" altLang="en-US" sz="4000" dirty="0">
+                <a:ea typeface="맑은 고딕"/>
+              </a:rPr>
+              <a:t> </a:t>
+            </a:r>
+            <a:r>
+              <a:rPr lang="ko-KR" altLang="en-US" sz="4000" dirty="0" err="1">
+                <a:ea typeface="맑은 고딕"/>
+              </a:rPr>
+              <a:t>Storage</a:t>
+            </a:r>
+            <a:r>
+              <a:rPr lang="ko-KR" altLang="en-US" sz="4000" dirty="0">
+                <a:ea typeface="맑은 고딕"/>
+              </a:rPr>
+              <a:t> Service)란</a:t>
+            </a:r>
+            <a:endParaRPr lang="ko-KR" altLang="en-US" sz="4000" dirty="0"/>
+          </a:p>
+        </p:txBody>
+      </p:sp>
+      <p:sp>
+        <p:nvSpPr>
+          <p:cNvPr id="3" name="내용 개체 틀 2">
+            <a:extLst>
+              <a:ext uri="{FF2B5EF4-FFF2-40B4-BE49-F238E27FC236}">
+                <a16:creationId xmlns:a16="http://schemas.microsoft.com/office/drawing/2014/main" id="{D24C1804-96E7-4E92-AB21-08A51E4B39C6}"/>
               </a:ext>
             </a:extLst>
           </p:cNvPr>
@@ -6130,13 +7442,13 @@
             <a:spLocks noGrp="1"/>
           </p:cNvSpPr>
           <p:nvPr>
-            <p:ph sz="half" idx="2"/>
+            <p:ph sz="half" idx="1"/>
           </p:nvPr>
         </p:nvSpPr>
         <p:spPr>
           <a:xfrm>
-            <a:off x="604405" y="1765011"/>
-            <a:ext cx="10550236" cy="4351338"/>
+            <a:off x="838200" y="1825625"/>
+            <a:ext cx="10091303" cy="4351338"/>
           </a:xfrm>
         </p:spPr>
         <p:txBody>
@@ -6146,1004 +7458,105 @@
           <a:lstStyle/>
           <a:p>
             <a:r>
-              <a:rPr lang="ko-KR" altLang="en-US" dirty="0">
-                <a:ea typeface="맑은 고딕"/>
-              </a:rPr>
-              <a:t>기존의 애플리케이션들은 각각의 CPU, 메모리 사용량이 비효율적일 수밖에 없음</a:t>
-            </a:r>
-          </a:p>
-          <a:p>
-            <a:r>
-              <a:rPr lang="ko-KR" altLang="en-US" dirty="0">
-                <a:ea typeface="맑은 고딕"/>
-              </a:rPr>
-              <a:t>컨테이너 서비스를 통해 각각의 자원들을 효율적으로 사용 할 수 있음</a:t>
-            </a:r>
+              <a:rPr lang="ko-KR" dirty="0">
+                <a:ea typeface="+mn-lt"/>
+                <a:cs typeface="+mn-lt"/>
+              </a:rPr>
+              <a:t>아마존 웹 서비스에서 제공하는 온라인 스토리지 웹 서비스.</a:t>
+            </a:r>
+            <a:r>
+              <a:rPr lang="ko-KR" altLang="en-US" dirty="0">
+                <a:ea typeface="+mn-lt"/>
+                <a:cs typeface="+mn-lt"/>
+              </a:rPr>
+              <a:t> </a:t>
+            </a:r>
+            <a:r>
+              <a:rPr lang="ko-KR" dirty="0">
+                <a:ea typeface="+mn-lt"/>
+                <a:cs typeface="+mn-lt"/>
+              </a:rPr>
+              <a:t> 이 서비스를 사용하여 사용자는 데이터(사진, 동영상, 문서 등)</a:t>
+            </a:r>
+            <a:r>
+              <a:rPr lang="ko-KR" dirty="0" err="1">
+                <a:ea typeface="+mn-lt"/>
+                <a:cs typeface="+mn-lt"/>
+              </a:rPr>
+              <a:t>를</a:t>
+            </a:r>
+            <a:r>
+              <a:rPr lang="ko-KR" dirty="0">
+                <a:ea typeface="+mn-lt"/>
+                <a:cs typeface="+mn-lt"/>
+              </a:rPr>
+              <a:t> 첨부파일 형태로 업로드나 다운로드를 할 수 있다.</a:t>
+            </a:r>
+            <a:endParaRPr lang="ko-KR" dirty="0"/>
           </a:p>
           <a:p>
             <a:endParaRPr lang="ko-KR" altLang="en-US" dirty="0">
               <a:ea typeface="맑은 고딕"/>
             </a:endParaRPr>
           </a:p>
-        </p:txBody>
-      </p:sp>
-      <p:sp>
-        <p:nvSpPr>
-          <p:cNvPr id="9" name="사각형: 둥근 모서리 8">
-            <a:extLst>
-              <a:ext uri="{FF2B5EF4-FFF2-40B4-BE49-F238E27FC236}">
-                <a16:creationId xmlns:a16="http://schemas.microsoft.com/office/drawing/2014/main" id="{55D5F499-35A8-4A77-B3B9-3142686DEB95}"/>
-              </a:ext>
-            </a:extLst>
-          </p:cNvPr>
-          <p:cNvSpPr/>
-          <p:nvPr/>
-        </p:nvSpPr>
-        <p:spPr>
-          <a:xfrm>
-            <a:off x="7604412" y="3993571"/>
-            <a:ext cx="1411431" cy="1368135"/>
-          </a:xfrm>
-          <a:prstGeom prst="roundRect">
-            <a:avLst/>
-          </a:prstGeom>
-        </p:spPr>
-        <p:style>
-          <a:lnRef idx="2">
-            <a:schemeClr val="accent1">
-              <a:shade val="50000"/>
-            </a:schemeClr>
-          </a:lnRef>
-          <a:fillRef idx="1">
-            <a:schemeClr val="accent1"/>
-          </a:fillRef>
-          <a:effectRef idx="0">
-            <a:schemeClr val="accent1"/>
-          </a:effectRef>
-          <a:fontRef idx="minor">
-            <a:schemeClr val="lt1"/>
-          </a:fontRef>
-        </p:style>
-        <p:txBody>
-          <a:bodyPr rtlCol="0" anchor="ctr"/>
-          <a:lstStyle/>
-          <a:p>
-            <a:pPr algn="ctr"/>
-            <a:endParaRPr lang="ko-KR" altLang="en-US"/>
-          </a:p>
-        </p:txBody>
-      </p:sp>
-      <p:sp>
-        <p:nvSpPr>
-          <p:cNvPr id="10" name="사각형: 둥근 모서리 9">
-            <a:extLst>
-              <a:ext uri="{FF2B5EF4-FFF2-40B4-BE49-F238E27FC236}">
-                <a16:creationId xmlns:a16="http://schemas.microsoft.com/office/drawing/2014/main" id="{45087D39-0A19-4400-A21D-6F3B6A18CFD8}"/>
-              </a:ext>
-            </a:extLst>
-          </p:cNvPr>
-          <p:cNvSpPr/>
-          <p:nvPr/>
-        </p:nvSpPr>
-        <p:spPr>
-          <a:xfrm>
-            <a:off x="7604412" y="4166752"/>
-            <a:ext cx="441614" cy="467592"/>
-          </a:xfrm>
-          <a:prstGeom prst="roundRect">
-            <a:avLst/>
-          </a:prstGeom>
-        </p:spPr>
-        <p:style>
-          <a:lnRef idx="1">
-            <a:schemeClr val="accent2"/>
-          </a:lnRef>
-          <a:fillRef idx="3">
-            <a:schemeClr val="accent2"/>
-          </a:fillRef>
-          <a:effectRef idx="2">
-            <a:schemeClr val="accent2"/>
-          </a:effectRef>
-          <a:fontRef idx="minor">
-            <a:schemeClr val="lt1"/>
-          </a:fontRef>
-        </p:style>
-        <p:txBody>
-          <a:bodyPr rtlCol="0" anchor="ctr"/>
-          <a:lstStyle/>
-          <a:p>
-            <a:pPr algn="ctr"/>
-            <a:endParaRPr lang="ko-KR" altLang="en-US"/>
-          </a:p>
-        </p:txBody>
-      </p:sp>
-      <p:sp>
-        <p:nvSpPr>
-          <p:cNvPr id="11" name="사각형: 둥근 모서리 10">
-            <a:extLst>
-              <a:ext uri="{FF2B5EF4-FFF2-40B4-BE49-F238E27FC236}">
-                <a16:creationId xmlns:a16="http://schemas.microsoft.com/office/drawing/2014/main" id="{4A8DF584-9D29-4C7F-B036-73C2117B9D26}"/>
-              </a:ext>
-            </a:extLst>
-          </p:cNvPr>
-          <p:cNvSpPr/>
-          <p:nvPr/>
-        </p:nvSpPr>
-        <p:spPr>
-          <a:xfrm>
-            <a:off x="7604412" y="4634343"/>
-            <a:ext cx="545523" cy="580159"/>
-          </a:xfrm>
-          <a:prstGeom prst="roundRect">
-            <a:avLst/>
-          </a:prstGeom>
-        </p:spPr>
-        <p:style>
-          <a:lnRef idx="0">
-            <a:schemeClr val="accent4"/>
-          </a:lnRef>
-          <a:fillRef idx="3">
-            <a:schemeClr val="accent4"/>
-          </a:fillRef>
-          <a:effectRef idx="3">
-            <a:schemeClr val="accent4"/>
-          </a:effectRef>
-          <a:fontRef idx="minor">
-            <a:schemeClr val="lt1"/>
-          </a:fontRef>
-        </p:style>
-        <p:txBody>
-          <a:bodyPr rtlCol="0" anchor="ctr"/>
-          <a:lstStyle/>
-          <a:p>
-            <a:pPr algn="ctr"/>
-            <a:endParaRPr lang="ko-KR" altLang="en-US"/>
-          </a:p>
-        </p:txBody>
-      </p:sp>
-      <p:sp>
-        <p:nvSpPr>
-          <p:cNvPr id="12" name="사각형: 둥근 모서리 11">
-            <a:extLst>
-              <a:ext uri="{FF2B5EF4-FFF2-40B4-BE49-F238E27FC236}">
-                <a16:creationId xmlns:a16="http://schemas.microsoft.com/office/drawing/2014/main" id="{ED50D0FD-3C35-480A-94CC-1B709FFA549D}"/>
-              </a:ext>
-            </a:extLst>
-          </p:cNvPr>
-          <p:cNvSpPr/>
-          <p:nvPr/>
-        </p:nvSpPr>
-        <p:spPr>
-          <a:xfrm>
-            <a:off x="8149935" y="4755571"/>
-            <a:ext cx="493568" cy="484909"/>
-          </a:xfrm>
-          <a:prstGeom prst="roundRect">
-            <a:avLst/>
-          </a:prstGeom>
-        </p:spPr>
-        <p:style>
-          <a:lnRef idx="0">
-            <a:schemeClr val="accent6"/>
-          </a:lnRef>
-          <a:fillRef idx="3">
-            <a:schemeClr val="accent6"/>
-          </a:fillRef>
-          <a:effectRef idx="3">
-            <a:schemeClr val="accent6"/>
-          </a:effectRef>
-          <a:fontRef idx="minor">
-            <a:schemeClr val="lt1"/>
-          </a:fontRef>
-        </p:style>
-        <p:txBody>
-          <a:bodyPr rtlCol="0" anchor="ctr"/>
-          <a:lstStyle/>
-          <a:p>
-            <a:pPr algn="ctr"/>
-            <a:endParaRPr lang="ko-KR" altLang="en-US"/>
-          </a:p>
-        </p:txBody>
-      </p:sp>
-      <p:sp>
-        <p:nvSpPr>
-          <p:cNvPr id="13" name="사각형: 둥근 모서리 12">
-            <a:extLst>
-              <a:ext uri="{FF2B5EF4-FFF2-40B4-BE49-F238E27FC236}">
-                <a16:creationId xmlns:a16="http://schemas.microsoft.com/office/drawing/2014/main" id="{9DD2D966-7421-4D9B-B325-B061EAACB681}"/>
-              </a:ext>
-            </a:extLst>
-          </p:cNvPr>
-          <p:cNvSpPr/>
-          <p:nvPr/>
-        </p:nvSpPr>
-        <p:spPr>
-          <a:xfrm>
-            <a:off x="8149934" y="4339933"/>
-            <a:ext cx="424295" cy="398319"/>
-          </a:xfrm>
-          <a:prstGeom prst="roundRect">
-            <a:avLst/>
-          </a:prstGeom>
-        </p:spPr>
-        <p:style>
-          <a:lnRef idx="0">
-            <a:schemeClr val="accent3"/>
-          </a:lnRef>
-          <a:fillRef idx="3">
-            <a:schemeClr val="accent3"/>
-          </a:fillRef>
-          <a:effectRef idx="3">
-            <a:schemeClr val="accent3"/>
-          </a:effectRef>
-          <a:fontRef idx="minor">
-            <a:schemeClr val="lt1"/>
-          </a:fontRef>
-        </p:style>
-        <p:txBody>
-          <a:bodyPr rtlCol="0" anchor="ctr"/>
-          <a:lstStyle/>
-          <a:p>
-            <a:pPr algn="ctr"/>
-            <a:endParaRPr lang="ko-KR" altLang="en-US"/>
-          </a:p>
-        </p:txBody>
-      </p:sp>
-      <p:sp>
-        <p:nvSpPr>
-          <p:cNvPr id="14" name="TextBox 13">
-            <a:extLst>
-              <a:ext uri="{FF2B5EF4-FFF2-40B4-BE49-F238E27FC236}">
-                <a16:creationId xmlns:a16="http://schemas.microsoft.com/office/drawing/2014/main" id="{8791B5DD-8FDE-4F47-BB01-93D0C9A66F1E}"/>
-              </a:ext>
-            </a:extLst>
-          </p:cNvPr>
-          <p:cNvSpPr txBox="1"/>
-          <p:nvPr/>
-        </p:nvSpPr>
-        <p:spPr>
-          <a:xfrm>
-            <a:off x="1005320" y="4529570"/>
-            <a:ext cx="1123949" cy="369332"/>
-          </a:xfrm>
-          <a:prstGeom prst="rect">
-            <a:avLst/>
-          </a:prstGeom>
-          <a:noFill/>
-        </p:spPr>
-        <p:txBody>
-          <a:bodyPr rot="0" spcFirstLastPara="0" vertOverflow="overflow" horzOverflow="overflow" vert="horz" wrap="square" lIns="91440" tIns="45720" rIns="91440" bIns="45720" numCol="1" spcCol="0" rtlCol="0" fromWordArt="0" anchor="t" anchorCtr="0" forceAA="0" compatLnSpc="1">
-            <a:prstTxWarp prst="textNoShape">
-              <a:avLst/>
-            </a:prstTxWarp>
-            <a:spAutoFit/>
-          </a:bodyPr>
-          <a:lstStyle/>
-          <a:p>
-            <a:r>
-              <a:rPr lang="ko-KR" altLang="en-US" dirty="0" err="1">
-                <a:ea typeface="맑은 고딕"/>
-              </a:rPr>
-              <a:t>App</a:t>
-            </a:r>
-            <a:r>
-              <a:rPr lang="ko-KR" altLang="en-US">
-                <a:ea typeface="맑은 고딕"/>
-              </a:rPr>
-              <a:t> 1</a:t>
-            </a:r>
-            <a:endParaRPr lang="ko-KR"/>
-          </a:p>
-        </p:txBody>
-      </p:sp>
-      <p:sp>
-        <p:nvSpPr>
-          <p:cNvPr id="15" name="TextBox 14">
-            <a:extLst>
-              <a:ext uri="{FF2B5EF4-FFF2-40B4-BE49-F238E27FC236}">
-                <a16:creationId xmlns:a16="http://schemas.microsoft.com/office/drawing/2014/main" id="{129FAE50-C4F8-4D47-AEE4-76EFC50D5172}"/>
-              </a:ext>
-            </a:extLst>
-          </p:cNvPr>
-          <p:cNvSpPr txBox="1"/>
-          <p:nvPr/>
-        </p:nvSpPr>
-        <p:spPr>
-          <a:xfrm>
-            <a:off x="2226252" y="4555547"/>
-            <a:ext cx="1123949" cy="369332"/>
-          </a:xfrm>
-          <a:prstGeom prst="rect">
-            <a:avLst/>
-          </a:prstGeom>
-          <a:noFill/>
-        </p:spPr>
-        <p:txBody>
-          <a:bodyPr rot="0" spcFirstLastPara="0" vertOverflow="overflow" horzOverflow="overflow" vert="horz" wrap="square" lIns="91440" tIns="45720" rIns="91440" bIns="45720" numCol="1" spcCol="0" rtlCol="0" fromWordArt="0" anchor="t" anchorCtr="0" forceAA="0" compatLnSpc="1">
-            <a:prstTxWarp prst="textNoShape">
-              <a:avLst/>
-            </a:prstTxWarp>
-            <a:spAutoFit/>
-          </a:bodyPr>
-          <a:lstStyle/>
-          <a:p>
-            <a:r>
-              <a:rPr lang="ko-KR" altLang="en-US" dirty="0" err="1">
-                <a:ea typeface="맑은 고딕"/>
-              </a:rPr>
-              <a:t>App</a:t>
-            </a:r>
-            <a:r>
-              <a:rPr lang="ko-KR" altLang="en-US" dirty="0">
-                <a:ea typeface="맑은 고딕"/>
-              </a:rPr>
-              <a:t> 2</a:t>
+          <a:p>
+            <a:r>
+              <a:rPr lang="ko-KR" dirty="0">
+                <a:latin typeface="Malgun Gothic"/>
+                <a:ea typeface="Malgun Gothic"/>
+              </a:rPr>
+              <a:t>아마존 S3는 웹 서비스 인터페이스를 통해 스토리지를 제공한다.</a:t>
             </a:r>
             <a:endParaRPr lang="ko-KR" dirty="0"/>
-          </a:p>
-        </p:txBody>
-      </p:sp>
-      <p:sp>
-        <p:nvSpPr>
-          <p:cNvPr id="16" name="TextBox 15">
-            <a:extLst>
-              <a:ext uri="{FF2B5EF4-FFF2-40B4-BE49-F238E27FC236}">
-                <a16:creationId xmlns:a16="http://schemas.microsoft.com/office/drawing/2014/main" id="{FAE9F347-B7D6-4DA0-BC92-BBAA6B73CC60}"/>
-              </a:ext>
-            </a:extLst>
-          </p:cNvPr>
-          <p:cNvSpPr txBox="1"/>
-          <p:nvPr/>
-        </p:nvSpPr>
-        <p:spPr>
-          <a:xfrm>
-            <a:off x="1005320" y="5854411"/>
-            <a:ext cx="1123949" cy="369332"/>
-          </a:xfrm>
-          <a:prstGeom prst="rect">
-            <a:avLst/>
-          </a:prstGeom>
-          <a:noFill/>
-        </p:spPr>
-        <p:txBody>
-          <a:bodyPr rot="0" spcFirstLastPara="0" vertOverflow="overflow" horzOverflow="overflow" vert="horz" wrap="square" lIns="91440" tIns="45720" rIns="91440" bIns="45720" numCol="1" spcCol="0" rtlCol="0" fromWordArt="0" anchor="t" anchorCtr="0" forceAA="0" compatLnSpc="1">
-            <a:prstTxWarp prst="textNoShape">
-              <a:avLst/>
-            </a:prstTxWarp>
-            <a:spAutoFit/>
-          </a:bodyPr>
-          <a:lstStyle/>
-          <a:p>
-            <a:r>
-              <a:rPr lang="ko-KR" altLang="en-US" dirty="0" err="1">
-                <a:ea typeface="맑은 고딕"/>
-              </a:rPr>
-              <a:t>App</a:t>
-            </a:r>
-            <a:r>
-              <a:rPr lang="ko-KR" altLang="en-US" dirty="0">
-                <a:ea typeface="맑은 고딕"/>
-              </a:rPr>
-              <a:t> 3</a:t>
-            </a:r>
-            <a:endParaRPr lang="ko-KR" dirty="0"/>
-          </a:p>
-        </p:txBody>
-      </p:sp>
-      <p:sp>
-        <p:nvSpPr>
-          <p:cNvPr id="18" name="TextBox 17">
-            <a:extLst>
-              <a:ext uri="{FF2B5EF4-FFF2-40B4-BE49-F238E27FC236}">
-                <a16:creationId xmlns:a16="http://schemas.microsoft.com/office/drawing/2014/main" id="{5774CEBA-B219-4D72-8A27-9D94E43F20D1}"/>
-              </a:ext>
-            </a:extLst>
-          </p:cNvPr>
-          <p:cNvSpPr txBox="1"/>
-          <p:nvPr/>
-        </p:nvSpPr>
-        <p:spPr>
-          <a:xfrm>
-            <a:off x="2226252" y="5854412"/>
-            <a:ext cx="1123949" cy="369332"/>
-          </a:xfrm>
-          <a:prstGeom prst="rect">
-            <a:avLst/>
-          </a:prstGeom>
-          <a:noFill/>
-        </p:spPr>
-        <p:txBody>
-          <a:bodyPr rot="0" spcFirstLastPara="0" vertOverflow="overflow" horzOverflow="overflow" vert="horz" wrap="square" lIns="91440" tIns="45720" rIns="91440" bIns="45720" numCol="1" spcCol="0" rtlCol="0" fromWordArt="0" anchor="t" anchorCtr="0" forceAA="0" compatLnSpc="1">
-            <a:prstTxWarp prst="textNoShape">
-              <a:avLst/>
-            </a:prstTxWarp>
-            <a:spAutoFit/>
-          </a:bodyPr>
-          <a:lstStyle/>
-          <a:p>
-            <a:r>
-              <a:rPr lang="ko-KR" altLang="en-US">
-                <a:ea typeface="맑은 고딕"/>
-              </a:rPr>
-              <a:t>App 4</a:t>
-            </a:r>
-            <a:endParaRPr lang="ko-KR"/>
-          </a:p>
-        </p:txBody>
-      </p:sp>
-      <p:sp>
-        <p:nvSpPr>
-          <p:cNvPr id="20" name="직사각형 19">
-            <a:extLst>
-              <a:ext uri="{FF2B5EF4-FFF2-40B4-BE49-F238E27FC236}">
-                <a16:creationId xmlns:a16="http://schemas.microsoft.com/office/drawing/2014/main" id="{A5BFE2F9-1196-4301-B395-BCC7B9B7DA4C}"/>
-              </a:ext>
-            </a:extLst>
-          </p:cNvPr>
-          <p:cNvSpPr/>
-          <p:nvPr/>
-        </p:nvSpPr>
-        <p:spPr>
-          <a:xfrm>
-            <a:off x="1001856" y="3608243"/>
-            <a:ext cx="917863" cy="917863"/>
-          </a:xfrm>
-          <a:prstGeom prst="rect">
-            <a:avLst/>
-          </a:prstGeom>
-        </p:spPr>
-        <p:style>
-          <a:lnRef idx="2">
-            <a:schemeClr val="accent1">
-              <a:shade val="50000"/>
-            </a:schemeClr>
-          </a:lnRef>
-          <a:fillRef idx="1">
-            <a:schemeClr val="accent1"/>
-          </a:fillRef>
-          <a:effectRef idx="0">
-            <a:schemeClr val="accent1"/>
-          </a:effectRef>
-          <a:fontRef idx="minor">
-            <a:schemeClr val="lt1"/>
-          </a:fontRef>
-        </p:style>
-        <p:txBody>
-          <a:bodyPr rtlCol="0" anchor="ctr"/>
-          <a:lstStyle/>
-          <a:p>
-            <a:pPr algn="ctr"/>
-            <a:endParaRPr lang="ko-KR" altLang="en-US"/>
-          </a:p>
-        </p:txBody>
-      </p:sp>
-      <p:sp>
-        <p:nvSpPr>
-          <p:cNvPr id="21" name="직사각형 20">
-            <a:extLst>
-              <a:ext uri="{FF2B5EF4-FFF2-40B4-BE49-F238E27FC236}">
-                <a16:creationId xmlns:a16="http://schemas.microsoft.com/office/drawing/2014/main" id="{0CD3F51A-2868-42C7-95FA-105CCCA03493}"/>
-              </a:ext>
-            </a:extLst>
-          </p:cNvPr>
-          <p:cNvSpPr/>
-          <p:nvPr/>
-        </p:nvSpPr>
-        <p:spPr>
-          <a:xfrm>
-            <a:off x="2292060" y="3608242"/>
-            <a:ext cx="917863" cy="917863"/>
-          </a:xfrm>
-          <a:prstGeom prst="rect">
-            <a:avLst/>
-          </a:prstGeom>
-        </p:spPr>
-        <p:style>
-          <a:lnRef idx="2">
-            <a:schemeClr val="accent1">
-              <a:shade val="50000"/>
-            </a:schemeClr>
-          </a:lnRef>
-          <a:fillRef idx="1">
-            <a:schemeClr val="accent1"/>
-          </a:fillRef>
-          <a:effectRef idx="0">
-            <a:schemeClr val="accent1"/>
-          </a:effectRef>
-          <a:fontRef idx="minor">
-            <a:schemeClr val="lt1"/>
-          </a:fontRef>
-        </p:style>
-        <p:txBody>
-          <a:bodyPr rtlCol="0" anchor="ctr"/>
-          <a:lstStyle/>
-          <a:p>
-            <a:pPr algn="ctr"/>
-            <a:endParaRPr lang="ko-KR" altLang="en-US"/>
-          </a:p>
-        </p:txBody>
-      </p:sp>
-      <p:sp>
-        <p:nvSpPr>
-          <p:cNvPr id="22" name="직사각형 21">
-            <a:extLst>
-              <a:ext uri="{FF2B5EF4-FFF2-40B4-BE49-F238E27FC236}">
-                <a16:creationId xmlns:a16="http://schemas.microsoft.com/office/drawing/2014/main" id="{659B3E24-0935-43B9-93F2-3D4095A96F4F}"/>
-              </a:ext>
-            </a:extLst>
-          </p:cNvPr>
-          <p:cNvSpPr/>
-          <p:nvPr/>
-        </p:nvSpPr>
-        <p:spPr>
-          <a:xfrm>
-            <a:off x="1001856" y="4933084"/>
-            <a:ext cx="917863" cy="917863"/>
-          </a:xfrm>
-          <a:prstGeom prst="rect">
-            <a:avLst/>
-          </a:prstGeom>
-        </p:spPr>
-        <p:style>
-          <a:lnRef idx="2">
-            <a:schemeClr val="accent1">
-              <a:shade val="50000"/>
-            </a:schemeClr>
-          </a:lnRef>
-          <a:fillRef idx="1">
-            <a:schemeClr val="accent1"/>
-          </a:fillRef>
-          <a:effectRef idx="0">
-            <a:schemeClr val="accent1"/>
-          </a:effectRef>
-          <a:fontRef idx="minor">
-            <a:schemeClr val="lt1"/>
-          </a:fontRef>
-        </p:style>
-        <p:txBody>
-          <a:bodyPr rtlCol="0" anchor="ctr"/>
-          <a:lstStyle/>
-          <a:p>
-            <a:pPr algn="ctr"/>
-            <a:endParaRPr lang="ko-KR" altLang="en-US"/>
-          </a:p>
-        </p:txBody>
-      </p:sp>
-      <p:sp>
-        <p:nvSpPr>
-          <p:cNvPr id="23" name="직사각형 22">
-            <a:extLst>
-              <a:ext uri="{FF2B5EF4-FFF2-40B4-BE49-F238E27FC236}">
-                <a16:creationId xmlns:a16="http://schemas.microsoft.com/office/drawing/2014/main" id="{FC3B53BD-702D-4E8C-B668-080DFA916DE1}"/>
-              </a:ext>
-            </a:extLst>
-          </p:cNvPr>
-          <p:cNvSpPr/>
-          <p:nvPr/>
-        </p:nvSpPr>
-        <p:spPr>
-          <a:xfrm>
-            <a:off x="2292060" y="4933083"/>
-            <a:ext cx="917863" cy="917863"/>
-          </a:xfrm>
-          <a:prstGeom prst="rect">
-            <a:avLst/>
-          </a:prstGeom>
-        </p:spPr>
-        <p:style>
-          <a:lnRef idx="2">
-            <a:schemeClr val="accent1">
-              <a:shade val="50000"/>
-            </a:schemeClr>
-          </a:lnRef>
-          <a:fillRef idx="1">
-            <a:schemeClr val="accent1"/>
-          </a:fillRef>
-          <a:effectRef idx="0">
-            <a:schemeClr val="accent1"/>
-          </a:effectRef>
-          <a:fontRef idx="minor">
-            <a:schemeClr val="lt1"/>
-          </a:fontRef>
-        </p:style>
-        <p:txBody>
-          <a:bodyPr rtlCol="0" anchor="ctr"/>
-          <a:lstStyle/>
-          <a:p>
-            <a:pPr algn="ctr"/>
-            <a:endParaRPr lang="ko-KR" altLang="en-US"/>
-          </a:p>
-        </p:txBody>
-      </p:sp>
-      <p:sp>
-        <p:nvSpPr>
-          <p:cNvPr id="24" name="직사각형 23">
-            <a:extLst>
-              <a:ext uri="{FF2B5EF4-FFF2-40B4-BE49-F238E27FC236}">
-                <a16:creationId xmlns:a16="http://schemas.microsoft.com/office/drawing/2014/main" id="{1A625C68-EE82-4B07-A654-469D94F98CFF}"/>
-              </a:ext>
-            </a:extLst>
-          </p:cNvPr>
-          <p:cNvSpPr/>
-          <p:nvPr/>
-        </p:nvSpPr>
-        <p:spPr>
-          <a:xfrm>
-            <a:off x="1001855" y="4188400"/>
-            <a:ext cx="917863" cy="355022"/>
-          </a:xfrm>
-          <a:prstGeom prst="rect">
-            <a:avLst/>
-          </a:prstGeom>
-        </p:spPr>
-        <p:style>
-          <a:lnRef idx="0">
-            <a:schemeClr val="accent2"/>
-          </a:lnRef>
-          <a:fillRef idx="3">
-            <a:schemeClr val="accent2"/>
-          </a:fillRef>
-          <a:effectRef idx="3">
-            <a:schemeClr val="accent2"/>
-          </a:effectRef>
-          <a:fontRef idx="minor">
-            <a:schemeClr val="lt1"/>
-          </a:fontRef>
-        </p:style>
-        <p:txBody>
-          <a:bodyPr rtlCol="0" anchor="ctr"/>
-          <a:lstStyle/>
-          <a:p>
-            <a:pPr algn="ctr"/>
-            <a:endParaRPr lang="ko-KR" altLang="en-US"/>
-          </a:p>
-        </p:txBody>
-      </p:sp>
-      <p:sp>
-        <p:nvSpPr>
-          <p:cNvPr id="25" name="직사각형 24">
-            <a:extLst>
-              <a:ext uri="{FF2B5EF4-FFF2-40B4-BE49-F238E27FC236}">
-                <a16:creationId xmlns:a16="http://schemas.microsoft.com/office/drawing/2014/main" id="{049EC48D-6A7C-4432-AD2A-8A27525488AA}"/>
-              </a:ext>
-            </a:extLst>
-          </p:cNvPr>
-          <p:cNvSpPr/>
-          <p:nvPr/>
-        </p:nvSpPr>
-        <p:spPr>
-          <a:xfrm>
-            <a:off x="2292060" y="5781672"/>
-            <a:ext cx="935181" cy="69274"/>
-          </a:xfrm>
-          <a:prstGeom prst="rect">
-            <a:avLst/>
-          </a:prstGeom>
-        </p:spPr>
-        <p:style>
-          <a:lnRef idx="0">
-            <a:schemeClr val="accent3"/>
-          </a:lnRef>
-          <a:fillRef idx="3">
-            <a:schemeClr val="accent3"/>
-          </a:fillRef>
-          <a:effectRef idx="3">
-            <a:schemeClr val="accent3"/>
-          </a:effectRef>
-          <a:fontRef idx="minor">
-            <a:schemeClr val="lt1"/>
-          </a:fontRef>
-        </p:style>
-        <p:txBody>
-          <a:bodyPr rtlCol="0" anchor="ctr"/>
-          <a:lstStyle/>
-          <a:p>
-            <a:pPr algn="ctr"/>
-            <a:endParaRPr lang="ko-KR" altLang="en-US"/>
-          </a:p>
-        </p:txBody>
-      </p:sp>
-      <p:sp>
-        <p:nvSpPr>
-          <p:cNvPr id="26" name="직사각형 25">
-            <a:extLst>
-              <a:ext uri="{FF2B5EF4-FFF2-40B4-BE49-F238E27FC236}">
-                <a16:creationId xmlns:a16="http://schemas.microsoft.com/office/drawing/2014/main" id="{D8BAFCD8-8FDA-4C3D-B669-A8A6ACD1691F}"/>
-              </a:ext>
-            </a:extLst>
-          </p:cNvPr>
-          <p:cNvSpPr/>
-          <p:nvPr/>
-        </p:nvSpPr>
-        <p:spPr>
-          <a:xfrm>
-            <a:off x="2292059" y="4257672"/>
-            <a:ext cx="935181" cy="268432"/>
-          </a:xfrm>
-          <a:prstGeom prst="rect">
-            <a:avLst/>
-          </a:prstGeom>
-        </p:spPr>
-        <p:style>
-          <a:lnRef idx="0">
-            <a:schemeClr val="accent6"/>
-          </a:lnRef>
-          <a:fillRef idx="3">
-            <a:schemeClr val="accent6"/>
-          </a:fillRef>
-          <a:effectRef idx="3">
-            <a:schemeClr val="accent6"/>
-          </a:effectRef>
-          <a:fontRef idx="minor">
-            <a:schemeClr val="lt1"/>
-          </a:fontRef>
-        </p:style>
-        <p:txBody>
-          <a:bodyPr rtlCol="0" anchor="ctr"/>
-          <a:lstStyle/>
-          <a:p>
-            <a:pPr algn="ctr"/>
-            <a:endParaRPr lang="ko-KR" altLang="en-US"/>
-          </a:p>
-        </p:txBody>
-      </p:sp>
-      <p:sp>
-        <p:nvSpPr>
-          <p:cNvPr id="27" name="직사각형 26">
-            <a:extLst>
-              <a:ext uri="{FF2B5EF4-FFF2-40B4-BE49-F238E27FC236}">
-                <a16:creationId xmlns:a16="http://schemas.microsoft.com/office/drawing/2014/main" id="{CDD59980-0390-45F2-AE3B-BFB7FCBAA43C}"/>
-              </a:ext>
-            </a:extLst>
-          </p:cNvPr>
-          <p:cNvSpPr/>
-          <p:nvPr/>
-        </p:nvSpPr>
-        <p:spPr>
-          <a:xfrm>
-            <a:off x="1001855" y="5721058"/>
-            <a:ext cx="917863" cy="129888"/>
-          </a:xfrm>
-          <a:prstGeom prst="rect">
-            <a:avLst/>
-          </a:prstGeom>
-        </p:spPr>
-        <p:style>
-          <a:lnRef idx="0">
-            <a:schemeClr val="accent4"/>
-          </a:lnRef>
-          <a:fillRef idx="3">
-            <a:schemeClr val="accent4"/>
-          </a:fillRef>
-          <a:effectRef idx="3">
-            <a:schemeClr val="accent4"/>
-          </a:effectRef>
-          <a:fontRef idx="minor">
-            <a:schemeClr val="lt1"/>
-          </a:fontRef>
-        </p:style>
-        <p:txBody>
-          <a:bodyPr rtlCol="0" anchor="ctr"/>
-          <a:lstStyle/>
-          <a:p>
-            <a:pPr algn="ctr"/>
-            <a:endParaRPr lang="ko-KR" altLang="en-US"/>
-          </a:p>
-        </p:txBody>
-      </p:sp>
-      <p:sp>
-        <p:nvSpPr>
-          <p:cNvPr id="28" name="TextBox 27">
-            <a:extLst>
-              <a:ext uri="{FF2B5EF4-FFF2-40B4-BE49-F238E27FC236}">
-                <a16:creationId xmlns:a16="http://schemas.microsoft.com/office/drawing/2014/main" id="{12C4E1B8-AFE0-4C35-9FCC-A23944AE2E37}"/>
-              </a:ext>
-            </a:extLst>
-          </p:cNvPr>
-          <p:cNvSpPr txBox="1"/>
-          <p:nvPr/>
-        </p:nvSpPr>
-        <p:spPr>
-          <a:xfrm>
-            <a:off x="174047" y="5482069"/>
-            <a:ext cx="1123949" cy="369332"/>
-          </a:xfrm>
-          <a:prstGeom prst="rect">
-            <a:avLst/>
-          </a:prstGeom>
-          <a:noFill/>
-        </p:spPr>
-        <p:txBody>
-          <a:bodyPr rot="0" spcFirstLastPara="0" vertOverflow="overflow" horzOverflow="overflow" vert="horz" wrap="square" lIns="91440" tIns="45720" rIns="91440" bIns="45720" numCol="1" spcCol="0" rtlCol="0" fromWordArt="0" anchor="t" anchorCtr="0" forceAA="0" compatLnSpc="1">
-            <a:prstTxWarp prst="textNoShape">
-              <a:avLst/>
-            </a:prstTxWarp>
-            <a:spAutoFit/>
-          </a:bodyPr>
-          <a:lstStyle/>
-          <a:p>
-            <a:r>
-              <a:rPr lang="ko-KR" altLang="en-US" dirty="0">
-                <a:ea typeface="맑은 고딕"/>
-              </a:rPr>
-              <a:t>12%</a:t>
-            </a:r>
-          </a:p>
-        </p:txBody>
-      </p:sp>
-      <p:sp>
-        <p:nvSpPr>
-          <p:cNvPr id="29" name="TextBox 28">
-            <a:extLst>
-              <a:ext uri="{FF2B5EF4-FFF2-40B4-BE49-F238E27FC236}">
-                <a16:creationId xmlns:a16="http://schemas.microsoft.com/office/drawing/2014/main" id="{91385CAE-2F81-497B-A616-CB9C03974317}"/>
-              </a:ext>
-            </a:extLst>
-          </p:cNvPr>
-          <p:cNvSpPr txBox="1"/>
-          <p:nvPr/>
-        </p:nvSpPr>
-        <p:spPr>
-          <a:xfrm>
-            <a:off x="174047" y="4157228"/>
-            <a:ext cx="1123949" cy="369332"/>
-          </a:xfrm>
-          <a:prstGeom prst="rect">
-            <a:avLst/>
-          </a:prstGeom>
-          <a:noFill/>
-        </p:spPr>
-        <p:txBody>
-          <a:bodyPr rot="0" spcFirstLastPara="0" vertOverflow="overflow" horzOverflow="overflow" vert="horz" wrap="square" lIns="91440" tIns="45720" rIns="91440" bIns="45720" numCol="1" spcCol="0" rtlCol="0" fromWordArt="0" anchor="t" anchorCtr="0" forceAA="0" compatLnSpc="1">
-            <a:prstTxWarp prst="textNoShape">
-              <a:avLst/>
-            </a:prstTxWarp>
-            <a:spAutoFit/>
-          </a:bodyPr>
-          <a:lstStyle/>
-          <a:p>
-            <a:r>
-              <a:rPr lang="ko-KR" altLang="en-US" dirty="0">
-                <a:ea typeface="맑은 고딕"/>
-              </a:rPr>
-              <a:t>30%</a:t>
-            </a:r>
-          </a:p>
-        </p:txBody>
-      </p:sp>
-      <p:sp>
-        <p:nvSpPr>
-          <p:cNvPr id="30" name="TextBox 29">
-            <a:extLst>
-              <a:ext uri="{FF2B5EF4-FFF2-40B4-BE49-F238E27FC236}">
-                <a16:creationId xmlns:a16="http://schemas.microsoft.com/office/drawing/2014/main" id="{479A1D0B-3036-4A95-8E5B-1890183A9DE4}"/>
-              </a:ext>
-            </a:extLst>
-          </p:cNvPr>
-          <p:cNvSpPr txBox="1"/>
-          <p:nvPr/>
-        </p:nvSpPr>
-        <p:spPr>
-          <a:xfrm>
-            <a:off x="3230706" y="5482069"/>
-            <a:ext cx="1123949" cy="369332"/>
-          </a:xfrm>
-          <a:prstGeom prst="rect">
-            <a:avLst/>
-          </a:prstGeom>
-          <a:noFill/>
-        </p:spPr>
-        <p:txBody>
-          <a:bodyPr rot="0" spcFirstLastPara="0" vertOverflow="overflow" horzOverflow="overflow" vert="horz" wrap="square" lIns="91440" tIns="45720" rIns="91440" bIns="45720" numCol="1" spcCol="0" rtlCol="0" fromWordArt="0" anchor="t" anchorCtr="0" forceAA="0" compatLnSpc="1">
-            <a:prstTxWarp prst="textNoShape">
-              <a:avLst/>
-            </a:prstTxWarp>
-            <a:spAutoFit/>
-          </a:bodyPr>
-          <a:lstStyle/>
-          <a:p>
-            <a:r>
-              <a:rPr lang="ko-KR" altLang="en-US" dirty="0">
-                <a:ea typeface="맑은 고딕"/>
-              </a:rPr>
-              <a:t>9%</a:t>
-            </a:r>
-          </a:p>
-        </p:txBody>
-      </p:sp>
-      <p:sp>
-        <p:nvSpPr>
-          <p:cNvPr id="31" name="TextBox 30">
-            <a:extLst>
-              <a:ext uri="{FF2B5EF4-FFF2-40B4-BE49-F238E27FC236}">
-                <a16:creationId xmlns:a16="http://schemas.microsoft.com/office/drawing/2014/main" id="{4E95847F-7430-4A15-9B3D-9222B645E845}"/>
-              </a:ext>
-            </a:extLst>
-          </p:cNvPr>
-          <p:cNvSpPr txBox="1"/>
-          <p:nvPr/>
-        </p:nvSpPr>
-        <p:spPr>
-          <a:xfrm>
-            <a:off x="3230706" y="4157229"/>
-            <a:ext cx="1123949" cy="646331"/>
-          </a:xfrm>
-          <a:prstGeom prst="rect">
-            <a:avLst/>
-          </a:prstGeom>
-          <a:noFill/>
-        </p:spPr>
-        <p:txBody>
-          <a:bodyPr rot="0" spcFirstLastPara="0" vertOverflow="overflow" horzOverflow="overflow" vert="horz" wrap="square" lIns="91440" tIns="45720" rIns="91440" bIns="45720" numCol="1" spcCol="0" rtlCol="0" fromWordArt="0" anchor="t" anchorCtr="0" forceAA="0" compatLnSpc="1">
-            <a:prstTxWarp prst="textNoShape">
-              <a:avLst/>
-            </a:prstTxWarp>
-            <a:spAutoFit/>
-          </a:bodyPr>
-          <a:lstStyle/>
-          <a:p>
-            <a:r>
-              <a:rPr lang="ko-KR" altLang="en-US" dirty="0">
-                <a:ea typeface="맑은 고딕"/>
-              </a:rPr>
-              <a:t>20%</a:t>
-            </a:r>
           </a:p>
           <a:p>
             <a:endParaRPr lang="ko-KR" altLang="en-US" dirty="0">
               <a:ea typeface="맑은 고딕"/>
             </a:endParaRPr>
           </a:p>
-        </p:txBody>
-      </p:sp>
-      <p:sp>
-        <p:nvSpPr>
-          <p:cNvPr id="32" name="화살표: 오른쪽 31">
-            <a:extLst>
-              <a:ext uri="{FF2B5EF4-FFF2-40B4-BE49-F238E27FC236}">
-                <a16:creationId xmlns:a16="http://schemas.microsoft.com/office/drawing/2014/main" id="{0BE64A86-A8F4-429F-8326-1CFEB9471D02}"/>
-              </a:ext>
-            </a:extLst>
-          </p:cNvPr>
-          <p:cNvSpPr/>
-          <p:nvPr/>
-        </p:nvSpPr>
-        <p:spPr>
-          <a:xfrm>
-            <a:off x="4567704" y="4347001"/>
-            <a:ext cx="1420091" cy="917863"/>
-          </a:xfrm>
-          <a:prstGeom prst="rightArrow">
-            <a:avLst/>
-          </a:prstGeom>
-        </p:spPr>
-        <p:style>
-          <a:lnRef idx="0">
-            <a:schemeClr val="accent1"/>
-          </a:lnRef>
-          <a:fillRef idx="3">
-            <a:schemeClr val="accent1"/>
-          </a:fillRef>
-          <a:effectRef idx="3">
-            <a:schemeClr val="accent1"/>
-          </a:effectRef>
-          <a:fontRef idx="minor">
-            <a:schemeClr val="lt1"/>
-          </a:fontRef>
-        </p:style>
-        <p:txBody>
-          <a:bodyPr rtlCol="0" anchor="ctr"/>
-          <a:lstStyle/>
-          <a:p>
-            <a:pPr algn="ctr"/>
-            <a:endParaRPr lang="ko-KR" altLang="en-US"/>
+          <a:p>
+            <a:r>
+              <a:rPr lang="ko-KR" dirty="0">
+                <a:latin typeface="Malgun Gothic"/>
+                <a:ea typeface="Malgun Gothic"/>
+              </a:rPr>
+              <a:t>서비스를 사용하여 사용자는 데이터(사진, 동영상, 문서 등)</a:t>
+            </a:r>
+            <a:r>
+              <a:rPr lang="ko-KR" dirty="0" err="1">
+                <a:latin typeface="Malgun Gothic"/>
+                <a:ea typeface="Malgun Gothic"/>
+              </a:rPr>
+              <a:t>를</a:t>
+            </a:r>
+            <a:r>
+              <a:rPr lang="ko-KR" dirty="0">
+                <a:latin typeface="Malgun Gothic"/>
+                <a:ea typeface="Malgun Gothic"/>
+              </a:rPr>
+              <a:t> 첨부파일 형태로 업로드나 다운로드를 할 수 있다.</a:t>
+            </a:r>
+            <a:endParaRPr lang="ko-KR" dirty="0">
+              <a:ea typeface="+mn-lt"/>
+              <a:cs typeface="+mn-lt"/>
+            </a:endParaRPr>
+          </a:p>
+          <a:p>
+            <a:endParaRPr lang="ko-KR" altLang="en-US" dirty="0">
+              <a:ea typeface="맑은 고딕"/>
+            </a:endParaRPr>
+          </a:p>
+          <a:p>
+            <a:endParaRPr lang="ko-KR" altLang="en-US" dirty="0">
+              <a:ea typeface="맑은 고딕"/>
+            </a:endParaRPr>
           </a:p>
         </p:txBody>
       </p:sp>
     </p:spTree>
     <p:extLst>
       <p:ext uri="{BB962C8B-B14F-4D97-AF65-F5344CB8AC3E}">
-        <p14:creationId xmlns:p14="http://schemas.microsoft.com/office/powerpoint/2010/main" val="3641531252"/>
+        <p14:creationId xmlns:p14="http://schemas.microsoft.com/office/powerpoint/2010/main" val="1124922544"/>
       </p:ext>
     </p:extLst>
   </p:cSld>
@@ -7325,7 +7738,7 @@
     </p:spTree>
     <p:extLst>
       <p:ext uri="{BB962C8B-B14F-4D97-AF65-F5344CB8AC3E}">
-        <p14:creationId xmlns:p14="http://schemas.microsoft.com/office/powerpoint/2010/main" val="1124922544"/>
+        <p14:creationId xmlns:p14="http://schemas.microsoft.com/office/powerpoint/2010/main" val="3266132379"/>
       </p:ext>
     </p:extLst>
   </p:cSld>
@@ -7357,7 +7770,7 @@
           <p:cNvPr id="2" name="제목 1">
             <a:extLst>
               <a:ext uri="{FF2B5EF4-FFF2-40B4-BE49-F238E27FC236}">
-                <a16:creationId xmlns:a16="http://schemas.microsoft.com/office/drawing/2014/main" id="{C7A782F1-025D-47B1-9334-2AF2034B5743}"/>
+                <a16:creationId xmlns:a16="http://schemas.microsoft.com/office/drawing/2014/main" id="{64B7F14B-7D2F-4700-9B6B-A483DC390014}"/>
               </a:ext>
             </a:extLst>
           </p:cNvPr>
@@ -7374,29 +7787,12 @@
           <a:lstStyle/>
           <a:p>
             <a:r>
-              <a:rPr lang="ko-KR" altLang="en-US" dirty="0">
-                <a:ea typeface="맑은 고딕"/>
-              </a:rPr>
-              <a:t>AWS-</a:t>
-            </a:r>
-            <a:r>
-              <a:rPr lang="ko-KR" altLang="en-US" dirty="0" err="1">
-                <a:ea typeface="맑은 고딕"/>
-              </a:rPr>
-              <a:t>dynamoDB</a:t>
-            </a:r>
-            <a:r>
-              <a:rPr lang="ko-KR" altLang="en-US" dirty="0">
-                <a:ea typeface="맑은 고딕"/>
-              </a:rPr>
-              <a:t>, AWS-</a:t>
-            </a:r>
-            <a:r>
-              <a:rPr lang="ko-KR" altLang="en-US" dirty="0" err="1">
-                <a:ea typeface="맑은 고딕"/>
-              </a:rPr>
-              <a:t>Lambda</a:t>
-            </a:r>
+              <a:rPr lang="ko-KR" altLang="en-US">
+                <a:ea typeface="맑은 고딕"/>
+              </a:rPr>
+              <a:t>AWS Cognito란?</a:t>
+            </a:r>
+            <a:endParaRPr lang="ko-KR" altLang="en-US"/>
           </a:p>
         </p:txBody>
       </p:sp>
@@ -7405,7 +7801,7 @@
           <p:cNvPr id="3" name="내용 개체 틀 2">
             <a:extLst>
               <a:ext uri="{FF2B5EF4-FFF2-40B4-BE49-F238E27FC236}">
-                <a16:creationId xmlns:a16="http://schemas.microsoft.com/office/drawing/2014/main" id="{3B652287-7C95-45F5-BE77-E8EFE7EB8779}"/>
+                <a16:creationId xmlns:a16="http://schemas.microsoft.com/office/drawing/2014/main" id="{F133766E-78FA-41BB-B315-48601DBBBF9D}"/>
               </a:ext>
             </a:extLst>
           </p:cNvPr>
@@ -7419,105 +7815,120 @@
         <p:spPr>
           <a:xfrm>
             <a:off x="838200" y="1825625"/>
-            <a:ext cx="9840191" cy="4351338"/>
+            <a:ext cx="9805554" cy="4351338"/>
           </a:xfrm>
         </p:spPr>
         <p:txBody>
           <a:bodyPr vert="horz" lIns="91440" tIns="45720" rIns="91440" bIns="45720" rtlCol="0" anchor="t">
-            <a:normAutofit/>
+            <a:normAutofit fontScale="92500" lnSpcReduction="10000"/>
           </a:bodyPr>
           <a:lstStyle/>
           <a:p>
             <a:r>
-              <a:rPr lang="ko-KR" altLang="en-US" dirty="0">
-                <a:ea typeface="맑은 고딕"/>
-              </a:rPr>
-              <a:t>기존의 </a:t>
-            </a:r>
-            <a:r>
-              <a:rPr lang="ko-KR" altLang="en-US" dirty="0" err="1">
-                <a:ea typeface="맑은 고딕"/>
-              </a:rPr>
-              <a:t>DB를</a:t>
-            </a:r>
-            <a:r>
-              <a:rPr lang="ko-KR" altLang="en-US" dirty="0">
-                <a:ea typeface="맑은 고딕"/>
-              </a:rPr>
-              <a:t> 좀 더 </a:t>
-            </a:r>
-            <a:r>
-              <a:rPr lang="ko-KR" altLang="en-US" dirty="0" err="1">
-                <a:ea typeface="맑은 고딕"/>
-              </a:rPr>
-              <a:t>편리할수</a:t>
-            </a:r>
-            <a:r>
-              <a:rPr lang="ko-KR" altLang="en-US" dirty="0">
-                <a:ea typeface="맑은 고딕"/>
-              </a:rPr>
-              <a:t> 있게 </a:t>
-            </a:r>
-            <a:r>
-              <a:rPr lang="ko-KR" altLang="en-US" dirty="0" err="1">
-                <a:ea typeface="맑은 고딕"/>
-              </a:rPr>
-              <a:t>noSQL</a:t>
-            </a:r>
-            <a:r>
-              <a:rPr lang="ko-KR" altLang="en-US" dirty="0">
-                <a:ea typeface="맑은 고딕"/>
-              </a:rPr>
-              <a:t> 로 별도의 </a:t>
-            </a:r>
-            <a:r>
-              <a:rPr lang="ko-KR" altLang="en-US" dirty="0" err="1">
-                <a:ea typeface="맑은 고딕"/>
-              </a:rPr>
-              <a:t>DB서버를</a:t>
-            </a:r>
-            <a:r>
-              <a:rPr lang="ko-KR" altLang="en-US" dirty="0">
-                <a:ea typeface="맑은 고딕"/>
-              </a:rPr>
-              <a:t> 관리하지 않아도 데이터를 저장하고 받아올 수 있다.</a:t>
-            </a:r>
-          </a:p>
-          <a:p>
-            <a:r>
-              <a:rPr lang="ko-KR" altLang="en-US" dirty="0">
-                <a:ea typeface="맑은 고딕"/>
-              </a:rPr>
-              <a:t>이와 비슷하게 </a:t>
-            </a:r>
-            <a:r>
-              <a:rPr lang="ko-KR" altLang="en-US" dirty="0" err="1">
-                <a:ea typeface="맑은 고딕"/>
-              </a:rPr>
-              <a:t>application</a:t>
-            </a:r>
-            <a:r>
-              <a:rPr lang="ko-KR" altLang="en-US" dirty="0">
-                <a:ea typeface="맑은 고딕"/>
-              </a:rPr>
-              <a:t> 분야에서도 동일한 서비스를 제공할 수 있지 않을까 하고 생각 하고 만들어진 것이 AWS-</a:t>
-            </a:r>
-            <a:r>
-              <a:rPr lang="ko-KR" altLang="en-US" dirty="0" err="1">
-                <a:ea typeface="맑은 고딕"/>
-              </a:rPr>
-              <a:t>Lambda이다</a:t>
-            </a:r>
+              <a:rPr lang="ko-KR">
+                <a:ea typeface="+mn-lt"/>
+                <a:cs typeface="+mn-lt"/>
+              </a:rPr>
+              <a:t>웹 및 모바일 앱에 대한 인증, 권한 부여 및 사용자 관리를 </a:t>
+            </a:r>
+            <a:r>
+              <a:rPr lang="ko-KR" altLang="en-US">
+                <a:ea typeface="+mn-lt"/>
+                <a:cs typeface="+mn-lt"/>
+              </a:rPr>
+              <a:t>제공해주는 서비스</a:t>
+            </a:r>
+            <a:endParaRPr lang="ko-KR" altLang="en-US" dirty="0">
+              <a:ea typeface="+mn-lt"/>
+              <a:cs typeface="+mn-lt"/>
+            </a:endParaRPr>
+          </a:p>
+          <a:p>
+            <a:endParaRPr lang="ko-KR" altLang="en-US" dirty="0">
+              <a:ea typeface="+mn-lt"/>
+              <a:cs typeface="+mn-lt"/>
+            </a:endParaRPr>
+          </a:p>
+          <a:p>
+            <a:r>
+              <a:rPr lang="ko-KR">
+                <a:ea typeface="+mn-lt"/>
+                <a:cs typeface="+mn-lt"/>
+              </a:rPr>
+              <a:t>두 가지 주요 구성 요소는 사용자 풀과 자격 증명 </a:t>
+            </a:r>
+            <a:r>
+              <a:rPr lang="ko-KR" altLang="en-US">
+                <a:ea typeface="+mn-lt"/>
+                <a:cs typeface="+mn-lt"/>
+              </a:rPr>
+              <a:t>풀</a:t>
+            </a:r>
+            <a:r>
+              <a:rPr lang="ko-KR">
+                <a:ea typeface="+mn-lt"/>
+                <a:cs typeface="+mn-lt"/>
+              </a:rPr>
+              <a:t>.</a:t>
+            </a:r>
+            <a:endParaRPr lang="ko-KR"/>
+          </a:p>
+          <a:p>
+            <a:endParaRPr lang="ko-KR" altLang="en-US" dirty="0">
+              <a:ea typeface="+mn-lt"/>
+              <a:cs typeface="+mn-lt"/>
+            </a:endParaRPr>
+          </a:p>
+          <a:p>
+            <a:r>
+              <a:rPr lang="ko-KR" altLang="en-US">
+                <a:ea typeface="+mn-lt"/>
+                <a:cs typeface="+mn-lt"/>
+              </a:rPr>
+              <a:t>사용자 풀 인증 이후 다른 </a:t>
+            </a:r>
+            <a:r>
+              <a:rPr lang="en-US" altLang="ko-KR">
+                <a:ea typeface="+mn-lt"/>
+                <a:cs typeface="+mn-lt"/>
+              </a:rPr>
+              <a:t>AWS</a:t>
+            </a:r>
+            <a:r>
+              <a:rPr lang="ko-KR" altLang="en-US">
+                <a:ea typeface="+mn-lt"/>
+                <a:cs typeface="+mn-lt"/>
+              </a:rPr>
+              <a:t> 서비스에 대한 사용자 액세스 권한을 부여</a:t>
+            </a:r>
+            <a:endParaRPr lang="ko-KR">
+              <a:ea typeface="+mn-lt"/>
+              <a:cs typeface="+mn-lt"/>
+            </a:endParaRPr>
+          </a:p>
+          <a:p>
             <a:endParaRPr lang="ko-KR" altLang="en-US" dirty="0">
               <a:ea typeface="맑은 고딕"/>
             </a:endParaRPr>
           </a:p>
+          <a:p>
+            <a:r>
+              <a:rPr lang="ko-KR">
+                <a:ea typeface="+mn-lt"/>
+                <a:cs typeface="+mn-lt"/>
+              </a:rPr>
+              <a:t>자격 증명 풀로 사용자는 임시 AWS 자격 증명을 얻어 Amazon S3 및 DynamoDB 등과 같은 다른 AWS 서비스에 액세스</a:t>
+            </a:r>
+            <a:endParaRPr lang="ko-KR" altLang="en-US" dirty="0">
+              <a:ea typeface="맑은 고딕"/>
+            </a:endParaRPr>
+          </a:p>
         </p:txBody>
       </p:sp>
     </p:spTree>
     <p:extLst>
       <p:ext uri="{BB962C8B-B14F-4D97-AF65-F5344CB8AC3E}">
-        <p14:creationId xmlns:p14="http://schemas.microsoft.com/office/powerpoint/2010/main" val="137158207"/>
+        <p14:creationId xmlns:p14="http://schemas.microsoft.com/office/powerpoint/2010/main" val="857979364"/>
       </p:ext>
     </p:extLst>
   </p:cSld>
@@ -7549,7 +7960,7 @@
           <p:cNvPr id="2" name="제목 1">
             <a:extLst>
               <a:ext uri="{FF2B5EF4-FFF2-40B4-BE49-F238E27FC236}">
-                <a16:creationId xmlns:a16="http://schemas.microsoft.com/office/drawing/2014/main" id="{64B7F14B-7D2F-4700-9B6B-A483DC390014}"/>
+                <a16:creationId xmlns:a16="http://schemas.microsoft.com/office/drawing/2014/main" id="{62B59C70-5897-40FF-A113-74CF32D86DAE}"/>
               </a:ext>
             </a:extLst>
           </p:cNvPr>
@@ -7566,24 +7977,31 @@
           <a:lstStyle/>
           <a:p>
             <a:r>
-              <a:rPr lang="ko-KR" altLang="en-US" dirty="0">
-                <a:ea typeface="맑은 고딕"/>
-              </a:rPr>
-              <a:t>AWS </a:t>
-            </a:r>
-            <a:r>
-              <a:rPr lang="ko-KR" altLang="en-US" dirty="0" err="1">
-                <a:ea typeface="맑은 고딕"/>
-              </a:rPr>
-              <a:t>Lambda란</a:t>
-            </a:r>
-            <a:r>
-              <a:rPr lang="ko-KR" altLang="en-US" dirty="0">
+              <a:rPr lang="ko-KR" sz="4000" dirty="0">
+                <a:latin typeface="Malgun Gothic"/>
+                <a:ea typeface="Malgun Gothic"/>
+              </a:rPr>
+              <a:t>AWS-</a:t>
+            </a:r>
+            <a:r>
+              <a:rPr lang="ko-KR" sz="4000" dirty="0" err="1">
+                <a:latin typeface="Malgun Gothic"/>
+                <a:ea typeface="Malgun Gothic"/>
+              </a:rPr>
+              <a:t>dynamoDB</a:t>
+            </a:r>
+            <a:r>
+              <a:rPr lang="ko-KR" altLang="en-US" sz="4000" dirty="0" err="1">
+                <a:ea typeface="맑은 고딕"/>
+              </a:rPr>
+              <a:t>란</a:t>
+            </a:r>
+            <a:r>
+              <a:rPr lang="ko-KR" altLang="en-US" sz="4000" dirty="0">
                 <a:ea typeface="맑은 고딕"/>
               </a:rPr>
               <a:t>?</a:t>
             </a:r>
-            <a:endParaRPr lang="ko-KR" altLang="en-US" dirty="0"/>
           </a:p>
         </p:txBody>
       </p:sp>
@@ -7592,7 +8010,7 @@
           <p:cNvPr id="3" name="내용 개체 틀 2">
             <a:extLst>
               <a:ext uri="{FF2B5EF4-FFF2-40B4-BE49-F238E27FC236}">
-                <a16:creationId xmlns:a16="http://schemas.microsoft.com/office/drawing/2014/main" id="{F133766E-78FA-41BB-B315-48601DBBBF9D}"/>
+                <a16:creationId xmlns:a16="http://schemas.microsoft.com/office/drawing/2014/main" id="{D24C1804-96E7-4E92-AB21-08A51E4B39C6}"/>
               </a:ext>
             </a:extLst>
           </p:cNvPr>
@@ -7606,21 +8024,60 @@
         <p:spPr>
           <a:xfrm>
             <a:off x="838200" y="1825625"/>
-            <a:ext cx="9805554" cy="4351338"/>
+            <a:ext cx="10091303" cy="4351338"/>
           </a:xfrm>
         </p:spPr>
         <p:txBody>
           <a:bodyPr vert="horz" lIns="91440" tIns="45720" rIns="91440" bIns="45720" rtlCol="0" anchor="t">
-            <a:normAutofit/>
+            <a:normAutofit fontScale="92500"/>
           </a:bodyPr>
           <a:lstStyle/>
           <a:p>
             <a:r>
               <a:rPr lang="ko-KR" altLang="en-US" dirty="0">
-                <a:ea typeface="맑은 고딕"/>
-              </a:rPr>
-              <a:t>서버 없는, 이벤트 처리 방식의 컴퓨팅 서비스</a:t>
-            </a:r>
+                <a:ea typeface="+mn-lt"/>
+                <a:cs typeface="+mn-lt"/>
+              </a:rPr>
+              <a:t>어떤 규모에서도 </a:t>
+            </a:r>
+            <a:r>
+              <a:rPr lang="en-US" altLang="ko-KR" dirty="0">
+                <a:ea typeface="+mn-lt"/>
+                <a:cs typeface="+mn-lt"/>
+              </a:rPr>
+              <a:t>10</a:t>
+            </a:r>
+            <a:r>
+              <a:rPr lang="ko-KR" altLang="en-US" err="1">
+                <a:ea typeface="+mn-lt"/>
+                <a:cs typeface="+mn-lt"/>
+              </a:rPr>
+              <a:t>밀리초</a:t>
+            </a:r>
+            <a:r>
+              <a:rPr lang="ko-KR" altLang="en-US" dirty="0">
+                <a:ea typeface="+mn-lt"/>
+                <a:cs typeface="+mn-lt"/>
+              </a:rPr>
+              <a:t> 미만의 성능을 </a:t>
+            </a:r>
+            <a:r>
+              <a:rPr lang="ko-KR">
+                <a:ea typeface="+mn-lt"/>
+                <a:cs typeface="+mn-lt"/>
+              </a:rPr>
+              <a:t>제공하는</a:t>
+            </a:r>
+            <a:r>
+              <a:rPr lang="ko-KR" altLang="en-US">
+                <a:ea typeface="+mn-lt"/>
+                <a:cs typeface="+mn-lt"/>
+              </a:rPr>
+              <a:t> 데이터베이스</a:t>
+            </a:r>
+            <a:endParaRPr lang="ko-KR">
+              <a:ea typeface="맑은 고딕"/>
+            </a:endParaRPr>
           </a:p>
           <a:p>
             <a:endParaRPr lang="ko-KR" altLang="en-US" dirty="0">
@@ -7628,63 +8085,132 @@
             </a:endParaRPr>
           </a:p>
           <a:p>
-            <a:pPr marL="0" indent="0">
-              <a:buNone/>
-            </a:pPr>
-            <a:r>
-              <a:rPr lang="ko-KR" altLang="en-US" dirty="0">
-                <a:ea typeface="맑은 고딕"/>
-              </a:rPr>
-              <a:t> - 서버 필요없이 코드만 배포</a:t>
+            <a:r>
+              <a:rPr lang="ko-KR" altLang="en-US" dirty="0">
+                <a:ea typeface="+mn-lt"/>
+                <a:cs typeface="+mn-lt"/>
+              </a:rPr>
+              <a:t>인터넷 규모 애플리케이션을 위한 보안</a:t>
+            </a:r>
+            <a:r>
+              <a:rPr lang="en-US" altLang="ko-KR" dirty="0">
+                <a:ea typeface="+mn-lt"/>
+                <a:cs typeface="+mn-lt"/>
+              </a:rPr>
+              <a:t>,</a:t>
+            </a:r>
+            <a:r>
+              <a:rPr lang="ko-KR" altLang="en-US" dirty="0">
+                <a:ea typeface="+mn-lt"/>
+                <a:cs typeface="+mn-lt"/>
+              </a:rPr>
+              <a:t> 백업 및 복원</a:t>
+            </a:r>
+            <a:r>
+              <a:rPr lang="en-US" altLang="ko-KR" dirty="0">
+                <a:ea typeface="+mn-lt"/>
+                <a:cs typeface="+mn-lt"/>
+              </a:rPr>
+              <a:t>,</a:t>
+            </a:r>
+            <a:r>
+              <a:rPr lang="ko-KR" altLang="en-US" dirty="0">
+                <a:ea typeface="+mn-lt"/>
+                <a:cs typeface="+mn-lt"/>
+              </a:rPr>
+              <a:t> 인 메모리 </a:t>
+            </a:r>
+            <a:r>
+              <a:rPr lang="ko-KR" altLang="en-US" dirty="0" err="1">
+                <a:ea typeface="+mn-lt"/>
+                <a:cs typeface="+mn-lt"/>
+              </a:rPr>
+              <a:t>캐싱</a:t>
+            </a:r>
+            <a:r>
+              <a:rPr lang="ko-KR" altLang="en-US" dirty="0">
+                <a:ea typeface="+mn-lt"/>
+                <a:cs typeface="+mn-lt"/>
+              </a:rPr>
+              <a:t> 기능을 기본적으로 제공</a:t>
             </a:r>
             <a:endParaRPr lang="ko-KR" dirty="0">
-              <a:ea typeface="맑은 고딕" panose="020B0503020000020004" pitchFamily="34" charset="-127"/>
+              <a:ea typeface="맑은 고딕"/>
             </a:endParaRPr>
           </a:p>
           <a:p>
-            <a:pPr marL="0" indent="0">
-              <a:buNone/>
-            </a:pPr>
             <a:endParaRPr lang="ko-KR" altLang="en-US" dirty="0">
               <a:ea typeface="맑은 고딕"/>
             </a:endParaRPr>
           </a:p>
           <a:p>
-            <a:pPr marL="0" indent="0">
-              <a:buNone/>
-            </a:pPr>
-            <a:r>
-              <a:rPr lang="ko-KR" altLang="en-US" dirty="0">
-                <a:ea typeface="맑은 고딕"/>
-              </a:rPr>
-              <a:t> - 높은 확장성 및 빠른 서비스 연동</a:t>
-            </a:r>
-          </a:p>
-          <a:p>
-            <a:pPr marL="0" indent="0">
-              <a:buNone/>
-            </a:pPr>
+            <a:r>
+              <a:rPr lang="ko-KR" dirty="0" err="1">
+                <a:ea typeface="+mn-lt"/>
+                <a:cs typeface="+mn-lt"/>
+              </a:rPr>
+              <a:t>서버리스이므로</a:t>
+            </a:r>
+            <a:r>
+              <a:rPr lang="ko-KR" dirty="0">
+                <a:ea typeface="+mn-lt"/>
+                <a:cs typeface="+mn-lt"/>
+              </a:rPr>
+              <a:t>, 서버를 </a:t>
+            </a:r>
+            <a:r>
+              <a:rPr lang="ko-KR" dirty="0" err="1">
+                <a:ea typeface="+mn-lt"/>
+                <a:cs typeface="+mn-lt"/>
+              </a:rPr>
+              <a:t>프로비저닝하거나</a:t>
+            </a:r>
+            <a:r>
+              <a:rPr lang="ko-KR" dirty="0">
+                <a:ea typeface="+mn-lt"/>
+                <a:cs typeface="+mn-lt"/>
+              </a:rPr>
+              <a:t> 패치를 적용하거나 관리할 필요가 없으며, 소프트웨어를 설치하거나 관리하거나 운영할 </a:t>
+            </a:r>
+            <a:r>
+              <a:rPr lang="ko-KR" altLang="en-US" dirty="0">
+                <a:ea typeface="+mn-lt"/>
+                <a:cs typeface="+mn-lt"/>
+              </a:rPr>
+              <a:t>필요가 없다</a:t>
+            </a:r>
             <a:endParaRPr lang="ko-KR" altLang="en-US" dirty="0">
               <a:ea typeface="맑은 고딕"/>
             </a:endParaRPr>
           </a:p>
           <a:p>
-            <a:pPr marL="0" indent="0">
-              <a:buNone/>
-            </a:pPr>
-            <a:r>
-              <a:rPr lang="ko-KR" altLang="en-US" dirty="0">
-                <a:ea typeface="맑은 고딕"/>
-              </a:rPr>
-              <a:t> - 함수 실행 시 100ms 단위의 과금</a:t>
-            </a:r>
+            <a:r>
+              <a:rPr lang="ko-KR">
+                <a:ea typeface="+mn-lt"/>
+                <a:cs typeface="+mn-lt"/>
+              </a:rPr>
+              <a:t>용량에 맞게 테이블을 자동으로 확장하고 축소하며 성능을 유지</a:t>
+            </a:r>
+            <a:endParaRPr lang="ko-KR" altLang="en-US" dirty="0">
+              <a:ea typeface="맑은 고딕"/>
+            </a:endParaRPr>
+          </a:p>
+          <a:p>
+            <a:endParaRPr lang="ko-KR" altLang="en-US" dirty="0">
+              <a:ea typeface="맑은 고딕"/>
+            </a:endParaRPr>
+          </a:p>
+          <a:p>
+            <a:endParaRPr lang="ko-KR" altLang="en-US" dirty="0">
+              <a:ea typeface="맑은 고딕"/>
+            </a:endParaRPr>
           </a:p>
         </p:txBody>
       </p:sp>
     </p:spTree>
     <p:extLst>
       <p:ext uri="{BB962C8B-B14F-4D97-AF65-F5344CB8AC3E}">
-        <p14:creationId xmlns:p14="http://schemas.microsoft.com/office/powerpoint/2010/main" val="2969510377"/>
+        <p14:creationId xmlns:p14="http://schemas.microsoft.com/office/powerpoint/2010/main" val="3361229067"/>
       </p:ext>
     </p:extLst>
   </p:cSld>
@@ -7716,7 +8242,7 @@
           <p:cNvPr id="2" name="제목 1">
             <a:extLst>
               <a:ext uri="{FF2B5EF4-FFF2-40B4-BE49-F238E27FC236}">
-                <a16:creationId xmlns:a16="http://schemas.microsoft.com/office/drawing/2014/main" id="{36B26E89-C5C5-4A31-837A-A3F87726D695}"/>
+                <a16:creationId xmlns:a16="http://schemas.microsoft.com/office/drawing/2014/main" id="{64B7F14B-7D2F-4700-9B6B-A483DC390014}"/>
               </a:ext>
             </a:extLst>
           </p:cNvPr>
@@ -7742,14 +8268,15 @@
               <a:rPr lang="ko-KR" altLang="en-US" dirty="0" err="1">
                 <a:ea typeface="맑은 고딕"/>
               </a:rPr>
-              <a:t>Lambda</a:t>
-            </a:r>
-            <a:r>
-              <a:rPr lang="ko-KR" altLang="en-US" dirty="0">
-                <a:ea typeface="맑은 고딕"/>
-              </a:rPr>
-              <a:t> 원리</a:t>
-            </a:r>
+              <a:t>Lambda란</a:t>
+            </a:r>
+            <a:r>
+              <a:rPr lang="ko-KR" altLang="en-US" dirty="0">
+                <a:ea typeface="맑은 고딕"/>
+              </a:rPr>
+              <a:t>?</a:t>
+            </a:r>
+            <a:endParaRPr lang="ko-KR" altLang="en-US" dirty="0"/>
           </a:p>
         </p:txBody>
       </p:sp>
@@ -7758,7 +8285,7 @@
           <p:cNvPr id="3" name="내용 개체 틀 2">
             <a:extLst>
               <a:ext uri="{FF2B5EF4-FFF2-40B4-BE49-F238E27FC236}">
-                <a16:creationId xmlns:a16="http://schemas.microsoft.com/office/drawing/2014/main" id="{1143E7B2-3B4F-4D1A-B0F8-7EB8A68A5FA5}"/>
+                <a16:creationId xmlns:a16="http://schemas.microsoft.com/office/drawing/2014/main" id="{F133766E-78FA-41BB-B315-48601DBBBF9D}"/>
               </a:ext>
             </a:extLst>
           </p:cNvPr>
@@ -7772,7 +8299,7 @@
         <p:spPr>
           <a:xfrm>
             <a:off x="838200" y="1825625"/>
-            <a:ext cx="9926781" cy="4351338"/>
+            <a:ext cx="9805554" cy="4351338"/>
           </a:xfrm>
         </p:spPr>
         <p:txBody>
@@ -7782,28 +8309,10 @@
           <a:lstStyle/>
           <a:p>
             <a:r>
-              <a:rPr lang="ko-KR" altLang="en-US" dirty="0" err="1">
-                <a:ea typeface="맑은 고딕"/>
-              </a:rPr>
-              <a:t>Node.js</a:t>
-            </a:r>
-            <a:r>
-              <a:rPr lang="ko-KR" altLang="en-US" dirty="0">
-                <a:ea typeface="맑은 고딕"/>
-              </a:rPr>
-              <a:t>, </a:t>
-            </a:r>
-            <a:r>
-              <a:rPr lang="ko-KR" altLang="en-US" dirty="0" err="1">
-                <a:ea typeface="맑은 고딕"/>
-              </a:rPr>
-              <a:t>Java</a:t>
-            </a:r>
-            <a:r>
-              <a:rPr lang="ko-KR" altLang="en-US" dirty="0">
-                <a:ea typeface="맑은 고딕"/>
-              </a:rPr>
-              <a:t> 등의 언어를 실행 가능.</a:t>
+              <a:rPr lang="ko-KR" altLang="en-US" dirty="0">
+                <a:ea typeface="맑은 고딕"/>
+              </a:rPr>
+              <a:t>서버 없는, 이벤트 처리 방식의 컴퓨팅 서비스</a:t>
             </a:r>
           </a:p>
           <a:p>
@@ -7812,91 +8321,55 @@
             </a:endParaRPr>
           </a:p>
           <a:p>
-            <a:r>
-              <a:rPr lang="ko-KR" altLang="en-US" dirty="0">
-                <a:ea typeface="맑은 고딕"/>
-              </a:rPr>
-              <a:t>메모리를 설정 </a:t>
-            </a:r>
-            <a:r>
-              <a:rPr lang="ko-KR" altLang="en-US" dirty="0" err="1">
-                <a:ea typeface="맑은 고딕"/>
-              </a:rPr>
-              <a:t>할수</a:t>
-            </a:r>
-            <a:r>
-              <a:rPr lang="ko-KR" altLang="en-US" dirty="0">
-                <a:ea typeface="맑은 고딕"/>
-              </a:rPr>
-              <a:t> 있으며, 할당된 메모리에 비례하여 CPU, 네트웍 자원이 할당 됨.</a:t>
-            </a:r>
-          </a:p>
-          <a:p>
+            <a:pPr marL="0" indent="0">
+              <a:buNone/>
+            </a:pPr>
+            <a:r>
+              <a:rPr lang="ko-KR" altLang="en-US" dirty="0">
+                <a:ea typeface="맑은 고딕"/>
+              </a:rPr>
+              <a:t> - 서버 필요없이 코드만 배포</a:t>
+            </a:r>
+            <a:endParaRPr lang="ko-KR" dirty="0">
+              <a:ea typeface="맑은 고딕" panose="020B0503020000020004" pitchFamily="34" charset="-127"/>
+            </a:endParaRPr>
+          </a:p>
+          <a:p>
+            <a:pPr marL="0" indent="0">
+              <a:buNone/>
+            </a:pPr>
             <a:endParaRPr lang="ko-KR" altLang="en-US" dirty="0">
               <a:ea typeface="맑은 고딕"/>
             </a:endParaRPr>
           </a:p>
           <a:p>
-            <a:r>
-              <a:rPr lang="ko-KR" altLang="en-US" dirty="0" err="1">
-                <a:ea typeface="맑은 고딕"/>
-              </a:rPr>
-              <a:t>Amazon</a:t>
-            </a:r>
-            <a:r>
-              <a:rPr lang="ko-KR" altLang="en-US" dirty="0">
-                <a:ea typeface="맑은 고딕"/>
-              </a:rPr>
-              <a:t> API </a:t>
-            </a:r>
-            <a:r>
-              <a:rPr lang="ko-KR" altLang="en-US" dirty="0" err="1">
-                <a:ea typeface="맑은 고딕"/>
-              </a:rPr>
-              <a:t>Gateway와</a:t>
-            </a:r>
-            <a:r>
-              <a:rPr lang="ko-KR" altLang="en-US" dirty="0">
-                <a:ea typeface="맑은 고딕"/>
-              </a:rPr>
-              <a:t> 연동하여 REST API 호출이 가능</a:t>
-            </a:r>
-          </a:p>
-          <a:p>
+            <a:pPr marL="0" indent="0">
+              <a:buNone/>
+            </a:pPr>
+            <a:r>
+              <a:rPr lang="ko-KR" altLang="en-US" dirty="0">
+                <a:ea typeface="맑은 고딕"/>
+              </a:rPr>
+              <a:t> - 높은 확장성 및 빠른 서비스 연동</a:t>
+            </a:r>
+          </a:p>
+          <a:p>
+            <a:pPr marL="0" indent="0">
+              <a:buNone/>
+            </a:pPr>
             <a:endParaRPr lang="ko-KR" altLang="en-US" dirty="0">
               <a:ea typeface="맑은 고딕"/>
             </a:endParaRPr>
           </a:p>
           <a:p>
-            <a:r>
-              <a:rPr lang="ko-KR" altLang="en-US" dirty="0">
-                <a:ea typeface="맑은 고딕"/>
-              </a:rPr>
-              <a:t>AWS IAM(</a:t>
-            </a:r>
-            <a:r>
-              <a:rPr lang="ko-KR" altLang="en-US" dirty="0" err="1">
-                <a:ea typeface="맑은 고딕"/>
-              </a:rPr>
-              <a:t>identity</a:t>
-            </a:r>
-            <a:r>
-              <a:rPr lang="ko-KR" altLang="en-US" dirty="0">
-                <a:ea typeface="맑은 고딕"/>
-              </a:rPr>
-              <a:t> and Access Management)</a:t>
-            </a:r>
-            <a:r>
-              <a:rPr lang="ko-KR" altLang="en-US" dirty="0" err="1">
-                <a:ea typeface="맑은 고딕"/>
-              </a:rPr>
-              <a:t>를</a:t>
-            </a:r>
-            <a:r>
-              <a:rPr lang="ko-KR" altLang="en-US" dirty="0">
-                <a:ea typeface="맑은 고딕"/>
-              </a:rPr>
-              <a:t> 사용한 실행 권한 설정이 가능</a:t>
+            <a:pPr marL="0" indent="0">
+              <a:buNone/>
+            </a:pPr>
+            <a:r>
+              <a:rPr lang="ko-KR" altLang="en-US" dirty="0">
+                <a:ea typeface="맑은 고딕"/>
+              </a:rPr>
+              <a:t> - 함수 실행 시 100ms 단위의 과금</a:t>
             </a:r>
           </a:p>
         </p:txBody>
@@ -7904,7 +8377,7 @@
     </p:spTree>
     <p:extLst>
       <p:ext uri="{BB962C8B-B14F-4D97-AF65-F5344CB8AC3E}">
-        <p14:creationId xmlns:p14="http://schemas.microsoft.com/office/powerpoint/2010/main" val="2914230375"/>
+        <p14:creationId xmlns:p14="http://schemas.microsoft.com/office/powerpoint/2010/main" val="2969510377"/>
       </p:ext>
     </p:extLst>
   </p:cSld>
@@ -7936,7 +8409,7 @@
           <p:cNvPr id="2" name="제목 1">
             <a:extLst>
               <a:ext uri="{FF2B5EF4-FFF2-40B4-BE49-F238E27FC236}">
-                <a16:creationId xmlns:a16="http://schemas.microsoft.com/office/drawing/2014/main" id="{C7B21F73-CAF4-4C89-9C36-91BB0A0482FF}"/>
+                <a16:creationId xmlns:a16="http://schemas.microsoft.com/office/drawing/2014/main" id="{36B26E89-C5C5-4A31-837A-A3F87726D695}"/>
               </a:ext>
             </a:extLst>
           </p:cNvPr>
@@ -7956,591 +8429,175 @@
               <a:rPr lang="ko-KR" altLang="en-US" dirty="0">
                 <a:ea typeface="맑은 고딕"/>
               </a:rPr>
-              <a:t>API </a:t>
+              <a:t>AWS </a:t>
             </a:r>
             <a:r>
               <a:rPr lang="ko-KR" altLang="en-US" dirty="0" err="1">
                 <a:ea typeface="맑은 고딕"/>
               </a:rPr>
-              <a:t>Gateway를</a:t>
-            </a:r>
-            <a:r>
-              <a:rPr lang="ko-KR" altLang="en-US" dirty="0">
-                <a:ea typeface="맑은 고딕"/>
-              </a:rPr>
-              <a:t> 사용한 REST 서비스 생성</a:t>
-            </a:r>
-          </a:p>
-        </p:txBody>
-      </p:sp>
-      <p:sp>
-        <p:nvSpPr>
-          <p:cNvPr id="9" name="직사각형 8">
-            <a:extLst>
-              <a:ext uri="{FF2B5EF4-FFF2-40B4-BE49-F238E27FC236}">
-                <a16:creationId xmlns:a16="http://schemas.microsoft.com/office/drawing/2014/main" id="{F7772302-376E-4E28-B02F-DF0A33C1B87D}"/>
-              </a:ext>
-            </a:extLst>
-          </p:cNvPr>
-          <p:cNvSpPr/>
-          <p:nvPr/>
+              <a:t>Lambda</a:t>
+            </a:r>
+            <a:r>
+              <a:rPr lang="ko-KR" altLang="en-US" dirty="0">
+                <a:ea typeface="맑은 고딕"/>
+              </a:rPr>
+              <a:t> 원리</a:t>
+            </a:r>
+          </a:p>
+        </p:txBody>
+      </p:sp>
+      <p:sp>
+        <p:nvSpPr>
+          <p:cNvPr id="3" name="내용 개체 틀 2">
+            <a:extLst>
+              <a:ext uri="{FF2B5EF4-FFF2-40B4-BE49-F238E27FC236}">
+                <a16:creationId xmlns:a16="http://schemas.microsoft.com/office/drawing/2014/main" id="{1143E7B2-3B4F-4D1A-B0F8-7EB8A68A5FA5}"/>
+              </a:ext>
+            </a:extLst>
+          </p:cNvPr>
+          <p:cNvSpPr>
+            <a:spLocks noGrp="1"/>
+          </p:cNvSpPr>
+          <p:nvPr>
+            <p:ph sz="half" idx="1"/>
+          </p:nvPr>
         </p:nvSpPr>
         <p:spPr>
           <a:xfrm>
-            <a:off x="699247" y="1949824"/>
-            <a:ext cx="1622611" cy="1021976"/>
-          </a:xfrm>
-          <a:prstGeom prst="rect">
-            <a:avLst/>
-          </a:prstGeom>
-        </p:spPr>
-        <p:style>
-          <a:lnRef idx="2">
-            <a:schemeClr val="accent1">
-              <a:shade val="50000"/>
-            </a:schemeClr>
-          </a:lnRef>
-          <a:fillRef idx="1">
-            <a:schemeClr val="accent1"/>
-          </a:fillRef>
-          <a:effectRef idx="0">
-            <a:schemeClr val="accent1"/>
-          </a:effectRef>
-          <a:fontRef idx="minor">
-            <a:schemeClr val="lt1"/>
-          </a:fontRef>
-        </p:style>
-        <p:txBody>
-          <a:bodyPr rtlCol="0" anchor="ctr"/>
-          <a:lstStyle/>
-          <a:p>
-            <a:pPr algn="ctr"/>
-            <a:r>
-              <a:rPr lang="ko-KR" altLang="en-US" dirty="0">
-                <a:ea typeface="맑은 고딕"/>
-              </a:rPr>
-              <a:t>모바일</a:t>
-            </a:r>
-          </a:p>
-        </p:txBody>
-      </p:sp>
-      <p:sp>
-        <p:nvSpPr>
-          <p:cNvPr id="10" name="직사각형 9">
-            <a:extLst>
-              <a:ext uri="{FF2B5EF4-FFF2-40B4-BE49-F238E27FC236}">
-                <a16:creationId xmlns:a16="http://schemas.microsoft.com/office/drawing/2014/main" id="{6A5327EE-DAC2-4F95-9DE7-1CD2ECEFB961}"/>
-              </a:ext>
-            </a:extLst>
-          </p:cNvPr>
-          <p:cNvSpPr/>
-          <p:nvPr/>
-        </p:nvSpPr>
-        <p:spPr>
-          <a:xfrm>
-            <a:off x="699247" y="3169024"/>
-            <a:ext cx="1622611" cy="1021976"/>
-          </a:xfrm>
-          <a:prstGeom prst="rect">
-            <a:avLst/>
-          </a:prstGeom>
-        </p:spPr>
-        <p:style>
-          <a:lnRef idx="2">
-            <a:schemeClr val="accent1">
-              <a:shade val="50000"/>
-            </a:schemeClr>
-          </a:lnRef>
-          <a:fillRef idx="1">
-            <a:schemeClr val="accent1"/>
-          </a:fillRef>
-          <a:effectRef idx="0">
-            <a:schemeClr val="accent1"/>
-          </a:effectRef>
-          <a:fontRef idx="minor">
-            <a:schemeClr val="lt1"/>
-          </a:fontRef>
-        </p:style>
-        <p:txBody>
-          <a:bodyPr rtlCol="0" anchor="ctr"/>
-          <a:lstStyle/>
-          <a:p>
-            <a:pPr algn="ctr"/>
-            <a:r>
-              <a:rPr lang="ko-KR" altLang="en-US" dirty="0">
-                <a:ea typeface="맑은 고딕"/>
-              </a:rPr>
-              <a:t>웹사이트</a:t>
-            </a:r>
-          </a:p>
-        </p:txBody>
-      </p:sp>
-      <p:sp>
-        <p:nvSpPr>
-          <p:cNvPr id="11" name="직사각형 10">
-            <a:extLst>
-              <a:ext uri="{FF2B5EF4-FFF2-40B4-BE49-F238E27FC236}">
-                <a16:creationId xmlns:a16="http://schemas.microsoft.com/office/drawing/2014/main" id="{BAF540DF-CE4A-464C-B630-F67988429428}"/>
-              </a:ext>
-            </a:extLst>
-          </p:cNvPr>
-          <p:cNvSpPr/>
-          <p:nvPr/>
-        </p:nvSpPr>
-        <p:spPr>
-          <a:xfrm>
-            <a:off x="699246" y="4424082"/>
-            <a:ext cx="1622611" cy="1021976"/>
-          </a:xfrm>
-          <a:prstGeom prst="rect">
-            <a:avLst/>
-          </a:prstGeom>
-        </p:spPr>
-        <p:style>
-          <a:lnRef idx="2">
-            <a:schemeClr val="accent1">
-              <a:shade val="50000"/>
-            </a:schemeClr>
-          </a:lnRef>
-          <a:fillRef idx="1">
-            <a:schemeClr val="accent1"/>
-          </a:fillRef>
-          <a:effectRef idx="0">
-            <a:schemeClr val="accent1"/>
-          </a:effectRef>
-          <a:fontRef idx="minor">
-            <a:schemeClr val="lt1"/>
-          </a:fontRef>
-        </p:style>
-        <p:txBody>
-          <a:bodyPr rtlCol="0" anchor="ctr"/>
-          <a:lstStyle/>
-          <a:p>
-            <a:pPr algn="ctr"/>
-            <a:r>
-              <a:rPr lang="ko-KR" altLang="en-US" dirty="0">
-                <a:ea typeface="맑은 고딕"/>
-              </a:rPr>
-              <a:t>서비스</a:t>
-            </a:r>
-          </a:p>
-        </p:txBody>
-      </p:sp>
-      <p:sp>
-        <p:nvSpPr>
-          <p:cNvPr id="12" name="직사각형 11">
-            <a:extLst>
-              <a:ext uri="{FF2B5EF4-FFF2-40B4-BE49-F238E27FC236}">
-                <a16:creationId xmlns:a16="http://schemas.microsoft.com/office/drawing/2014/main" id="{4F5FD371-4A8C-4858-8F39-83B56D8186C9}"/>
-              </a:ext>
-            </a:extLst>
-          </p:cNvPr>
-          <p:cNvSpPr/>
-          <p:nvPr/>
-        </p:nvSpPr>
-        <p:spPr>
-          <a:xfrm>
-            <a:off x="3424517" y="3169023"/>
-            <a:ext cx="1622611" cy="1021976"/>
-          </a:xfrm>
-          <a:prstGeom prst="rect">
-            <a:avLst/>
-          </a:prstGeom>
-        </p:spPr>
-        <p:style>
-          <a:lnRef idx="2">
-            <a:schemeClr val="accent1">
-              <a:shade val="50000"/>
-            </a:schemeClr>
-          </a:lnRef>
-          <a:fillRef idx="1">
-            <a:schemeClr val="accent1"/>
-          </a:fillRef>
-          <a:effectRef idx="0">
-            <a:schemeClr val="accent1"/>
-          </a:effectRef>
-          <a:fontRef idx="minor">
-            <a:schemeClr val="lt1"/>
-          </a:fontRef>
-        </p:style>
-        <p:txBody>
-          <a:bodyPr rtlCol="0" anchor="ctr"/>
-          <a:lstStyle/>
-          <a:p>
-            <a:pPr algn="ctr"/>
-            <a:r>
-              <a:rPr lang="ko-KR" altLang="en-US" dirty="0">
-                <a:ea typeface="맑은 고딕"/>
-              </a:rPr>
-              <a:t>인터넷</a:t>
-            </a:r>
-          </a:p>
-        </p:txBody>
-      </p:sp>
-      <p:sp>
-        <p:nvSpPr>
-          <p:cNvPr id="13" name="사각형: 둥근 모서리 12">
-            <a:extLst>
-              <a:ext uri="{FF2B5EF4-FFF2-40B4-BE49-F238E27FC236}">
-                <a16:creationId xmlns:a16="http://schemas.microsoft.com/office/drawing/2014/main" id="{E4590C97-362A-4D82-A9B9-E510EC38FD11}"/>
-              </a:ext>
-            </a:extLst>
-          </p:cNvPr>
-          <p:cNvSpPr/>
-          <p:nvPr/>
-        </p:nvSpPr>
-        <p:spPr>
-          <a:xfrm>
-            <a:off x="6272187" y="3166934"/>
-            <a:ext cx="1550894" cy="1120588"/>
-          </a:xfrm>
-          <a:prstGeom prst="roundRect">
-            <a:avLst/>
-          </a:prstGeom>
-        </p:spPr>
-        <p:style>
-          <a:lnRef idx="0">
-            <a:schemeClr val="accent2"/>
-          </a:lnRef>
-          <a:fillRef idx="3">
-            <a:schemeClr val="accent2"/>
-          </a:fillRef>
-          <a:effectRef idx="3">
-            <a:schemeClr val="accent2"/>
-          </a:effectRef>
-          <a:fontRef idx="minor">
-            <a:schemeClr val="lt1"/>
-          </a:fontRef>
-        </p:style>
-        <p:txBody>
-          <a:bodyPr rtlCol="0" anchor="ctr"/>
-          <a:lstStyle/>
-          <a:p>
-            <a:pPr algn="ctr"/>
-            <a:r>
-              <a:rPr lang="ko-KR" altLang="en-US" dirty="0">
-                <a:ea typeface="맑은 고딕"/>
-              </a:rPr>
-              <a:t>API</a:t>
-            </a:r>
-          </a:p>
-          <a:p>
-            <a:pPr algn="ctr"/>
+            <a:off x="838200" y="1825625"/>
+            <a:ext cx="9926781" cy="4351338"/>
+          </a:xfrm>
+        </p:spPr>
+        <p:txBody>
+          <a:bodyPr vert="horz" lIns="91440" tIns="45720" rIns="91440" bIns="45720" rtlCol="0" anchor="t">
+            <a:normAutofit/>
+          </a:bodyPr>
+          <a:lstStyle/>
+          <a:p>
             <a:r>
               <a:rPr lang="ko-KR" altLang="en-US" dirty="0" err="1">
                 <a:ea typeface="맑은 고딕"/>
               </a:rPr>
-              <a:t>Gateway</a:t>
-            </a:r>
-          </a:p>
-        </p:txBody>
-      </p:sp>
-      <p:cxnSp>
-        <p:nvCxnSpPr>
-          <p:cNvPr id="14" name="직선 화살표 연결선 13">
-            <a:extLst>
-              <a:ext uri="{FF2B5EF4-FFF2-40B4-BE49-F238E27FC236}">
-                <a16:creationId xmlns:a16="http://schemas.microsoft.com/office/drawing/2014/main" id="{E322CE20-1CDA-468C-98BC-C06588E3414D}"/>
-              </a:ext>
-            </a:extLst>
-          </p:cNvPr>
-          <p:cNvCxnSpPr/>
-          <p:nvPr/>
-        </p:nvCxnSpPr>
-        <p:spPr>
-          <a:xfrm flipV="1">
-            <a:off x="2356597" y="3813361"/>
-            <a:ext cx="1030942" cy="1156447"/>
-          </a:xfrm>
-          <a:prstGeom prst="straightConnector1">
-            <a:avLst/>
-          </a:prstGeom>
-          <a:ln>
-            <a:tailEnd type="triangle"/>
-          </a:ln>
-        </p:spPr>
-        <p:style>
-          <a:lnRef idx="3">
-            <a:schemeClr val="dk1"/>
-          </a:lnRef>
-          <a:fillRef idx="0">
-            <a:schemeClr val="dk1"/>
-          </a:fillRef>
-          <a:effectRef idx="2">
-            <a:schemeClr val="dk1"/>
-          </a:effectRef>
-          <a:fontRef idx="minor">
-            <a:schemeClr val="tx1"/>
-          </a:fontRef>
-        </p:style>
-      </p:cxnSp>
-      <p:cxnSp>
-        <p:nvCxnSpPr>
-          <p:cNvPr id="16" name="직선 화살표 연결선 15">
-            <a:extLst>
-              <a:ext uri="{FF2B5EF4-FFF2-40B4-BE49-F238E27FC236}">
-                <a16:creationId xmlns:a16="http://schemas.microsoft.com/office/drawing/2014/main" id="{B106F54A-89E3-4BEB-B5F1-F017A2582AC8}"/>
-              </a:ext>
-            </a:extLst>
-          </p:cNvPr>
-          <p:cNvCxnSpPr>
-            <a:cxnSpLocks/>
-          </p:cNvCxnSpPr>
-          <p:nvPr/>
-        </p:nvCxnSpPr>
-        <p:spPr>
-          <a:xfrm flipV="1">
-            <a:off x="2356596" y="3714748"/>
-            <a:ext cx="1021978" cy="44823"/>
-          </a:xfrm>
-          <a:prstGeom prst="straightConnector1">
-            <a:avLst/>
-          </a:prstGeom>
-          <a:ln>
-            <a:tailEnd type="triangle"/>
-          </a:ln>
-        </p:spPr>
-        <p:style>
-          <a:lnRef idx="3">
-            <a:schemeClr val="dk1"/>
-          </a:lnRef>
-          <a:fillRef idx="0">
-            <a:schemeClr val="dk1"/>
-          </a:fillRef>
-          <a:effectRef idx="2">
-            <a:schemeClr val="dk1"/>
-          </a:effectRef>
-          <a:fontRef idx="minor">
-            <a:schemeClr val="tx1"/>
-          </a:fontRef>
-        </p:style>
-      </p:cxnSp>
-      <p:cxnSp>
-        <p:nvCxnSpPr>
-          <p:cNvPr id="17" name="직선 화살표 연결선 16">
-            <a:extLst>
-              <a:ext uri="{FF2B5EF4-FFF2-40B4-BE49-F238E27FC236}">
-                <a16:creationId xmlns:a16="http://schemas.microsoft.com/office/drawing/2014/main" id="{61C08FA0-5892-4071-B107-CA924113058B}"/>
-              </a:ext>
-            </a:extLst>
-          </p:cNvPr>
-          <p:cNvCxnSpPr>
-            <a:cxnSpLocks/>
-          </p:cNvCxnSpPr>
-          <p:nvPr/>
-        </p:nvCxnSpPr>
-        <p:spPr>
-          <a:xfrm>
-            <a:off x="2347936" y="2460707"/>
-            <a:ext cx="1030637" cy="1124154"/>
-          </a:xfrm>
-          <a:prstGeom prst="straightConnector1">
-            <a:avLst/>
-          </a:prstGeom>
-          <a:ln>
-            <a:tailEnd type="triangle"/>
-          </a:ln>
-        </p:spPr>
-        <p:style>
-          <a:lnRef idx="3">
-            <a:schemeClr val="dk1"/>
-          </a:lnRef>
-          <a:fillRef idx="0">
-            <a:schemeClr val="dk1"/>
-          </a:fillRef>
-          <a:effectRef idx="2">
-            <a:schemeClr val="dk1"/>
-          </a:effectRef>
-          <a:fontRef idx="minor">
-            <a:schemeClr val="tx1"/>
-          </a:fontRef>
-        </p:style>
-      </p:cxnSp>
-      <p:sp>
-        <p:nvSpPr>
-          <p:cNvPr id="18" name="사각형: 둥근 모서리 17">
-            <a:extLst>
-              <a:ext uri="{FF2B5EF4-FFF2-40B4-BE49-F238E27FC236}">
-                <a16:creationId xmlns:a16="http://schemas.microsoft.com/office/drawing/2014/main" id="{6A8DB821-5572-466C-BB57-BFF710242BB7}"/>
-              </a:ext>
-            </a:extLst>
-          </p:cNvPr>
-          <p:cNvSpPr/>
-          <p:nvPr/>
-        </p:nvSpPr>
-        <p:spPr>
-          <a:xfrm>
-            <a:off x="8998527" y="2954481"/>
-            <a:ext cx="2294658" cy="1437408"/>
-          </a:xfrm>
-          <a:prstGeom prst="roundRect">
-            <a:avLst/>
-          </a:prstGeom>
-        </p:spPr>
-        <p:style>
-          <a:lnRef idx="0">
-            <a:schemeClr val="accent4"/>
-          </a:lnRef>
-          <a:fillRef idx="3">
-            <a:schemeClr val="accent4"/>
-          </a:fillRef>
-          <a:effectRef idx="3">
-            <a:schemeClr val="accent4"/>
-          </a:effectRef>
-          <a:fontRef idx="minor">
-            <a:schemeClr val="lt1"/>
-          </a:fontRef>
-        </p:style>
-        <p:txBody>
-          <a:bodyPr rtlCol="0" anchor="ctr"/>
-          <a:lstStyle/>
-          <a:p>
-            <a:pPr algn="ctr"/>
-            <a:r>
-              <a:rPr lang="ko-KR" altLang="en-US" dirty="0">
-                <a:solidFill>
-                  <a:schemeClr val="tx1">
-                    <a:lumMod val="95000"/>
-                    <a:lumOff val="5000"/>
-                  </a:schemeClr>
-                </a:solidFill>
-                <a:ea typeface="맑은 고딕"/>
-              </a:rPr>
-              <a:t>AWS </a:t>
+              <a:t>Node.js</a:t>
+            </a:r>
+            <a:r>
+              <a:rPr lang="ko-KR" altLang="en-US" dirty="0">
+                <a:ea typeface="맑은 고딕"/>
+              </a:rPr>
+              <a:t>, </a:t>
             </a:r>
             <a:r>
               <a:rPr lang="ko-KR" altLang="en-US" dirty="0" err="1">
-                <a:solidFill>
-                  <a:schemeClr val="tx1">
-                    <a:lumMod val="95000"/>
-                    <a:lumOff val="5000"/>
-                  </a:schemeClr>
-                </a:solidFill>
-                <a:ea typeface="맑은 고딕"/>
-              </a:rPr>
-              <a:t>Lambda</a:t>
-            </a:r>
-            <a:r>
-              <a:rPr lang="ko-KR" altLang="en-US" dirty="0">
-                <a:solidFill>
-                  <a:schemeClr val="tx1">
-                    <a:lumMod val="95000"/>
-                    <a:lumOff val="5000"/>
-                  </a:schemeClr>
-                </a:solidFill>
-                <a:ea typeface="맑은 고딕"/>
-              </a:rPr>
-              <a:t> </a:t>
+                <a:ea typeface="맑은 고딕"/>
+              </a:rPr>
+              <a:t>Java</a:t>
+            </a:r>
+            <a:r>
+              <a:rPr lang="ko-KR" altLang="en-US" dirty="0">
+                <a:ea typeface="맑은 고딕"/>
+              </a:rPr>
+              <a:t> 등의 언어를 실행 가능.</a:t>
+            </a:r>
+          </a:p>
+          <a:p>
+            <a:endParaRPr lang="ko-KR" altLang="en-US" dirty="0">
+              <a:ea typeface="맑은 고딕"/>
+            </a:endParaRPr>
+          </a:p>
+          <a:p>
+            <a:r>
+              <a:rPr lang="ko-KR" altLang="en-US" dirty="0">
+                <a:ea typeface="맑은 고딕"/>
+              </a:rPr>
+              <a:t>메모리를 설정 </a:t>
             </a:r>
             <a:r>
               <a:rPr lang="ko-KR" altLang="en-US" dirty="0" err="1">
-                <a:solidFill>
-                  <a:schemeClr val="tx1">
-                    <a:lumMod val="95000"/>
-                    <a:lumOff val="5000"/>
-                  </a:schemeClr>
-                </a:solidFill>
-                <a:ea typeface="맑은 고딕"/>
-              </a:rPr>
-              <a:t>functions</a:t>
-            </a:r>
-            <a:endParaRPr lang="ko-KR" altLang="en-US" dirty="0" err="1">
-              <a:solidFill>
-                <a:schemeClr val="tx1">
-                  <a:lumMod val="95000"/>
-                  <a:lumOff val="5000"/>
-                </a:schemeClr>
-              </a:solidFill>
+                <a:ea typeface="맑은 고딕"/>
+              </a:rPr>
+              <a:t>할수</a:t>
+            </a:r>
+            <a:r>
+              <a:rPr lang="ko-KR" altLang="en-US" dirty="0">
+                <a:ea typeface="맑은 고딕"/>
+              </a:rPr>
+              <a:t> 있으며, 할당된 메모리에 비례하여 CPU, 네트웍 자원이 할당 됨.</a:t>
+            </a:r>
+          </a:p>
+          <a:p>
+            <a:endParaRPr lang="ko-KR" altLang="en-US" dirty="0">
+              <a:ea typeface="맑은 고딕"/>
             </a:endParaRPr>
           </a:p>
-        </p:txBody>
-      </p:sp>
-      <p:cxnSp>
-        <p:nvCxnSpPr>
-          <p:cNvPr id="19" name="직선 화살표 연결선 18">
-            <a:extLst>
-              <a:ext uri="{FF2B5EF4-FFF2-40B4-BE49-F238E27FC236}">
-                <a16:creationId xmlns:a16="http://schemas.microsoft.com/office/drawing/2014/main" id="{6A5E307B-1CA2-47D5-AE9A-E85C49B61FD8}"/>
-              </a:ext>
-            </a:extLst>
-          </p:cNvPr>
-          <p:cNvCxnSpPr>
-            <a:cxnSpLocks/>
-          </p:cNvCxnSpPr>
-          <p:nvPr/>
-        </p:nvCxnSpPr>
-        <p:spPr>
-          <a:xfrm flipV="1">
-            <a:off x="5066891" y="3654134"/>
-            <a:ext cx="1021978" cy="44823"/>
-          </a:xfrm>
-          <a:prstGeom prst="straightConnector1">
-            <a:avLst/>
-          </a:prstGeom>
-          <a:ln>
-            <a:tailEnd type="triangle"/>
-          </a:ln>
-        </p:spPr>
-        <p:style>
-          <a:lnRef idx="3">
-            <a:schemeClr val="dk1"/>
-          </a:lnRef>
-          <a:fillRef idx="0">
-            <a:schemeClr val="dk1"/>
-          </a:fillRef>
-          <a:effectRef idx="2">
-            <a:schemeClr val="dk1"/>
-          </a:effectRef>
-          <a:fontRef idx="minor">
-            <a:schemeClr val="tx1"/>
-          </a:fontRef>
-        </p:style>
-      </p:cxnSp>
-      <p:cxnSp>
-        <p:nvCxnSpPr>
-          <p:cNvPr id="20" name="직선 화살표 연결선 19">
-            <a:extLst>
-              <a:ext uri="{FF2B5EF4-FFF2-40B4-BE49-F238E27FC236}">
-                <a16:creationId xmlns:a16="http://schemas.microsoft.com/office/drawing/2014/main" id="{0FC52EAF-94C1-4F83-B69E-BE0F746F13C9}"/>
-              </a:ext>
-            </a:extLst>
-          </p:cNvPr>
-          <p:cNvCxnSpPr>
-            <a:cxnSpLocks/>
-          </p:cNvCxnSpPr>
-          <p:nvPr/>
-        </p:nvCxnSpPr>
-        <p:spPr>
-          <a:xfrm flipV="1">
-            <a:off x="8036959" y="3619497"/>
-            <a:ext cx="805501" cy="18846"/>
-          </a:xfrm>
-          <a:prstGeom prst="straightConnector1">
-            <a:avLst/>
-          </a:prstGeom>
-          <a:ln>
-            <a:tailEnd type="triangle"/>
-          </a:ln>
-        </p:spPr>
-        <p:style>
-          <a:lnRef idx="3">
-            <a:schemeClr val="dk1"/>
-          </a:lnRef>
-          <a:fillRef idx="0">
-            <a:schemeClr val="dk1"/>
-          </a:fillRef>
-          <a:effectRef idx="2">
-            <a:schemeClr val="dk1"/>
-          </a:effectRef>
-          <a:fontRef idx="minor">
-            <a:schemeClr val="tx1"/>
-          </a:fontRef>
-        </p:style>
-      </p:cxnSp>
+          <a:p>
+            <a:r>
+              <a:rPr lang="ko-KR" altLang="en-US" dirty="0" err="1">
+                <a:ea typeface="맑은 고딕"/>
+              </a:rPr>
+              <a:t>Amazon</a:t>
+            </a:r>
+            <a:r>
+              <a:rPr lang="ko-KR" altLang="en-US" dirty="0">
+                <a:ea typeface="맑은 고딕"/>
+              </a:rPr>
+              <a:t> API </a:t>
+            </a:r>
+            <a:r>
+              <a:rPr lang="ko-KR" altLang="en-US" dirty="0" err="1">
+                <a:ea typeface="맑은 고딕"/>
+              </a:rPr>
+              <a:t>Gateway와</a:t>
+            </a:r>
+            <a:r>
+              <a:rPr lang="ko-KR" altLang="en-US" dirty="0">
+                <a:ea typeface="맑은 고딕"/>
+              </a:rPr>
+              <a:t> 연동하여 REST API 호출이 가능</a:t>
+            </a:r>
+          </a:p>
+          <a:p>
+            <a:endParaRPr lang="ko-KR" altLang="en-US" dirty="0">
+              <a:ea typeface="맑은 고딕"/>
+            </a:endParaRPr>
+          </a:p>
+          <a:p>
+            <a:r>
+              <a:rPr lang="ko-KR" altLang="en-US" dirty="0">
+                <a:ea typeface="맑은 고딕"/>
+              </a:rPr>
+              <a:t>AWS IAM(</a:t>
+            </a:r>
+            <a:r>
+              <a:rPr lang="ko-KR" altLang="en-US" dirty="0" err="1">
+                <a:ea typeface="맑은 고딕"/>
+              </a:rPr>
+              <a:t>identity</a:t>
+            </a:r>
+            <a:r>
+              <a:rPr lang="ko-KR" altLang="en-US" dirty="0">
+                <a:ea typeface="맑은 고딕"/>
+              </a:rPr>
+              <a:t> and Access Management)</a:t>
+            </a:r>
+            <a:r>
+              <a:rPr lang="ko-KR" altLang="en-US" dirty="0" err="1">
+                <a:ea typeface="맑은 고딕"/>
+              </a:rPr>
+              <a:t>를</a:t>
+            </a:r>
+            <a:r>
+              <a:rPr lang="ko-KR" altLang="en-US" dirty="0">
+                <a:ea typeface="맑은 고딕"/>
+              </a:rPr>
+              <a:t> 사용한 실행 권한 설정이 가능</a:t>
+            </a:r>
+          </a:p>
+        </p:txBody>
+      </p:sp>
     </p:spTree>
     <p:extLst>
       <p:ext uri="{BB962C8B-B14F-4D97-AF65-F5344CB8AC3E}">
-        <p14:creationId xmlns:p14="http://schemas.microsoft.com/office/powerpoint/2010/main" val="1277153644"/>
+        <p14:creationId xmlns:p14="http://schemas.microsoft.com/office/powerpoint/2010/main" val="2914230375"/>
       </p:ext>
     </p:extLst>
   </p:cSld>
